--- a/assets/2022-7-16-비트연산/프레젠테이션1.pptx
+++ b/assets/2022-7-16-비트연산/프레젠테이션1.pptx
@@ -6,6 +6,12 @@
   </p:sldMasterIdLst>
   <p:sldIdLst>
     <p:sldId id="256" r:id="rId2"/>
+    <p:sldId id="257" r:id="rId3"/>
+    <p:sldId id="258" r:id="rId4"/>
+    <p:sldId id="259" r:id="rId5"/>
+    <p:sldId id="260" r:id="rId6"/>
+    <p:sldId id="261" r:id="rId7"/>
+    <p:sldId id="262" r:id="rId8"/>
   </p:sldIdLst>
   <p:sldSz cx="12192000" cy="6858000"/>
   <p:notesSz cx="6858000" cy="9144000"/>
@@ -104,6 +110,11 @@
       </a:defRPr>
     </a:lvl9pPr>
   </p:defaultTextStyle>
+  <p:extLst>
+    <p:ext uri="{EFAFB233-063F-42B5-8137-9DF3F51BA10A}">
+      <p15:sldGuideLst xmlns:p15="http://schemas.microsoft.com/office/powerpoint/2012/main"/>
+    </p:ext>
+  </p:extLst>
 </p:presentation>
 </file>
 
@@ -254,7 +265,7 @@
           <a:p>
             <a:fld id="{06E53C53-39B3-4767-9D7A-FEBEFAE22CE7}" type="datetimeFigureOut">
               <a:rPr lang="ko-KR" altLang="en-US" smtClean="0"/>
-              <a:t>2022-07-15</a:t>
+              <a:t>2022-07-16</a:t>
             </a:fld>
             <a:endParaRPr lang="ko-KR" altLang="en-US"/>
           </a:p>
@@ -452,7 +463,7 @@
           <a:p>
             <a:fld id="{06E53C53-39B3-4767-9D7A-FEBEFAE22CE7}" type="datetimeFigureOut">
               <a:rPr lang="ko-KR" altLang="en-US" smtClean="0"/>
-              <a:t>2022-07-15</a:t>
+              <a:t>2022-07-16</a:t>
             </a:fld>
             <a:endParaRPr lang="ko-KR" altLang="en-US"/>
           </a:p>
@@ -660,7 +671,7 @@
           <a:p>
             <a:fld id="{06E53C53-39B3-4767-9D7A-FEBEFAE22CE7}" type="datetimeFigureOut">
               <a:rPr lang="ko-KR" altLang="en-US" smtClean="0"/>
-              <a:t>2022-07-15</a:t>
+              <a:t>2022-07-16</a:t>
             </a:fld>
             <a:endParaRPr lang="ko-KR" altLang="en-US"/>
           </a:p>
@@ -858,7 +869,7 @@
           <a:p>
             <a:fld id="{06E53C53-39B3-4767-9D7A-FEBEFAE22CE7}" type="datetimeFigureOut">
               <a:rPr lang="ko-KR" altLang="en-US" smtClean="0"/>
-              <a:t>2022-07-15</a:t>
+              <a:t>2022-07-16</a:t>
             </a:fld>
             <a:endParaRPr lang="ko-KR" altLang="en-US"/>
           </a:p>
@@ -1133,7 +1144,7 @@
           <a:p>
             <a:fld id="{06E53C53-39B3-4767-9D7A-FEBEFAE22CE7}" type="datetimeFigureOut">
               <a:rPr lang="ko-KR" altLang="en-US" smtClean="0"/>
-              <a:t>2022-07-15</a:t>
+              <a:t>2022-07-16</a:t>
             </a:fld>
             <a:endParaRPr lang="ko-KR" altLang="en-US"/>
           </a:p>
@@ -1398,7 +1409,7 @@
           <a:p>
             <a:fld id="{06E53C53-39B3-4767-9D7A-FEBEFAE22CE7}" type="datetimeFigureOut">
               <a:rPr lang="ko-KR" altLang="en-US" smtClean="0"/>
-              <a:t>2022-07-15</a:t>
+              <a:t>2022-07-16</a:t>
             </a:fld>
             <a:endParaRPr lang="ko-KR" altLang="en-US"/>
           </a:p>
@@ -1810,7 +1821,7 @@
           <a:p>
             <a:fld id="{06E53C53-39B3-4767-9D7A-FEBEFAE22CE7}" type="datetimeFigureOut">
               <a:rPr lang="ko-KR" altLang="en-US" smtClean="0"/>
-              <a:t>2022-07-15</a:t>
+              <a:t>2022-07-16</a:t>
             </a:fld>
             <a:endParaRPr lang="ko-KR" altLang="en-US"/>
           </a:p>
@@ -1951,7 +1962,7 @@
           <a:p>
             <a:fld id="{06E53C53-39B3-4767-9D7A-FEBEFAE22CE7}" type="datetimeFigureOut">
               <a:rPr lang="ko-KR" altLang="en-US" smtClean="0"/>
-              <a:t>2022-07-15</a:t>
+              <a:t>2022-07-16</a:t>
             </a:fld>
             <a:endParaRPr lang="ko-KR" altLang="en-US"/>
           </a:p>
@@ -2064,7 +2075,7 @@
           <a:p>
             <a:fld id="{06E53C53-39B3-4767-9D7A-FEBEFAE22CE7}" type="datetimeFigureOut">
               <a:rPr lang="ko-KR" altLang="en-US" smtClean="0"/>
-              <a:t>2022-07-15</a:t>
+              <a:t>2022-07-16</a:t>
             </a:fld>
             <a:endParaRPr lang="ko-KR" altLang="en-US"/>
           </a:p>
@@ -2375,7 +2386,7 @@
           <a:p>
             <a:fld id="{06E53C53-39B3-4767-9D7A-FEBEFAE22CE7}" type="datetimeFigureOut">
               <a:rPr lang="ko-KR" altLang="en-US" smtClean="0"/>
-              <a:t>2022-07-15</a:t>
+              <a:t>2022-07-16</a:t>
             </a:fld>
             <a:endParaRPr lang="ko-KR" altLang="en-US"/>
           </a:p>
@@ -2663,7 +2674,7 @@
           <a:p>
             <a:fld id="{06E53C53-39B3-4767-9D7A-FEBEFAE22CE7}" type="datetimeFigureOut">
               <a:rPr lang="ko-KR" altLang="en-US" smtClean="0"/>
-              <a:t>2022-07-15</a:t>
+              <a:t>2022-07-16</a:t>
             </a:fld>
             <a:endParaRPr lang="ko-KR" altLang="en-US"/>
           </a:p>
@@ -2904,7 +2915,7 @@
           <a:p>
             <a:fld id="{06E53C53-39B3-4767-9D7A-FEBEFAE22CE7}" type="datetimeFigureOut">
               <a:rPr lang="ko-KR" altLang="en-US" smtClean="0"/>
-              <a:t>2022-07-15</a:t>
+              <a:t>2022-07-16</a:t>
             </a:fld>
             <a:endParaRPr lang="ko-KR" altLang="en-US"/>
           </a:p>
@@ -3896,6 +3907,5646 @@
 </p:sld>
 </file>
 
+<file path=ppt/slides/slide2.xml><?xml version="1.0" encoding="utf-8"?>
+<p:sld xmlns:a="http://schemas.openxmlformats.org/drawingml/2006/main" xmlns:r="http://schemas.openxmlformats.org/officeDocument/2006/relationships" xmlns:p="http://schemas.openxmlformats.org/presentationml/2006/main">
+  <p:cSld>
+    <p:spTree>
+      <p:nvGrpSpPr>
+        <p:cNvPr id="1" name=""/>
+        <p:cNvGrpSpPr/>
+        <p:nvPr/>
+      </p:nvGrpSpPr>
+      <p:grpSpPr>
+        <a:xfrm>
+          <a:off x="0" y="0"/>
+          <a:ext cx="0" cy="0"/>
+          <a:chOff x="0" y="0"/>
+          <a:chExt cx="0" cy="0"/>
+        </a:xfrm>
+      </p:grpSpPr>
+      <p:graphicFrame>
+        <p:nvGraphicFramePr>
+          <p:cNvPr id="2" name="표 2">
+            <a:extLst>
+              <a:ext uri="{FF2B5EF4-FFF2-40B4-BE49-F238E27FC236}">
+                <a16:creationId xmlns:a16="http://schemas.microsoft.com/office/drawing/2014/main" id="{7E0A9EB0-2B4E-E402-65DC-CFDB3069D760}"/>
+              </a:ext>
+            </a:extLst>
+          </p:cNvPr>
+          <p:cNvGraphicFramePr>
+            <a:graphicFrameLocks noGrp="1"/>
+          </p:cNvGraphicFramePr>
+          <p:nvPr>
+            <p:extLst>
+              <p:ext uri="{D42A27DB-BD31-4B8C-83A1-F6EECF244321}">
+                <p14:modId xmlns:p14="http://schemas.microsoft.com/office/powerpoint/2010/main" val="2498760411"/>
+              </p:ext>
+            </p:extLst>
+          </p:nvPr>
+        </p:nvGraphicFramePr>
+        <p:xfrm>
+          <a:off x="1639017" y="2006954"/>
+          <a:ext cx="8181104" cy="960816"/>
+        </p:xfrm>
+        <a:graphic>
+          <a:graphicData uri="http://schemas.openxmlformats.org/drawingml/2006/table">
+            <a:tbl>
+              <a:tblPr firstRow="1" bandRow="1">
+                <a:tableStyleId>{5C22544A-7EE6-4342-B048-85BDC9FD1C3A}</a:tableStyleId>
+              </a:tblPr>
+              <a:tblGrid>
+                <a:gridCol w="1022638">
+                  <a:extLst>
+                    <a:ext uri="{9D8B030D-6E8A-4147-A177-3AD203B41FA5}">
+                      <a16:colId xmlns:a16="http://schemas.microsoft.com/office/drawing/2014/main" val="1131516617"/>
+                    </a:ext>
+                  </a:extLst>
+                </a:gridCol>
+                <a:gridCol w="1022638">
+                  <a:extLst>
+                    <a:ext uri="{9D8B030D-6E8A-4147-A177-3AD203B41FA5}">
+                      <a16:colId xmlns:a16="http://schemas.microsoft.com/office/drawing/2014/main" val="3506922680"/>
+                    </a:ext>
+                  </a:extLst>
+                </a:gridCol>
+                <a:gridCol w="1022638">
+                  <a:extLst>
+                    <a:ext uri="{9D8B030D-6E8A-4147-A177-3AD203B41FA5}">
+                      <a16:colId xmlns:a16="http://schemas.microsoft.com/office/drawing/2014/main" val="3617156863"/>
+                    </a:ext>
+                  </a:extLst>
+                </a:gridCol>
+                <a:gridCol w="1022638">
+                  <a:extLst>
+                    <a:ext uri="{9D8B030D-6E8A-4147-A177-3AD203B41FA5}">
+                      <a16:colId xmlns:a16="http://schemas.microsoft.com/office/drawing/2014/main" val="1566354829"/>
+                    </a:ext>
+                  </a:extLst>
+                </a:gridCol>
+                <a:gridCol w="1022638">
+                  <a:extLst>
+                    <a:ext uri="{9D8B030D-6E8A-4147-A177-3AD203B41FA5}">
+                      <a16:colId xmlns:a16="http://schemas.microsoft.com/office/drawing/2014/main" val="3447932480"/>
+                    </a:ext>
+                  </a:extLst>
+                </a:gridCol>
+                <a:gridCol w="1022638">
+                  <a:extLst>
+                    <a:ext uri="{9D8B030D-6E8A-4147-A177-3AD203B41FA5}">
+                      <a16:colId xmlns:a16="http://schemas.microsoft.com/office/drawing/2014/main" val="1259241208"/>
+                    </a:ext>
+                  </a:extLst>
+                </a:gridCol>
+                <a:gridCol w="1022638">
+                  <a:extLst>
+                    <a:ext uri="{9D8B030D-6E8A-4147-A177-3AD203B41FA5}">
+                      <a16:colId xmlns:a16="http://schemas.microsoft.com/office/drawing/2014/main" val="58573078"/>
+                    </a:ext>
+                  </a:extLst>
+                </a:gridCol>
+                <a:gridCol w="1022638">
+                  <a:extLst>
+                    <a:ext uri="{9D8B030D-6E8A-4147-A177-3AD203B41FA5}">
+                      <a16:colId xmlns:a16="http://schemas.microsoft.com/office/drawing/2014/main" val="1814585855"/>
+                    </a:ext>
+                  </a:extLst>
+                </a:gridCol>
+              </a:tblGrid>
+              <a:tr h="960816">
+                <a:tc>
+                  <a:txBody>
+                    <a:bodyPr/>
+                    <a:lstStyle/>
+                    <a:p>
+                      <a:pPr algn="ctr" latinLnBrk="1"/>
+                      <a:r>
+                        <a:rPr lang="en-US" altLang="ko-KR" sz="4000" dirty="0"/>
+                        <a:t>0</a:t>
+                      </a:r>
+                      <a:endParaRPr lang="ko-KR" altLang="en-US" sz="4000" dirty="0"/>
+                    </a:p>
+                  </a:txBody>
+                  <a:tcPr marL="124764" marR="124764" marT="62381" marB="62381" anchor="ctr"/>
+                </a:tc>
+                <a:tc>
+                  <a:txBody>
+                    <a:bodyPr/>
+                    <a:lstStyle/>
+                    <a:p>
+                      <a:pPr algn="ctr" latinLnBrk="1"/>
+                      <a:r>
+                        <a:rPr lang="en-US" altLang="ko-KR" sz="4000" dirty="0"/>
+                        <a:t>1</a:t>
+                      </a:r>
+                      <a:endParaRPr lang="ko-KR" altLang="en-US" sz="4000" dirty="0"/>
+                    </a:p>
+                  </a:txBody>
+                  <a:tcPr marL="124764" marR="124764" marT="62381" marB="62381" anchor="ctr"/>
+                </a:tc>
+                <a:tc>
+                  <a:txBody>
+                    <a:bodyPr/>
+                    <a:lstStyle/>
+                    <a:p>
+                      <a:pPr algn="ctr" latinLnBrk="1"/>
+                      <a:r>
+                        <a:rPr lang="en-US" altLang="ko-KR" sz="4000" dirty="0"/>
+                        <a:t>0</a:t>
+                      </a:r>
+                      <a:endParaRPr lang="ko-KR" altLang="en-US" sz="4000" dirty="0"/>
+                    </a:p>
+                  </a:txBody>
+                  <a:tcPr marL="124764" marR="124764" marT="62381" marB="62381" anchor="ctr"/>
+                </a:tc>
+                <a:tc>
+                  <a:txBody>
+                    <a:bodyPr/>
+                    <a:lstStyle/>
+                    <a:p>
+                      <a:pPr algn="ctr" latinLnBrk="1"/>
+                      <a:r>
+                        <a:rPr lang="en-US" altLang="ko-KR" sz="4000" dirty="0"/>
+                        <a:t>1</a:t>
+                      </a:r>
+                      <a:endParaRPr lang="ko-KR" altLang="en-US" sz="4000" dirty="0"/>
+                    </a:p>
+                  </a:txBody>
+                  <a:tcPr marL="124764" marR="124764" marT="62381" marB="62381" anchor="ctr"/>
+                </a:tc>
+                <a:tc>
+                  <a:txBody>
+                    <a:bodyPr/>
+                    <a:lstStyle/>
+                    <a:p>
+                      <a:pPr algn="ctr" latinLnBrk="1"/>
+                      <a:r>
+                        <a:rPr lang="en-US" altLang="ko-KR" sz="4000" dirty="0"/>
+                        <a:t>1</a:t>
+                      </a:r>
+                      <a:endParaRPr lang="ko-KR" altLang="en-US" sz="4000" dirty="0"/>
+                    </a:p>
+                  </a:txBody>
+                  <a:tcPr marL="124764" marR="124764" marT="62381" marB="62381" anchor="ctr"/>
+                </a:tc>
+                <a:tc>
+                  <a:txBody>
+                    <a:bodyPr/>
+                    <a:lstStyle/>
+                    <a:p>
+                      <a:pPr algn="ctr" latinLnBrk="1"/>
+                      <a:r>
+                        <a:rPr lang="en-US" altLang="ko-KR" sz="4000" dirty="0"/>
+                        <a:t>0</a:t>
+                      </a:r>
+                      <a:endParaRPr lang="ko-KR" altLang="en-US" sz="4000" dirty="0"/>
+                    </a:p>
+                  </a:txBody>
+                  <a:tcPr marL="124764" marR="124764" marT="62381" marB="62381" anchor="ctr"/>
+                </a:tc>
+                <a:tc>
+                  <a:txBody>
+                    <a:bodyPr/>
+                    <a:lstStyle/>
+                    <a:p>
+                      <a:pPr algn="ctr" latinLnBrk="1"/>
+                      <a:r>
+                        <a:rPr lang="en-US" altLang="ko-KR" sz="4000" dirty="0"/>
+                        <a:t>0</a:t>
+                      </a:r>
+                      <a:endParaRPr lang="ko-KR" altLang="en-US" sz="4000" dirty="0"/>
+                    </a:p>
+                  </a:txBody>
+                  <a:tcPr marL="124764" marR="124764" marT="62381" marB="62381" anchor="ctr"/>
+                </a:tc>
+                <a:tc>
+                  <a:txBody>
+                    <a:bodyPr/>
+                    <a:lstStyle/>
+                    <a:p>
+                      <a:pPr algn="ctr" latinLnBrk="1"/>
+                      <a:r>
+                        <a:rPr lang="en-US" altLang="ko-KR" sz="4000" dirty="0"/>
+                        <a:t>1</a:t>
+                      </a:r>
+                      <a:endParaRPr lang="ko-KR" altLang="en-US" sz="4000" dirty="0"/>
+                    </a:p>
+                  </a:txBody>
+                  <a:tcPr marL="124764" marR="124764" marT="62381" marB="62381" anchor="ctr"/>
+                </a:tc>
+                <a:extLst>
+                  <a:ext uri="{0D108BD9-81ED-4DB2-BD59-A6C34878D82A}">
+                    <a16:rowId xmlns:a16="http://schemas.microsoft.com/office/drawing/2014/main" val="914075533"/>
+                  </a:ext>
+                </a:extLst>
+              </a:tr>
+            </a:tbl>
+          </a:graphicData>
+        </a:graphic>
+      </p:graphicFrame>
+      <p:graphicFrame>
+        <p:nvGraphicFramePr>
+          <p:cNvPr id="6" name="표 2">
+            <a:extLst>
+              <a:ext uri="{FF2B5EF4-FFF2-40B4-BE49-F238E27FC236}">
+                <a16:creationId xmlns:a16="http://schemas.microsoft.com/office/drawing/2014/main" id="{7122E786-F4E7-887E-443F-3D9F1523F4CC}"/>
+              </a:ext>
+            </a:extLst>
+          </p:cNvPr>
+          <p:cNvGraphicFramePr>
+            <a:graphicFrameLocks noGrp="1"/>
+          </p:cNvGraphicFramePr>
+          <p:nvPr>
+            <p:extLst>
+              <p:ext uri="{D42A27DB-BD31-4B8C-83A1-F6EECF244321}">
+                <p14:modId xmlns:p14="http://schemas.microsoft.com/office/powerpoint/2010/main" val="233719176"/>
+              </p:ext>
+            </p:extLst>
+          </p:nvPr>
+        </p:nvGraphicFramePr>
+        <p:xfrm>
+          <a:off x="1639017" y="3429000"/>
+          <a:ext cx="8181104" cy="960816"/>
+        </p:xfrm>
+        <a:graphic>
+          <a:graphicData uri="http://schemas.openxmlformats.org/drawingml/2006/table">
+            <a:tbl>
+              <a:tblPr firstRow="1" bandRow="1">
+                <a:tableStyleId>{5C22544A-7EE6-4342-B048-85BDC9FD1C3A}</a:tableStyleId>
+              </a:tblPr>
+              <a:tblGrid>
+                <a:gridCol w="1022638">
+                  <a:extLst>
+                    <a:ext uri="{9D8B030D-6E8A-4147-A177-3AD203B41FA5}">
+                      <a16:colId xmlns:a16="http://schemas.microsoft.com/office/drawing/2014/main" val="1131516617"/>
+                    </a:ext>
+                  </a:extLst>
+                </a:gridCol>
+                <a:gridCol w="1022638">
+                  <a:extLst>
+                    <a:ext uri="{9D8B030D-6E8A-4147-A177-3AD203B41FA5}">
+                      <a16:colId xmlns:a16="http://schemas.microsoft.com/office/drawing/2014/main" val="3506922680"/>
+                    </a:ext>
+                  </a:extLst>
+                </a:gridCol>
+                <a:gridCol w="1022638">
+                  <a:extLst>
+                    <a:ext uri="{9D8B030D-6E8A-4147-A177-3AD203B41FA5}">
+                      <a16:colId xmlns:a16="http://schemas.microsoft.com/office/drawing/2014/main" val="3617156863"/>
+                    </a:ext>
+                  </a:extLst>
+                </a:gridCol>
+                <a:gridCol w="1022638">
+                  <a:extLst>
+                    <a:ext uri="{9D8B030D-6E8A-4147-A177-3AD203B41FA5}">
+                      <a16:colId xmlns:a16="http://schemas.microsoft.com/office/drawing/2014/main" val="1566354829"/>
+                    </a:ext>
+                  </a:extLst>
+                </a:gridCol>
+                <a:gridCol w="1022638">
+                  <a:extLst>
+                    <a:ext uri="{9D8B030D-6E8A-4147-A177-3AD203B41FA5}">
+                      <a16:colId xmlns:a16="http://schemas.microsoft.com/office/drawing/2014/main" val="3447932480"/>
+                    </a:ext>
+                  </a:extLst>
+                </a:gridCol>
+                <a:gridCol w="1022638">
+                  <a:extLst>
+                    <a:ext uri="{9D8B030D-6E8A-4147-A177-3AD203B41FA5}">
+                      <a16:colId xmlns:a16="http://schemas.microsoft.com/office/drawing/2014/main" val="1259241208"/>
+                    </a:ext>
+                  </a:extLst>
+                </a:gridCol>
+                <a:gridCol w="1022638">
+                  <a:extLst>
+                    <a:ext uri="{9D8B030D-6E8A-4147-A177-3AD203B41FA5}">
+                      <a16:colId xmlns:a16="http://schemas.microsoft.com/office/drawing/2014/main" val="58573078"/>
+                    </a:ext>
+                  </a:extLst>
+                </a:gridCol>
+                <a:gridCol w="1022638">
+                  <a:extLst>
+                    <a:ext uri="{9D8B030D-6E8A-4147-A177-3AD203B41FA5}">
+                      <a16:colId xmlns:a16="http://schemas.microsoft.com/office/drawing/2014/main" val="1814585855"/>
+                    </a:ext>
+                  </a:extLst>
+                </a:gridCol>
+              </a:tblGrid>
+              <a:tr h="960816">
+                <a:tc>
+                  <a:txBody>
+                    <a:bodyPr/>
+                    <a:lstStyle/>
+                    <a:p>
+                      <a:pPr algn="ctr" latinLnBrk="1"/>
+                      <a:r>
+                        <a:rPr lang="en-US" altLang="ko-KR" sz="4000" dirty="0"/>
+                        <a:t>1</a:t>
+                      </a:r>
+                      <a:endParaRPr lang="ko-KR" altLang="en-US" sz="4000" dirty="0"/>
+                    </a:p>
+                  </a:txBody>
+                  <a:tcPr marL="124764" marR="124764" marT="62381" marB="62381" anchor="ctr"/>
+                </a:tc>
+                <a:tc>
+                  <a:txBody>
+                    <a:bodyPr/>
+                    <a:lstStyle/>
+                    <a:p>
+                      <a:pPr algn="ctr" latinLnBrk="1"/>
+                      <a:r>
+                        <a:rPr lang="en-US" altLang="ko-KR" sz="4000" dirty="0"/>
+                        <a:t>0</a:t>
+                      </a:r>
+                      <a:endParaRPr lang="ko-KR" altLang="en-US" sz="4000" dirty="0"/>
+                    </a:p>
+                  </a:txBody>
+                  <a:tcPr marL="124764" marR="124764" marT="62381" marB="62381" anchor="ctr"/>
+                </a:tc>
+                <a:tc>
+                  <a:txBody>
+                    <a:bodyPr/>
+                    <a:lstStyle/>
+                    <a:p>
+                      <a:pPr algn="ctr" latinLnBrk="1"/>
+                      <a:r>
+                        <a:rPr lang="en-US" altLang="ko-KR" sz="4000" dirty="0"/>
+                        <a:t>1</a:t>
+                      </a:r>
+                      <a:endParaRPr lang="ko-KR" altLang="en-US" sz="4000" dirty="0"/>
+                    </a:p>
+                  </a:txBody>
+                  <a:tcPr marL="124764" marR="124764" marT="62381" marB="62381" anchor="ctr"/>
+                </a:tc>
+                <a:tc>
+                  <a:txBody>
+                    <a:bodyPr/>
+                    <a:lstStyle/>
+                    <a:p>
+                      <a:pPr algn="ctr" latinLnBrk="1"/>
+                      <a:r>
+                        <a:rPr lang="en-US" altLang="ko-KR" sz="4000" dirty="0"/>
+                        <a:t>0</a:t>
+                      </a:r>
+                      <a:endParaRPr lang="ko-KR" altLang="en-US" sz="4000" dirty="0"/>
+                    </a:p>
+                  </a:txBody>
+                  <a:tcPr marL="124764" marR="124764" marT="62381" marB="62381" anchor="ctr"/>
+                </a:tc>
+                <a:tc>
+                  <a:txBody>
+                    <a:bodyPr/>
+                    <a:lstStyle/>
+                    <a:p>
+                      <a:pPr algn="ctr" latinLnBrk="1"/>
+                      <a:r>
+                        <a:rPr lang="en-US" altLang="ko-KR" sz="4000" dirty="0"/>
+                        <a:t>0</a:t>
+                      </a:r>
+                      <a:endParaRPr lang="ko-KR" altLang="en-US" sz="4000" dirty="0"/>
+                    </a:p>
+                  </a:txBody>
+                  <a:tcPr marL="124764" marR="124764" marT="62381" marB="62381" anchor="ctr"/>
+                </a:tc>
+                <a:tc>
+                  <a:txBody>
+                    <a:bodyPr/>
+                    <a:lstStyle/>
+                    <a:p>
+                      <a:pPr algn="ctr" latinLnBrk="1"/>
+                      <a:r>
+                        <a:rPr lang="en-US" altLang="ko-KR" sz="4000" dirty="0"/>
+                        <a:t>1</a:t>
+                      </a:r>
+                      <a:endParaRPr lang="ko-KR" altLang="en-US" sz="4000" dirty="0"/>
+                    </a:p>
+                  </a:txBody>
+                  <a:tcPr marL="124764" marR="124764" marT="62381" marB="62381" anchor="ctr"/>
+                </a:tc>
+                <a:tc>
+                  <a:txBody>
+                    <a:bodyPr/>
+                    <a:lstStyle/>
+                    <a:p>
+                      <a:pPr algn="ctr" latinLnBrk="1"/>
+                      <a:r>
+                        <a:rPr lang="en-US" altLang="ko-KR" sz="4000" dirty="0"/>
+                        <a:t>1</a:t>
+                      </a:r>
+                      <a:endParaRPr lang="ko-KR" altLang="en-US" sz="4000" dirty="0"/>
+                    </a:p>
+                  </a:txBody>
+                  <a:tcPr marL="124764" marR="124764" marT="62381" marB="62381" anchor="ctr"/>
+                </a:tc>
+                <a:tc>
+                  <a:txBody>
+                    <a:bodyPr/>
+                    <a:lstStyle/>
+                    <a:p>
+                      <a:pPr algn="ctr" latinLnBrk="1"/>
+                      <a:r>
+                        <a:rPr lang="en-US" altLang="ko-KR" sz="4000" dirty="0"/>
+                        <a:t>0</a:t>
+                      </a:r>
+                      <a:endParaRPr lang="ko-KR" altLang="en-US" sz="4000" dirty="0"/>
+                    </a:p>
+                  </a:txBody>
+                  <a:tcPr marL="124764" marR="124764" marT="62381" marB="62381" anchor="ctr"/>
+                </a:tc>
+                <a:extLst>
+                  <a:ext uri="{0D108BD9-81ED-4DB2-BD59-A6C34878D82A}">
+                    <a16:rowId xmlns:a16="http://schemas.microsoft.com/office/drawing/2014/main" val="914075533"/>
+                  </a:ext>
+                </a:extLst>
+              </a:tr>
+            </a:tbl>
+          </a:graphicData>
+        </a:graphic>
+      </p:graphicFrame>
+      <p:sp>
+        <p:nvSpPr>
+          <p:cNvPr id="3" name="TextBox 2">
+            <a:extLst>
+              <a:ext uri="{FF2B5EF4-FFF2-40B4-BE49-F238E27FC236}">
+                <a16:creationId xmlns:a16="http://schemas.microsoft.com/office/drawing/2014/main" id="{A785A43E-08A7-4468-0B5B-881CD3C14511}"/>
+              </a:ext>
+            </a:extLst>
+          </p:cNvPr>
+          <p:cNvSpPr txBox="1"/>
+          <p:nvPr/>
+        </p:nvSpPr>
+        <p:spPr>
+          <a:xfrm>
+            <a:off x="680046" y="2006954"/>
+            <a:ext cx="519694" cy="830997"/>
+          </a:xfrm>
+          <a:prstGeom prst="rect">
+            <a:avLst/>
+          </a:prstGeom>
+          <a:noFill/>
+        </p:spPr>
+        <p:txBody>
+          <a:bodyPr wrap="none" rtlCol="0">
+            <a:spAutoFit/>
+          </a:bodyPr>
+          <a:lstStyle/>
+          <a:p>
+            <a:pPr algn="ctr"/>
+            <a:r>
+              <a:rPr lang="en-US" altLang="ko-KR" sz="4800" b="1" dirty="0"/>
+              <a:t>a</a:t>
+            </a:r>
+            <a:endParaRPr lang="ko-KR" altLang="en-US" sz="4800" b="1" dirty="0"/>
+          </a:p>
+        </p:txBody>
+      </p:sp>
+      <p:sp>
+        <p:nvSpPr>
+          <p:cNvPr id="7" name="TextBox 6">
+            <a:extLst>
+              <a:ext uri="{FF2B5EF4-FFF2-40B4-BE49-F238E27FC236}">
+                <a16:creationId xmlns:a16="http://schemas.microsoft.com/office/drawing/2014/main" id="{41D2E4FC-2C22-4F3E-4FDB-809D411655D5}"/>
+              </a:ext>
+            </a:extLst>
+          </p:cNvPr>
+          <p:cNvSpPr txBox="1"/>
+          <p:nvPr/>
+        </p:nvSpPr>
+        <p:spPr>
+          <a:xfrm>
+            <a:off x="458832" y="3493909"/>
+            <a:ext cx="962123" cy="830997"/>
+          </a:xfrm>
+          <a:prstGeom prst="rect">
+            <a:avLst/>
+          </a:prstGeom>
+          <a:noFill/>
+        </p:spPr>
+        <p:txBody>
+          <a:bodyPr wrap="none" rtlCol="0">
+            <a:spAutoFit/>
+          </a:bodyPr>
+          <a:lstStyle/>
+          <a:p>
+            <a:pPr algn="ctr"/>
+            <a:r>
+              <a:rPr lang="en-US" altLang="ko-KR" sz="4800" b="1" dirty="0"/>
+              <a:t>~a</a:t>
+            </a:r>
+            <a:endParaRPr lang="ko-KR" altLang="en-US" sz="4800" b="1" dirty="0"/>
+          </a:p>
+        </p:txBody>
+      </p:sp>
+      <p:sp>
+        <p:nvSpPr>
+          <p:cNvPr id="8" name="TextBox 7">
+            <a:extLst>
+              <a:ext uri="{FF2B5EF4-FFF2-40B4-BE49-F238E27FC236}">
+                <a16:creationId xmlns:a16="http://schemas.microsoft.com/office/drawing/2014/main" id="{C6C5B432-0909-A847-15DE-2B6FD681656C}"/>
+              </a:ext>
+            </a:extLst>
+          </p:cNvPr>
+          <p:cNvSpPr txBox="1"/>
+          <p:nvPr/>
+        </p:nvSpPr>
+        <p:spPr>
+          <a:xfrm>
+            <a:off x="9962842" y="2179482"/>
+            <a:ext cx="1412567" cy="584775"/>
+          </a:xfrm>
+          <a:prstGeom prst="rect">
+            <a:avLst/>
+          </a:prstGeom>
+          <a:noFill/>
+        </p:spPr>
+        <p:txBody>
+          <a:bodyPr wrap="none" rtlCol="0">
+            <a:spAutoFit/>
+          </a:bodyPr>
+          <a:lstStyle/>
+          <a:p>
+            <a:pPr algn="ctr"/>
+            <a:r>
+              <a:rPr lang="en-US" altLang="ko-KR" sz="3200" b="1" dirty="0"/>
+              <a:t>=0x59</a:t>
+            </a:r>
+            <a:endParaRPr lang="ko-KR" altLang="en-US" sz="3200" b="1" dirty="0"/>
+          </a:p>
+        </p:txBody>
+      </p:sp>
+      <p:sp>
+        <p:nvSpPr>
+          <p:cNvPr id="9" name="TextBox 8">
+            <a:extLst>
+              <a:ext uri="{FF2B5EF4-FFF2-40B4-BE49-F238E27FC236}">
+                <a16:creationId xmlns:a16="http://schemas.microsoft.com/office/drawing/2014/main" id="{111B71AA-E847-B39A-0BAA-4182CDCCD63A}"/>
+              </a:ext>
+            </a:extLst>
+          </p:cNvPr>
+          <p:cNvSpPr txBox="1"/>
+          <p:nvPr/>
+        </p:nvSpPr>
+        <p:spPr>
+          <a:xfrm>
+            <a:off x="9970055" y="3606052"/>
+            <a:ext cx="1398140" cy="584775"/>
+          </a:xfrm>
+          <a:prstGeom prst="rect">
+            <a:avLst/>
+          </a:prstGeom>
+          <a:noFill/>
+        </p:spPr>
+        <p:txBody>
+          <a:bodyPr wrap="none" rtlCol="0">
+            <a:spAutoFit/>
+          </a:bodyPr>
+          <a:lstStyle/>
+          <a:p>
+            <a:pPr algn="ctr"/>
+            <a:r>
+              <a:rPr lang="en-US" altLang="ko-KR" sz="3200" b="1" dirty="0"/>
+              <a:t>=0xa6</a:t>
+            </a:r>
+            <a:endParaRPr lang="ko-KR" altLang="en-US" sz="3200" b="1" dirty="0"/>
+          </a:p>
+        </p:txBody>
+      </p:sp>
+    </p:spTree>
+    <p:extLst>
+      <p:ext uri="{BB962C8B-B14F-4D97-AF65-F5344CB8AC3E}">
+        <p14:creationId xmlns:p14="http://schemas.microsoft.com/office/powerpoint/2010/main" val="372119288"/>
+      </p:ext>
+    </p:extLst>
+  </p:cSld>
+  <p:clrMapOvr>
+    <a:masterClrMapping/>
+  </p:clrMapOvr>
+</p:sld>
+</file>
+
+<file path=ppt/slides/slide3.xml><?xml version="1.0" encoding="utf-8"?>
+<p:sld xmlns:a="http://schemas.openxmlformats.org/drawingml/2006/main" xmlns:r="http://schemas.openxmlformats.org/officeDocument/2006/relationships" xmlns:p="http://schemas.openxmlformats.org/presentationml/2006/main">
+  <p:cSld>
+    <p:spTree>
+      <p:nvGrpSpPr>
+        <p:cNvPr id="1" name=""/>
+        <p:cNvGrpSpPr/>
+        <p:nvPr/>
+      </p:nvGrpSpPr>
+      <p:grpSpPr>
+        <a:xfrm>
+          <a:off x="0" y="0"/>
+          <a:ext cx="0" cy="0"/>
+          <a:chOff x="0" y="0"/>
+          <a:chExt cx="0" cy="0"/>
+        </a:xfrm>
+      </p:grpSpPr>
+      <p:graphicFrame>
+        <p:nvGraphicFramePr>
+          <p:cNvPr id="2" name="표 2">
+            <a:extLst>
+              <a:ext uri="{FF2B5EF4-FFF2-40B4-BE49-F238E27FC236}">
+                <a16:creationId xmlns:a16="http://schemas.microsoft.com/office/drawing/2014/main" id="{65723108-CEBE-A949-EE1C-84820DEA7A9B}"/>
+              </a:ext>
+            </a:extLst>
+          </p:cNvPr>
+          <p:cNvGraphicFramePr>
+            <a:graphicFrameLocks noGrp="1"/>
+          </p:cNvGraphicFramePr>
+          <p:nvPr>
+            <p:extLst>
+              <p:ext uri="{D42A27DB-BD31-4B8C-83A1-F6EECF244321}">
+                <p14:modId xmlns:p14="http://schemas.microsoft.com/office/powerpoint/2010/main" val="3233038206"/>
+              </p:ext>
+            </p:extLst>
+          </p:nvPr>
+        </p:nvGraphicFramePr>
+        <p:xfrm>
+          <a:off x="1639017" y="1342720"/>
+          <a:ext cx="8181104" cy="960816"/>
+        </p:xfrm>
+        <a:graphic>
+          <a:graphicData uri="http://schemas.openxmlformats.org/drawingml/2006/table">
+            <a:tbl>
+              <a:tblPr firstRow="1" bandRow="1">
+                <a:tableStyleId>{5C22544A-7EE6-4342-B048-85BDC9FD1C3A}</a:tableStyleId>
+              </a:tblPr>
+              <a:tblGrid>
+                <a:gridCol w="1022638">
+                  <a:extLst>
+                    <a:ext uri="{9D8B030D-6E8A-4147-A177-3AD203B41FA5}">
+                      <a16:colId xmlns:a16="http://schemas.microsoft.com/office/drawing/2014/main" val="1131516617"/>
+                    </a:ext>
+                  </a:extLst>
+                </a:gridCol>
+                <a:gridCol w="1022638">
+                  <a:extLst>
+                    <a:ext uri="{9D8B030D-6E8A-4147-A177-3AD203B41FA5}">
+                      <a16:colId xmlns:a16="http://schemas.microsoft.com/office/drawing/2014/main" val="3506922680"/>
+                    </a:ext>
+                  </a:extLst>
+                </a:gridCol>
+                <a:gridCol w="1022638">
+                  <a:extLst>
+                    <a:ext uri="{9D8B030D-6E8A-4147-A177-3AD203B41FA5}">
+                      <a16:colId xmlns:a16="http://schemas.microsoft.com/office/drawing/2014/main" val="3617156863"/>
+                    </a:ext>
+                  </a:extLst>
+                </a:gridCol>
+                <a:gridCol w="1022638">
+                  <a:extLst>
+                    <a:ext uri="{9D8B030D-6E8A-4147-A177-3AD203B41FA5}">
+                      <a16:colId xmlns:a16="http://schemas.microsoft.com/office/drawing/2014/main" val="1566354829"/>
+                    </a:ext>
+                  </a:extLst>
+                </a:gridCol>
+                <a:gridCol w="1022638">
+                  <a:extLst>
+                    <a:ext uri="{9D8B030D-6E8A-4147-A177-3AD203B41FA5}">
+                      <a16:colId xmlns:a16="http://schemas.microsoft.com/office/drawing/2014/main" val="3447932480"/>
+                    </a:ext>
+                  </a:extLst>
+                </a:gridCol>
+                <a:gridCol w="1022638">
+                  <a:extLst>
+                    <a:ext uri="{9D8B030D-6E8A-4147-A177-3AD203B41FA5}">
+                      <a16:colId xmlns:a16="http://schemas.microsoft.com/office/drawing/2014/main" val="1259241208"/>
+                    </a:ext>
+                  </a:extLst>
+                </a:gridCol>
+                <a:gridCol w="1022638">
+                  <a:extLst>
+                    <a:ext uri="{9D8B030D-6E8A-4147-A177-3AD203B41FA5}">
+                      <a16:colId xmlns:a16="http://schemas.microsoft.com/office/drawing/2014/main" val="58573078"/>
+                    </a:ext>
+                  </a:extLst>
+                </a:gridCol>
+                <a:gridCol w="1022638">
+                  <a:extLst>
+                    <a:ext uri="{9D8B030D-6E8A-4147-A177-3AD203B41FA5}">
+                      <a16:colId xmlns:a16="http://schemas.microsoft.com/office/drawing/2014/main" val="1814585855"/>
+                    </a:ext>
+                  </a:extLst>
+                </a:gridCol>
+              </a:tblGrid>
+              <a:tr h="960816">
+                <a:tc>
+                  <a:txBody>
+                    <a:bodyPr/>
+                    <a:lstStyle/>
+                    <a:p>
+                      <a:pPr algn="ctr" latinLnBrk="1"/>
+                      <a:r>
+                        <a:rPr lang="en-US" altLang="ko-KR" sz="4000" dirty="0"/>
+                        <a:t>0</a:t>
+                      </a:r>
+                      <a:endParaRPr lang="ko-KR" altLang="en-US" sz="4000" dirty="0"/>
+                    </a:p>
+                  </a:txBody>
+                  <a:tcPr marL="124764" marR="124764" marT="62381" marB="62381" anchor="ctr"/>
+                </a:tc>
+                <a:tc>
+                  <a:txBody>
+                    <a:bodyPr/>
+                    <a:lstStyle/>
+                    <a:p>
+                      <a:pPr algn="ctr" latinLnBrk="1"/>
+                      <a:r>
+                        <a:rPr lang="en-US" altLang="ko-KR" sz="4000" dirty="0"/>
+                        <a:t>1</a:t>
+                      </a:r>
+                      <a:endParaRPr lang="ko-KR" altLang="en-US" sz="4000" dirty="0"/>
+                    </a:p>
+                  </a:txBody>
+                  <a:tcPr marL="124764" marR="124764" marT="62381" marB="62381" anchor="ctr"/>
+                </a:tc>
+                <a:tc>
+                  <a:txBody>
+                    <a:bodyPr/>
+                    <a:lstStyle/>
+                    <a:p>
+                      <a:pPr algn="ctr" latinLnBrk="1"/>
+                      <a:r>
+                        <a:rPr lang="en-US" altLang="ko-KR" sz="4000" dirty="0"/>
+                        <a:t>0</a:t>
+                      </a:r>
+                      <a:endParaRPr lang="ko-KR" altLang="en-US" sz="4000" dirty="0"/>
+                    </a:p>
+                  </a:txBody>
+                  <a:tcPr marL="124764" marR="124764" marT="62381" marB="62381" anchor="ctr"/>
+                </a:tc>
+                <a:tc>
+                  <a:txBody>
+                    <a:bodyPr/>
+                    <a:lstStyle/>
+                    <a:p>
+                      <a:pPr algn="ctr" latinLnBrk="1"/>
+                      <a:r>
+                        <a:rPr lang="en-US" altLang="ko-KR" sz="4000" dirty="0"/>
+                        <a:t>1</a:t>
+                      </a:r>
+                      <a:endParaRPr lang="ko-KR" altLang="en-US" sz="4000" dirty="0"/>
+                    </a:p>
+                  </a:txBody>
+                  <a:tcPr marL="124764" marR="124764" marT="62381" marB="62381" anchor="ctr"/>
+                </a:tc>
+                <a:tc>
+                  <a:txBody>
+                    <a:bodyPr/>
+                    <a:lstStyle/>
+                    <a:p>
+                      <a:pPr algn="ctr" latinLnBrk="1"/>
+                      <a:r>
+                        <a:rPr lang="en-US" altLang="ko-KR" sz="4000" dirty="0"/>
+                        <a:t>1</a:t>
+                      </a:r>
+                      <a:endParaRPr lang="ko-KR" altLang="en-US" sz="4000" dirty="0"/>
+                    </a:p>
+                  </a:txBody>
+                  <a:tcPr marL="124764" marR="124764" marT="62381" marB="62381" anchor="ctr"/>
+                </a:tc>
+                <a:tc>
+                  <a:txBody>
+                    <a:bodyPr/>
+                    <a:lstStyle/>
+                    <a:p>
+                      <a:pPr algn="ctr" latinLnBrk="1"/>
+                      <a:r>
+                        <a:rPr lang="en-US" altLang="ko-KR" sz="4000" dirty="0"/>
+                        <a:t>0</a:t>
+                      </a:r>
+                      <a:endParaRPr lang="ko-KR" altLang="en-US" sz="4000" dirty="0"/>
+                    </a:p>
+                  </a:txBody>
+                  <a:tcPr marL="124764" marR="124764" marT="62381" marB="62381" anchor="ctr"/>
+                </a:tc>
+                <a:tc>
+                  <a:txBody>
+                    <a:bodyPr/>
+                    <a:lstStyle/>
+                    <a:p>
+                      <a:pPr algn="ctr" latinLnBrk="1"/>
+                      <a:r>
+                        <a:rPr lang="en-US" altLang="ko-KR" sz="4000" dirty="0"/>
+                        <a:t>0</a:t>
+                      </a:r>
+                      <a:endParaRPr lang="ko-KR" altLang="en-US" sz="4000" dirty="0"/>
+                    </a:p>
+                  </a:txBody>
+                  <a:tcPr marL="124764" marR="124764" marT="62381" marB="62381" anchor="ctr"/>
+                </a:tc>
+                <a:tc>
+                  <a:txBody>
+                    <a:bodyPr/>
+                    <a:lstStyle/>
+                    <a:p>
+                      <a:pPr algn="ctr" latinLnBrk="1"/>
+                      <a:r>
+                        <a:rPr lang="en-US" altLang="ko-KR" sz="4000" dirty="0"/>
+                        <a:t>1</a:t>
+                      </a:r>
+                      <a:endParaRPr lang="ko-KR" altLang="en-US" sz="4000" dirty="0"/>
+                    </a:p>
+                  </a:txBody>
+                  <a:tcPr marL="124764" marR="124764" marT="62381" marB="62381" anchor="ctr"/>
+                </a:tc>
+                <a:extLst>
+                  <a:ext uri="{0D108BD9-81ED-4DB2-BD59-A6C34878D82A}">
+                    <a16:rowId xmlns:a16="http://schemas.microsoft.com/office/drawing/2014/main" val="914075533"/>
+                  </a:ext>
+                </a:extLst>
+              </a:tr>
+            </a:tbl>
+          </a:graphicData>
+        </a:graphic>
+      </p:graphicFrame>
+      <p:graphicFrame>
+        <p:nvGraphicFramePr>
+          <p:cNvPr id="3" name="표 2">
+            <a:extLst>
+              <a:ext uri="{FF2B5EF4-FFF2-40B4-BE49-F238E27FC236}">
+                <a16:creationId xmlns:a16="http://schemas.microsoft.com/office/drawing/2014/main" id="{CA17B6E1-A301-9CA1-281A-537891675C0C}"/>
+              </a:ext>
+            </a:extLst>
+          </p:cNvPr>
+          <p:cNvGraphicFramePr>
+            <a:graphicFrameLocks noGrp="1"/>
+          </p:cNvGraphicFramePr>
+          <p:nvPr>
+            <p:extLst>
+              <p:ext uri="{D42A27DB-BD31-4B8C-83A1-F6EECF244321}">
+                <p14:modId xmlns:p14="http://schemas.microsoft.com/office/powerpoint/2010/main" val="2673632258"/>
+              </p:ext>
+            </p:extLst>
+          </p:nvPr>
+        </p:nvGraphicFramePr>
+        <p:xfrm>
+          <a:off x="1639017" y="2764766"/>
+          <a:ext cx="8181104" cy="960816"/>
+        </p:xfrm>
+        <a:graphic>
+          <a:graphicData uri="http://schemas.openxmlformats.org/drawingml/2006/table">
+            <a:tbl>
+              <a:tblPr firstRow="1" bandRow="1">
+                <a:tableStyleId>{5C22544A-7EE6-4342-B048-85BDC9FD1C3A}</a:tableStyleId>
+              </a:tblPr>
+              <a:tblGrid>
+                <a:gridCol w="1022638">
+                  <a:extLst>
+                    <a:ext uri="{9D8B030D-6E8A-4147-A177-3AD203B41FA5}">
+                      <a16:colId xmlns:a16="http://schemas.microsoft.com/office/drawing/2014/main" val="1131516617"/>
+                    </a:ext>
+                  </a:extLst>
+                </a:gridCol>
+                <a:gridCol w="1022638">
+                  <a:extLst>
+                    <a:ext uri="{9D8B030D-6E8A-4147-A177-3AD203B41FA5}">
+                      <a16:colId xmlns:a16="http://schemas.microsoft.com/office/drawing/2014/main" val="3506922680"/>
+                    </a:ext>
+                  </a:extLst>
+                </a:gridCol>
+                <a:gridCol w="1022638">
+                  <a:extLst>
+                    <a:ext uri="{9D8B030D-6E8A-4147-A177-3AD203B41FA5}">
+                      <a16:colId xmlns:a16="http://schemas.microsoft.com/office/drawing/2014/main" val="3617156863"/>
+                    </a:ext>
+                  </a:extLst>
+                </a:gridCol>
+                <a:gridCol w="1022638">
+                  <a:extLst>
+                    <a:ext uri="{9D8B030D-6E8A-4147-A177-3AD203B41FA5}">
+                      <a16:colId xmlns:a16="http://schemas.microsoft.com/office/drawing/2014/main" val="1566354829"/>
+                    </a:ext>
+                  </a:extLst>
+                </a:gridCol>
+                <a:gridCol w="1022638">
+                  <a:extLst>
+                    <a:ext uri="{9D8B030D-6E8A-4147-A177-3AD203B41FA5}">
+                      <a16:colId xmlns:a16="http://schemas.microsoft.com/office/drawing/2014/main" val="3447932480"/>
+                    </a:ext>
+                  </a:extLst>
+                </a:gridCol>
+                <a:gridCol w="1022638">
+                  <a:extLst>
+                    <a:ext uri="{9D8B030D-6E8A-4147-A177-3AD203B41FA5}">
+                      <a16:colId xmlns:a16="http://schemas.microsoft.com/office/drawing/2014/main" val="1259241208"/>
+                    </a:ext>
+                  </a:extLst>
+                </a:gridCol>
+                <a:gridCol w="1022638">
+                  <a:extLst>
+                    <a:ext uri="{9D8B030D-6E8A-4147-A177-3AD203B41FA5}">
+                      <a16:colId xmlns:a16="http://schemas.microsoft.com/office/drawing/2014/main" val="58573078"/>
+                    </a:ext>
+                  </a:extLst>
+                </a:gridCol>
+                <a:gridCol w="1022638">
+                  <a:extLst>
+                    <a:ext uri="{9D8B030D-6E8A-4147-A177-3AD203B41FA5}">
+                      <a16:colId xmlns:a16="http://schemas.microsoft.com/office/drawing/2014/main" val="1814585855"/>
+                    </a:ext>
+                  </a:extLst>
+                </a:gridCol>
+              </a:tblGrid>
+              <a:tr h="960816">
+                <a:tc>
+                  <a:txBody>
+                    <a:bodyPr/>
+                    <a:lstStyle/>
+                    <a:p>
+                      <a:pPr algn="ctr" latinLnBrk="1"/>
+                      <a:r>
+                        <a:rPr lang="en-US" altLang="ko-KR" sz="4000" dirty="0"/>
+                        <a:t>0</a:t>
+                      </a:r>
+                      <a:endParaRPr lang="ko-KR" altLang="en-US" sz="4000" dirty="0"/>
+                    </a:p>
+                  </a:txBody>
+                  <a:tcPr marL="124764" marR="124764" marT="62381" marB="62381" anchor="ctr"/>
+                </a:tc>
+                <a:tc>
+                  <a:txBody>
+                    <a:bodyPr/>
+                    <a:lstStyle/>
+                    <a:p>
+                      <a:pPr algn="ctr" latinLnBrk="1"/>
+                      <a:r>
+                        <a:rPr lang="en-US" altLang="ko-KR" sz="4000" dirty="0"/>
+                        <a:t>0</a:t>
+                      </a:r>
+                      <a:endParaRPr lang="ko-KR" altLang="en-US" sz="4000" dirty="0"/>
+                    </a:p>
+                  </a:txBody>
+                  <a:tcPr marL="124764" marR="124764" marT="62381" marB="62381" anchor="ctr"/>
+                </a:tc>
+                <a:tc>
+                  <a:txBody>
+                    <a:bodyPr/>
+                    <a:lstStyle/>
+                    <a:p>
+                      <a:pPr algn="ctr" latinLnBrk="1"/>
+                      <a:r>
+                        <a:rPr lang="en-US" altLang="ko-KR" sz="4000" dirty="0"/>
+                        <a:t>0</a:t>
+                      </a:r>
+                      <a:endParaRPr lang="ko-KR" altLang="en-US" sz="4000" dirty="0"/>
+                    </a:p>
+                  </a:txBody>
+                  <a:tcPr marL="124764" marR="124764" marT="62381" marB="62381" anchor="ctr"/>
+                </a:tc>
+                <a:tc>
+                  <a:txBody>
+                    <a:bodyPr/>
+                    <a:lstStyle/>
+                    <a:p>
+                      <a:pPr algn="ctr" latinLnBrk="1"/>
+                      <a:r>
+                        <a:rPr lang="en-US" altLang="ko-KR" sz="4000" dirty="0"/>
+                        <a:t>0</a:t>
+                      </a:r>
+                      <a:endParaRPr lang="ko-KR" altLang="en-US" sz="4000" dirty="0"/>
+                    </a:p>
+                  </a:txBody>
+                  <a:tcPr marL="124764" marR="124764" marT="62381" marB="62381" anchor="ctr"/>
+                </a:tc>
+                <a:tc>
+                  <a:txBody>
+                    <a:bodyPr/>
+                    <a:lstStyle/>
+                    <a:p>
+                      <a:pPr algn="ctr" latinLnBrk="1"/>
+                      <a:r>
+                        <a:rPr lang="en-US" altLang="ko-KR" sz="4000" dirty="0"/>
+                        <a:t>1</a:t>
+                      </a:r>
+                      <a:endParaRPr lang="ko-KR" altLang="en-US" sz="4000" dirty="0"/>
+                    </a:p>
+                  </a:txBody>
+                  <a:tcPr marL="124764" marR="124764" marT="62381" marB="62381" anchor="ctr"/>
+                </a:tc>
+                <a:tc>
+                  <a:txBody>
+                    <a:bodyPr/>
+                    <a:lstStyle/>
+                    <a:p>
+                      <a:pPr algn="ctr" latinLnBrk="1"/>
+                      <a:r>
+                        <a:rPr lang="en-US" altLang="ko-KR" sz="4000" dirty="0"/>
+                        <a:t>1</a:t>
+                      </a:r>
+                      <a:endParaRPr lang="ko-KR" altLang="en-US" sz="4000" dirty="0"/>
+                    </a:p>
+                  </a:txBody>
+                  <a:tcPr marL="124764" marR="124764" marT="62381" marB="62381" anchor="ctr"/>
+                </a:tc>
+                <a:tc>
+                  <a:txBody>
+                    <a:bodyPr/>
+                    <a:lstStyle/>
+                    <a:p>
+                      <a:pPr algn="ctr" latinLnBrk="1"/>
+                      <a:r>
+                        <a:rPr lang="en-US" altLang="ko-KR" sz="4000" dirty="0"/>
+                        <a:t>1</a:t>
+                      </a:r>
+                      <a:endParaRPr lang="ko-KR" altLang="en-US" sz="4000" dirty="0"/>
+                    </a:p>
+                  </a:txBody>
+                  <a:tcPr marL="124764" marR="124764" marT="62381" marB="62381" anchor="ctr"/>
+                </a:tc>
+                <a:tc>
+                  <a:txBody>
+                    <a:bodyPr/>
+                    <a:lstStyle/>
+                    <a:p>
+                      <a:pPr algn="ctr" latinLnBrk="1"/>
+                      <a:r>
+                        <a:rPr lang="en-US" altLang="ko-KR" sz="4000" dirty="0"/>
+                        <a:t>1</a:t>
+                      </a:r>
+                      <a:endParaRPr lang="ko-KR" altLang="en-US" sz="4000" dirty="0"/>
+                    </a:p>
+                  </a:txBody>
+                  <a:tcPr marL="124764" marR="124764" marT="62381" marB="62381" anchor="ctr"/>
+                </a:tc>
+                <a:extLst>
+                  <a:ext uri="{0D108BD9-81ED-4DB2-BD59-A6C34878D82A}">
+                    <a16:rowId xmlns:a16="http://schemas.microsoft.com/office/drawing/2014/main" val="914075533"/>
+                  </a:ext>
+                </a:extLst>
+              </a:tr>
+            </a:tbl>
+          </a:graphicData>
+        </a:graphic>
+      </p:graphicFrame>
+      <p:sp>
+        <p:nvSpPr>
+          <p:cNvPr id="4" name="TextBox 3">
+            <a:extLst>
+              <a:ext uri="{FF2B5EF4-FFF2-40B4-BE49-F238E27FC236}">
+                <a16:creationId xmlns:a16="http://schemas.microsoft.com/office/drawing/2014/main" id="{96AA8FC4-0501-B808-AD7A-8977F18A8361}"/>
+              </a:ext>
+            </a:extLst>
+          </p:cNvPr>
+          <p:cNvSpPr txBox="1"/>
+          <p:nvPr/>
+        </p:nvSpPr>
+        <p:spPr>
+          <a:xfrm>
+            <a:off x="680046" y="1342720"/>
+            <a:ext cx="519694" cy="830997"/>
+          </a:xfrm>
+          <a:prstGeom prst="rect">
+            <a:avLst/>
+          </a:prstGeom>
+          <a:noFill/>
+        </p:spPr>
+        <p:txBody>
+          <a:bodyPr wrap="none" rtlCol="0">
+            <a:spAutoFit/>
+          </a:bodyPr>
+          <a:lstStyle/>
+          <a:p>
+            <a:pPr algn="ctr"/>
+            <a:r>
+              <a:rPr lang="en-US" altLang="ko-KR" sz="4800" b="1" dirty="0"/>
+              <a:t>a</a:t>
+            </a:r>
+            <a:endParaRPr lang="ko-KR" altLang="en-US" sz="4800" b="1" dirty="0"/>
+          </a:p>
+        </p:txBody>
+      </p:sp>
+      <p:sp>
+        <p:nvSpPr>
+          <p:cNvPr id="5" name="TextBox 4">
+            <a:extLst>
+              <a:ext uri="{FF2B5EF4-FFF2-40B4-BE49-F238E27FC236}">
+                <a16:creationId xmlns:a16="http://schemas.microsoft.com/office/drawing/2014/main" id="{C8C3380F-D3B0-5F74-908C-DD90D2DC8369}"/>
+              </a:ext>
+            </a:extLst>
+          </p:cNvPr>
+          <p:cNvSpPr txBox="1"/>
+          <p:nvPr/>
+        </p:nvSpPr>
+        <p:spPr>
+          <a:xfrm>
+            <a:off x="915074" y="2110821"/>
+            <a:ext cx="712054" cy="830997"/>
+          </a:xfrm>
+          <a:prstGeom prst="rect">
+            <a:avLst/>
+          </a:prstGeom>
+          <a:noFill/>
+        </p:spPr>
+        <p:txBody>
+          <a:bodyPr wrap="none" rtlCol="0">
+            <a:spAutoFit/>
+          </a:bodyPr>
+          <a:lstStyle/>
+          <a:p>
+            <a:pPr algn="ctr"/>
+            <a:r>
+              <a:rPr lang="en-US" altLang="ko-KR" sz="4800" b="1" dirty="0"/>
+              <a:t>&amp;</a:t>
+            </a:r>
+            <a:endParaRPr lang="ko-KR" altLang="en-US" sz="4800" b="1" dirty="0"/>
+          </a:p>
+        </p:txBody>
+      </p:sp>
+      <p:sp>
+        <p:nvSpPr>
+          <p:cNvPr id="6" name="TextBox 5">
+            <a:extLst>
+              <a:ext uri="{FF2B5EF4-FFF2-40B4-BE49-F238E27FC236}">
+                <a16:creationId xmlns:a16="http://schemas.microsoft.com/office/drawing/2014/main" id="{64097B03-2DE2-884F-1453-15E0BAE71655}"/>
+              </a:ext>
+            </a:extLst>
+          </p:cNvPr>
+          <p:cNvSpPr txBox="1"/>
+          <p:nvPr/>
+        </p:nvSpPr>
+        <p:spPr>
+          <a:xfrm>
+            <a:off x="9962842" y="1515248"/>
+            <a:ext cx="1412567" cy="584775"/>
+          </a:xfrm>
+          <a:prstGeom prst="rect">
+            <a:avLst/>
+          </a:prstGeom>
+          <a:noFill/>
+        </p:spPr>
+        <p:txBody>
+          <a:bodyPr wrap="none" rtlCol="0">
+            <a:spAutoFit/>
+          </a:bodyPr>
+          <a:lstStyle/>
+          <a:p>
+            <a:pPr algn="ctr"/>
+            <a:r>
+              <a:rPr lang="en-US" altLang="ko-KR" sz="3200" b="1" dirty="0"/>
+              <a:t>=0x59</a:t>
+            </a:r>
+            <a:endParaRPr lang="ko-KR" altLang="en-US" sz="3200" b="1" dirty="0"/>
+          </a:p>
+        </p:txBody>
+      </p:sp>
+      <p:sp>
+        <p:nvSpPr>
+          <p:cNvPr id="7" name="TextBox 6">
+            <a:extLst>
+              <a:ext uri="{FF2B5EF4-FFF2-40B4-BE49-F238E27FC236}">
+                <a16:creationId xmlns:a16="http://schemas.microsoft.com/office/drawing/2014/main" id="{F961592B-3388-EFB4-A4AC-BC2FEAAE956A}"/>
+              </a:ext>
+            </a:extLst>
+          </p:cNvPr>
+          <p:cNvSpPr txBox="1"/>
+          <p:nvPr/>
+        </p:nvSpPr>
+        <p:spPr>
+          <a:xfrm>
+            <a:off x="10005322" y="2941818"/>
+            <a:ext cx="1327608" cy="584775"/>
+          </a:xfrm>
+          <a:prstGeom prst="rect">
+            <a:avLst/>
+          </a:prstGeom>
+          <a:noFill/>
+        </p:spPr>
+        <p:txBody>
+          <a:bodyPr wrap="none" rtlCol="0">
+            <a:spAutoFit/>
+          </a:bodyPr>
+          <a:lstStyle/>
+          <a:p>
+            <a:pPr algn="ctr"/>
+            <a:r>
+              <a:rPr lang="en-US" altLang="ko-KR" sz="3200" b="1" dirty="0"/>
+              <a:t>=0x0f</a:t>
+            </a:r>
+            <a:endParaRPr lang="ko-KR" altLang="en-US" sz="3200" b="1" dirty="0"/>
+          </a:p>
+        </p:txBody>
+      </p:sp>
+      <p:sp>
+        <p:nvSpPr>
+          <p:cNvPr id="8" name="TextBox 7">
+            <a:extLst>
+              <a:ext uri="{FF2B5EF4-FFF2-40B4-BE49-F238E27FC236}">
+                <a16:creationId xmlns:a16="http://schemas.microsoft.com/office/drawing/2014/main" id="{EA21A18A-9DAA-2291-894D-5F52523BA41F}"/>
+              </a:ext>
+            </a:extLst>
+          </p:cNvPr>
+          <p:cNvSpPr txBox="1"/>
+          <p:nvPr/>
+        </p:nvSpPr>
+        <p:spPr>
+          <a:xfrm>
+            <a:off x="626346" y="4546121"/>
+            <a:ext cx="627095" cy="830997"/>
+          </a:xfrm>
+          <a:prstGeom prst="rect">
+            <a:avLst/>
+          </a:prstGeom>
+          <a:noFill/>
+        </p:spPr>
+        <p:txBody>
+          <a:bodyPr wrap="none" rtlCol="0">
+            <a:spAutoFit/>
+          </a:bodyPr>
+          <a:lstStyle/>
+          <a:p>
+            <a:pPr algn="ctr"/>
+            <a:r>
+              <a:rPr lang="en-US" altLang="ko-KR" sz="4800" b="1" dirty="0"/>
+              <a:t>=</a:t>
+            </a:r>
+            <a:endParaRPr lang="ko-KR" altLang="en-US" sz="4800" b="1" dirty="0"/>
+          </a:p>
+        </p:txBody>
+      </p:sp>
+      <p:graphicFrame>
+        <p:nvGraphicFramePr>
+          <p:cNvPr id="9" name="표 8">
+            <a:extLst>
+              <a:ext uri="{FF2B5EF4-FFF2-40B4-BE49-F238E27FC236}">
+                <a16:creationId xmlns:a16="http://schemas.microsoft.com/office/drawing/2014/main" id="{FEBDF2F2-3DFB-4FB8-0260-AF18FEE2C3DB}"/>
+              </a:ext>
+            </a:extLst>
+          </p:cNvPr>
+          <p:cNvGraphicFramePr>
+            <a:graphicFrameLocks noGrp="1"/>
+          </p:cNvGraphicFramePr>
+          <p:nvPr>
+            <p:extLst>
+              <p:ext uri="{D42A27DB-BD31-4B8C-83A1-F6EECF244321}">
+                <p14:modId xmlns:p14="http://schemas.microsoft.com/office/powerpoint/2010/main" val="2112987892"/>
+              </p:ext>
+            </p:extLst>
+          </p:nvPr>
+        </p:nvGraphicFramePr>
+        <p:xfrm>
+          <a:off x="1639017" y="4543496"/>
+          <a:ext cx="8181104" cy="960816"/>
+        </p:xfrm>
+        <a:graphic>
+          <a:graphicData uri="http://schemas.openxmlformats.org/drawingml/2006/table">
+            <a:tbl>
+              <a:tblPr firstRow="1" bandRow="1">
+                <a:tableStyleId>{5C22544A-7EE6-4342-B048-85BDC9FD1C3A}</a:tableStyleId>
+              </a:tblPr>
+              <a:tblGrid>
+                <a:gridCol w="1022638">
+                  <a:extLst>
+                    <a:ext uri="{9D8B030D-6E8A-4147-A177-3AD203B41FA5}">
+                      <a16:colId xmlns:a16="http://schemas.microsoft.com/office/drawing/2014/main" val="1131516617"/>
+                    </a:ext>
+                  </a:extLst>
+                </a:gridCol>
+                <a:gridCol w="1022638">
+                  <a:extLst>
+                    <a:ext uri="{9D8B030D-6E8A-4147-A177-3AD203B41FA5}">
+                      <a16:colId xmlns:a16="http://schemas.microsoft.com/office/drawing/2014/main" val="3506922680"/>
+                    </a:ext>
+                  </a:extLst>
+                </a:gridCol>
+                <a:gridCol w="1022638">
+                  <a:extLst>
+                    <a:ext uri="{9D8B030D-6E8A-4147-A177-3AD203B41FA5}">
+                      <a16:colId xmlns:a16="http://schemas.microsoft.com/office/drawing/2014/main" val="3617156863"/>
+                    </a:ext>
+                  </a:extLst>
+                </a:gridCol>
+                <a:gridCol w="1022638">
+                  <a:extLst>
+                    <a:ext uri="{9D8B030D-6E8A-4147-A177-3AD203B41FA5}">
+                      <a16:colId xmlns:a16="http://schemas.microsoft.com/office/drawing/2014/main" val="1566354829"/>
+                    </a:ext>
+                  </a:extLst>
+                </a:gridCol>
+                <a:gridCol w="1022638">
+                  <a:extLst>
+                    <a:ext uri="{9D8B030D-6E8A-4147-A177-3AD203B41FA5}">
+                      <a16:colId xmlns:a16="http://schemas.microsoft.com/office/drawing/2014/main" val="3447932480"/>
+                    </a:ext>
+                  </a:extLst>
+                </a:gridCol>
+                <a:gridCol w="1022638">
+                  <a:extLst>
+                    <a:ext uri="{9D8B030D-6E8A-4147-A177-3AD203B41FA5}">
+                      <a16:colId xmlns:a16="http://schemas.microsoft.com/office/drawing/2014/main" val="1259241208"/>
+                    </a:ext>
+                  </a:extLst>
+                </a:gridCol>
+                <a:gridCol w="1022638">
+                  <a:extLst>
+                    <a:ext uri="{9D8B030D-6E8A-4147-A177-3AD203B41FA5}">
+                      <a16:colId xmlns:a16="http://schemas.microsoft.com/office/drawing/2014/main" val="58573078"/>
+                    </a:ext>
+                  </a:extLst>
+                </a:gridCol>
+                <a:gridCol w="1022638">
+                  <a:extLst>
+                    <a:ext uri="{9D8B030D-6E8A-4147-A177-3AD203B41FA5}">
+                      <a16:colId xmlns:a16="http://schemas.microsoft.com/office/drawing/2014/main" val="1814585855"/>
+                    </a:ext>
+                  </a:extLst>
+                </a:gridCol>
+              </a:tblGrid>
+              <a:tr h="960816">
+                <a:tc>
+                  <a:txBody>
+                    <a:bodyPr/>
+                    <a:lstStyle/>
+                    <a:p>
+                      <a:pPr algn="ctr" latinLnBrk="1"/>
+                      <a:r>
+                        <a:rPr lang="en-US" altLang="ko-KR" sz="4000" dirty="0"/>
+                        <a:t>0</a:t>
+                      </a:r>
+                      <a:endParaRPr lang="ko-KR" altLang="en-US" sz="4000" dirty="0"/>
+                    </a:p>
+                  </a:txBody>
+                  <a:tcPr marL="124764" marR="124764" marT="62381" marB="62381" anchor="ctr"/>
+                </a:tc>
+                <a:tc>
+                  <a:txBody>
+                    <a:bodyPr/>
+                    <a:lstStyle/>
+                    <a:p>
+                      <a:pPr algn="ctr" latinLnBrk="1"/>
+                      <a:r>
+                        <a:rPr lang="en-US" altLang="ko-KR" sz="4000" dirty="0"/>
+                        <a:t>0</a:t>
+                      </a:r>
+                      <a:endParaRPr lang="ko-KR" altLang="en-US" sz="4000" dirty="0"/>
+                    </a:p>
+                  </a:txBody>
+                  <a:tcPr marL="124764" marR="124764" marT="62381" marB="62381" anchor="ctr"/>
+                </a:tc>
+                <a:tc>
+                  <a:txBody>
+                    <a:bodyPr/>
+                    <a:lstStyle/>
+                    <a:p>
+                      <a:pPr algn="ctr" latinLnBrk="1"/>
+                      <a:r>
+                        <a:rPr lang="en-US" altLang="ko-KR" sz="4000" dirty="0"/>
+                        <a:t>0</a:t>
+                      </a:r>
+                      <a:endParaRPr lang="ko-KR" altLang="en-US" sz="4000" dirty="0"/>
+                    </a:p>
+                  </a:txBody>
+                  <a:tcPr marL="124764" marR="124764" marT="62381" marB="62381" anchor="ctr"/>
+                </a:tc>
+                <a:tc>
+                  <a:txBody>
+                    <a:bodyPr/>
+                    <a:lstStyle/>
+                    <a:p>
+                      <a:pPr algn="ctr" latinLnBrk="1"/>
+                      <a:r>
+                        <a:rPr lang="en-US" altLang="ko-KR" sz="4000" dirty="0"/>
+                        <a:t>0</a:t>
+                      </a:r>
+                      <a:endParaRPr lang="ko-KR" altLang="en-US" sz="4000" dirty="0"/>
+                    </a:p>
+                  </a:txBody>
+                  <a:tcPr marL="124764" marR="124764" marT="62381" marB="62381" anchor="ctr"/>
+                </a:tc>
+                <a:tc>
+                  <a:txBody>
+                    <a:bodyPr/>
+                    <a:lstStyle/>
+                    <a:p>
+                      <a:pPr algn="ctr" latinLnBrk="1"/>
+                      <a:r>
+                        <a:rPr lang="en-US" altLang="ko-KR" sz="4000" dirty="0"/>
+                        <a:t>1</a:t>
+                      </a:r>
+                      <a:endParaRPr lang="ko-KR" altLang="en-US" sz="4000" dirty="0"/>
+                    </a:p>
+                  </a:txBody>
+                  <a:tcPr marL="124764" marR="124764" marT="62381" marB="62381" anchor="ctr"/>
+                </a:tc>
+                <a:tc>
+                  <a:txBody>
+                    <a:bodyPr/>
+                    <a:lstStyle/>
+                    <a:p>
+                      <a:pPr algn="ctr" latinLnBrk="1"/>
+                      <a:r>
+                        <a:rPr lang="en-US" altLang="ko-KR" sz="4000" dirty="0"/>
+                        <a:t>0</a:t>
+                      </a:r>
+                      <a:endParaRPr lang="ko-KR" altLang="en-US" sz="4000" dirty="0"/>
+                    </a:p>
+                  </a:txBody>
+                  <a:tcPr marL="124764" marR="124764" marT="62381" marB="62381" anchor="ctr"/>
+                </a:tc>
+                <a:tc>
+                  <a:txBody>
+                    <a:bodyPr/>
+                    <a:lstStyle/>
+                    <a:p>
+                      <a:pPr algn="ctr" latinLnBrk="1"/>
+                      <a:r>
+                        <a:rPr lang="en-US" altLang="ko-KR" sz="4000" dirty="0"/>
+                        <a:t>0</a:t>
+                      </a:r>
+                      <a:endParaRPr lang="ko-KR" altLang="en-US" sz="4000" dirty="0"/>
+                    </a:p>
+                  </a:txBody>
+                  <a:tcPr marL="124764" marR="124764" marT="62381" marB="62381" anchor="ctr"/>
+                </a:tc>
+                <a:tc>
+                  <a:txBody>
+                    <a:bodyPr/>
+                    <a:lstStyle/>
+                    <a:p>
+                      <a:pPr algn="ctr" latinLnBrk="1"/>
+                      <a:r>
+                        <a:rPr lang="en-US" altLang="ko-KR" sz="4000" dirty="0"/>
+                        <a:t>1</a:t>
+                      </a:r>
+                      <a:endParaRPr lang="ko-KR" altLang="en-US" sz="4000" dirty="0"/>
+                    </a:p>
+                  </a:txBody>
+                  <a:tcPr marL="124764" marR="124764" marT="62381" marB="62381" anchor="ctr"/>
+                </a:tc>
+                <a:extLst>
+                  <a:ext uri="{0D108BD9-81ED-4DB2-BD59-A6C34878D82A}">
+                    <a16:rowId xmlns:a16="http://schemas.microsoft.com/office/drawing/2014/main" val="914075533"/>
+                  </a:ext>
+                </a:extLst>
+              </a:tr>
+            </a:tbl>
+          </a:graphicData>
+        </a:graphic>
+      </p:graphicFrame>
+      <p:sp>
+        <p:nvSpPr>
+          <p:cNvPr id="10" name="TextBox 9">
+            <a:extLst>
+              <a:ext uri="{FF2B5EF4-FFF2-40B4-BE49-F238E27FC236}">
+                <a16:creationId xmlns:a16="http://schemas.microsoft.com/office/drawing/2014/main" id="{E7510849-A918-620D-C0D5-72B922FEDC1B}"/>
+              </a:ext>
+            </a:extLst>
+          </p:cNvPr>
+          <p:cNvSpPr txBox="1"/>
+          <p:nvPr/>
+        </p:nvSpPr>
+        <p:spPr>
+          <a:xfrm>
+            <a:off x="9962843" y="4731516"/>
+            <a:ext cx="1412566" cy="584775"/>
+          </a:xfrm>
+          <a:prstGeom prst="rect">
+            <a:avLst/>
+          </a:prstGeom>
+          <a:noFill/>
+        </p:spPr>
+        <p:txBody>
+          <a:bodyPr wrap="none" rtlCol="0">
+            <a:spAutoFit/>
+          </a:bodyPr>
+          <a:lstStyle/>
+          <a:p>
+            <a:pPr algn="ctr"/>
+            <a:r>
+              <a:rPr lang="en-US" altLang="ko-KR" sz="3200" b="1" dirty="0"/>
+              <a:t>=0x09</a:t>
+            </a:r>
+            <a:endParaRPr lang="ko-KR" altLang="en-US" sz="3200" b="1" dirty="0"/>
+          </a:p>
+        </p:txBody>
+      </p:sp>
+      <p:cxnSp>
+        <p:nvCxnSpPr>
+          <p:cNvPr id="12" name="직선 연결선 11">
+            <a:extLst>
+              <a:ext uri="{FF2B5EF4-FFF2-40B4-BE49-F238E27FC236}">
+                <a16:creationId xmlns:a16="http://schemas.microsoft.com/office/drawing/2014/main" id="{DB450C48-265C-4894-251F-E33387DE246A}"/>
+              </a:ext>
+            </a:extLst>
+          </p:cNvPr>
+          <p:cNvCxnSpPr/>
+          <p:nvPr/>
+        </p:nvCxnSpPr>
+        <p:spPr>
+          <a:xfrm>
+            <a:off x="465826" y="4088921"/>
+            <a:ext cx="11024559" cy="0"/>
+          </a:xfrm>
+          <a:prstGeom prst="line">
+            <a:avLst/>
+          </a:prstGeom>
+          <a:ln w="38100">
+            <a:solidFill>
+              <a:schemeClr val="tx1"/>
+            </a:solidFill>
+          </a:ln>
+        </p:spPr>
+        <p:style>
+          <a:lnRef idx="1">
+            <a:schemeClr val="accent1"/>
+          </a:lnRef>
+          <a:fillRef idx="0">
+            <a:schemeClr val="accent1"/>
+          </a:fillRef>
+          <a:effectRef idx="0">
+            <a:schemeClr val="accent1"/>
+          </a:effectRef>
+          <a:fontRef idx="minor">
+            <a:schemeClr val="tx1"/>
+          </a:fontRef>
+        </p:style>
+      </p:cxnSp>
+    </p:spTree>
+    <p:extLst>
+      <p:ext uri="{BB962C8B-B14F-4D97-AF65-F5344CB8AC3E}">
+        <p14:creationId xmlns:p14="http://schemas.microsoft.com/office/powerpoint/2010/main" val="1156553632"/>
+      </p:ext>
+    </p:extLst>
+  </p:cSld>
+  <p:clrMapOvr>
+    <a:masterClrMapping/>
+  </p:clrMapOvr>
+</p:sld>
+</file>
+
+<file path=ppt/slides/slide4.xml><?xml version="1.0" encoding="utf-8"?>
+<p:sld xmlns:a="http://schemas.openxmlformats.org/drawingml/2006/main" xmlns:r="http://schemas.openxmlformats.org/officeDocument/2006/relationships" xmlns:p="http://schemas.openxmlformats.org/presentationml/2006/main">
+  <p:cSld>
+    <p:spTree>
+      <p:nvGrpSpPr>
+        <p:cNvPr id="1" name=""/>
+        <p:cNvGrpSpPr/>
+        <p:nvPr/>
+      </p:nvGrpSpPr>
+      <p:grpSpPr>
+        <a:xfrm>
+          <a:off x="0" y="0"/>
+          <a:ext cx="0" cy="0"/>
+          <a:chOff x="0" y="0"/>
+          <a:chExt cx="0" cy="0"/>
+        </a:xfrm>
+      </p:grpSpPr>
+      <p:graphicFrame>
+        <p:nvGraphicFramePr>
+          <p:cNvPr id="2" name="표 2">
+            <a:extLst>
+              <a:ext uri="{FF2B5EF4-FFF2-40B4-BE49-F238E27FC236}">
+                <a16:creationId xmlns:a16="http://schemas.microsoft.com/office/drawing/2014/main" id="{A9FB2AE7-A7D0-F48C-0E21-7F93A361EC12}"/>
+              </a:ext>
+            </a:extLst>
+          </p:cNvPr>
+          <p:cNvGraphicFramePr>
+            <a:graphicFrameLocks noGrp="1"/>
+          </p:cNvGraphicFramePr>
+          <p:nvPr>
+            <p:extLst>
+              <p:ext uri="{D42A27DB-BD31-4B8C-83A1-F6EECF244321}">
+                <p14:modId xmlns:p14="http://schemas.microsoft.com/office/powerpoint/2010/main" val="18938135"/>
+              </p:ext>
+            </p:extLst>
+          </p:nvPr>
+        </p:nvGraphicFramePr>
+        <p:xfrm>
+          <a:off x="1639017" y="1342720"/>
+          <a:ext cx="8181104" cy="960816"/>
+        </p:xfrm>
+        <a:graphic>
+          <a:graphicData uri="http://schemas.openxmlformats.org/drawingml/2006/table">
+            <a:tbl>
+              <a:tblPr firstRow="1" bandRow="1">
+                <a:tableStyleId>{5C22544A-7EE6-4342-B048-85BDC9FD1C3A}</a:tableStyleId>
+              </a:tblPr>
+              <a:tblGrid>
+                <a:gridCol w="1022638">
+                  <a:extLst>
+                    <a:ext uri="{9D8B030D-6E8A-4147-A177-3AD203B41FA5}">
+                      <a16:colId xmlns:a16="http://schemas.microsoft.com/office/drawing/2014/main" val="1131516617"/>
+                    </a:ext>
+                  </a:extLst>
+                </a:gridCol>
+                <a:gridCol w="1022638">
+                  <a:extLst>
+                    <a:ext uri="{9D8B030D-6E8A-4147-A177-3AD203B41FA5}">
+                      <a16:colId xmlns:a16="http://schemas.microsoft.com/office/drawing/2014/main" val="3506922680"/>
+                    </a:ext>
+                  </a:extLst>
+                </a:gridCol>
+                <a:gridCol w="1022638">
+                  <a:extLst>
+                    <a:ext uri="{9D8B030D-6E8A-4147-A177-3AD203B41FA5}">
+                      <a16:colId xmlns:a16="http://schemas.microsoft.com/office/drawing/2014/main" val="3617156863"/>
+                    </a:ext>
+                  </a:extLst>
+                </a:gridCol>
+                <a:gridCol w="1022638">
+                  <a:extLst>
+                    <a:ext uri="{9D8B030D-6E8A-4147-A177-3AD203B41FA5}">
+                      <a16:colId xmlns:a16="http://schemas.microsoft.com/office/drawing/2014/main" val="1566354829"/>
+                    </a:ext>
+                  </a:extLst>
+                </a:gridCol>
+                <a:gridCol w="1022638">
+                  <a:extLst>
+                    <a:ext uri="{9D8B030D-6E8A-4147-A177-3AD203B41FA5}">
+                      <a16:colId xmlns:a16="http://schemas.microsoft.com/office/drawing/2014/main" val="3447932480"/>
+                    </a:ext>
+                  </a:extLst>
+                </a:gridCol>
+                <a:gridCol w="1022638">
+                  <a:extLst>
+                    <a:ext uri="{9D8B030D-6E8A-4147-A177-3AD203B41FA5}">
+                      <a16:colId xmlns:a16="http://schemas.microsoft.com/office/drawing/2014/main" val="1259241208"/>
+                    </a:ext>
+                  </a:extLst>
+                </a:gridCol>
+                <a:gridCol w="1022638">
+                  <a:extLst>
+                    <a:ext uri="{9D8B030D-6E8A-4147-A177-3AD203B41FA5}">
+                      <a16:colId xmlns:a16="http://schemas.microsoft.com/office/drawing/2014/main" val="58573078"/>
+                    </a:ext>
+                  </a:extLst>
+                </a:gridCol>
+                <a:gridCol w="1022638">
+                  <a:extLst>
+                    <a:ext uri="{9D8B030D-6E8A-4147-A177-3AD203B41FA5}">
+                      <a16:colId xmlns:a16="http://schemas.microsoft.com/office/drawing/2014/main" val="1814585855"/>
+                    </a:ext>
+                  </a:extLst>
+                </a:gridCol>
+              </a:tblGrid>
+              <a:tr h="960816">
+                <a:tc>
+                  <a:txBody>
+                    <a:bodyPr/>
+                    <a:lstStyle/>
+                    <a:p>
+                      <a:pPr algn="ctr" latinLnBrk="1"/>
+                      <a:r>
+                        <a:rPr lang="en-US" altLang="ko-KR" sz="4000" dirty="0"/>
+                        <a:t>0</a:t>
+                      </a:r>
+                      <a:endParaRPr lang="ko-KR" altLang="en-US" sz="4000" dirty="0"/>
+                    </a:p>
+                  </a:txBody>
+                  <a:tcPr marL="124764" marR="124764" marT="62381" marB="62381" anchor="ctr"/>
+                </a:tc>
+                <a:tc>
+                  <a:txBody>
+                    <a:bodyPr/>
+                    <a:lstStyle/>
+                    <a:p>
+                      <a:pPr algn="ctr" latinLnBrk="1"/>
+                      <a:r>
+                        <a:rPr lang="en-US" altLang="ko-KR" sz="4000" dirty="0"/>
+                        <a:t>1</a:t>
+                      </a:r>
+                      <a:endParaRPr lang="ko-KR" altLang="en-US" sz="4000" dirty="0"/>
+                    </a:p>
+                  </a:txBody>
+                  <a:tcPr marL="124764" marR="124764" marT="62381" marB="62381" anchor="ctr"/>
+                </a:tc>
+                <a:tc>
+                  <a:txBody>
+                    <a:bodyPr/>
+                    <a:lstStyle/>
+                    <a:p>
+                      <a:pPr algn="ctr" latinLnBrk="1"/>
+                      <a:r>
+                        <a:rPr lang="en-US" altLang="ko-KR" sz="4000" dirty="0"/>
+                        <a:t>0</a:t>
+                      </a:r>
+                      <a:endParaRPr lang="ko-KR" altLang="en-US" sz="4000" dirty="0"/>
+                    </a:p>
+                  </a:txBody>
+                  <a:tcPr marL="124764" marR="124764" marT="62381" marB="62381" anchor="ctr"/>
+                </a:tc>
+                <a:tc>
+                  <a:txBody>
+                    <a:bodyPr/>
+                    <a:lstStyle/>
+                    <a:p>
+                      <a:pPr algn="ctr" latinLnBrk="1"/>
+                      <a:r>
+                        <a:rPr lang="en-US" altLang="ko-KR" sz="4000" dirty="0"/>
+                        <a:t>1</a:t>
+                      </a:r>
+                      <a:endParaRPr lang="ko-KR" altLang="en-US" sz="4000" dirty="0"/>
+                    </a:p>
+                  </a:txBody>
+                  <a:tcPr marL="124764" marR="124764" marT="62381" marB="62381" anchor="ctr"/>
+                </a:tc>
+                <a:tc>
+                  <a:txBody>
+                    <a:bodyPr/>
+                    <a:lstStyle/>
+                    <a:p>
+                      <a:pPr algn="ctr" latinLnBrk="1"/>
+                      <a:r>
+                        <a:rPr lang="en-US" altLang="ko-KR" sz="4000" dirty="0"/>
+                        <a:t>1</a:t>
+                      </a:r>
+                      <a:endParaRPr lang="ko-KR" altLang="en-US" sz="4000" dirty="0"/>
+                    </a:p>
+                  </a:txBody>
+                  <a:tcPr marL="124764" marR="124764" marT="62381" marB="62381" anchor="ctr"/>
+                </a:tc>
+                <a:tc>
+                  <a:txBody>
+                    <a:bodyPr/>
+                    <a:lstStyle/>
+                    <a:p>
+                      <a:pPr algn="ctr" latinLnBrk="1"/>
+                      <a:r>
+                        <a:rPr lang="en-US" altLang="ko-KR" sz="4000" dirty="0"/>
+                        <a:t>0</a:t>
+                      </a:r>
+                      <a:endParaRPr lang="ko-KR" altLang="en-US" sz="4000" dirty="0"/>
+                    </a:p>
+                  </a:txBody>
+                  <a:tcPr marL="124764" marR="124764" marT="62381" marB="62381" anchor="ctr"/>
+                </a:tc>
+                <a:tc>
+                  <a:txBody>
+                    <a:bodyPr/>
+                    <a:lstStyle/>
+                    <a:p>
+                      <a:pPr algn="ctr" latinLnBrk="1"/>
+                      <a:r>
+                        <a:rPr lang="en-US" altLang="ko-KR" sz="4000" dirty="0"/>
+                        <a:t>0</a:t>
+                      </a:r>
+                      <a:endParaRPr lang="ko-KR" altLang="en-US" sz="4000" dirty="0"/>
+                    </a:p>
+                  </a:txBody>
+                  <a:tcPr marL="124764" marR="124764" marT="62381" marB="62381" anchor="ctr"/>
+                </a:tc>
+                <a:tc>
+                  <a:txBody>
+                    <a:bodyPr/>
+                    <a:lstStyle/>
+                    <a:p>
+                      <a:pPr algn="ctr" latinLnBrk="1"/>
+                      <a:r>
+                        <a:rPr lang="en-US" altLang="ko-KR" sz="4000" dirty="0"/>
+                        <a:t>1</a:t>
+                      </a:r>
+                      <a:endParaRPr lang="ko-KR" altLang="en-US" sz="4000" dirty="0"/>
+                    </a:p>
+                  </a:txBody>
+                  <a:tcPr marL="124764" marR="124764" marT="62381" marB="62381" anchor="ctr"/>
+                </a:tc>
+                <a:extLst>
+                  <a:ext uri="{0D108BD9-81ED-4DB2-BD59-A6C34878D82A}">
+                    <a16:rowId xmlns:a16="http://schemas.microsoft.com/office/drawing/2014/main" val="914075533"/>
+                  </a:ext>
+                </a:extLst>
+              </a:tr>
+            </a:tbl>
+          </a:graphicData>
+        </a:graphic>
+      </p:graphicFrame>
+      <p:graphicFrame>
+        <p:nvGraphicFramePr>
+          <p:cNvPr id="3" name="표 2">
+            <a:extLst>
+              <a:ext uri="{FF2B5EF4-FFF2-40B4-BE49-F238E27FC236}">
+                <a16:creationId xmlns:a16="http://schemas.microsoft.com/office/drawing/2014/main" id="{F7988222-C63E-F9CF-C625-A551F658FB5B}"/>
+              </a:ext>
+            </a:extLst>
+          </p:cNvPr>
+          <p:cNvGraphicFramePr>
+            <a:graphicFrameLocks noGrp="1"/>
+          </p:cNvGraphicFramePr>
+          <p:nvPr>
+            <p:extLst>
+              <p:ext uri="{D42A27DB-BD31-4B8C-83A1-F6EECF244321}">
+                <p14:modId xmlns:p14="http://schemas.microsoft.com/office/powerpoint/2010/main" val="2634604813"/>
+              </p:ext>
+            </p:extLst>
+          </p:nvPr>
+        </p:nvGraphicFramePr>
+        <p:xfrm>
+          <a:off x="1639017" y="2764766"/>
+          <a:ext cx="8181104" cy="960816"/>
+        </p:xfrm>
+        <a:graphic>
+          <a:graphicData uri="http://schemas.openxmlformats.org/drawingml/2006/table">
+            <a:tbl>
+              <a:tblPr firstRow="1" bandRow="1">
+                <a:tableStyleId>{5C22544A-7EE6-4342-B048-85BDC9FD1C3A}</a:tableStyleId>
+              </a:tblPr>
+              <a:tblGrid>
+                <a:gridCol w="1022638">
+                  <a:extLst>
+                    <a:ext uri="{9D8B030D-6E8A-4147-A177-3AD203B41FA5}">
+                      <a16:colId xmlns:a16="http://schemas.microsoft.com/office/drawing/2014/main" val="1131516617"/>
+                    </a:ext>
+                  </a:extLst>
+                </a:gridCol>
+                <a:gridCol w="1022638">
+                  <a:extLst>
+                    <a:ext uri="{9D8B030D-6E8A-4147-A177-3AD203B41FA5}">
+                      <a16:colId xmlns:a16="http://schemas.microsoft.com/office/drawing/2014/main" val="3506922680"/>
+                    </a:ext>
+                  </a:extLst>
+                </a:gridCol>
+                <a:gridCol w="1022638">
+                  <a:extLst>
+                    <a:ext uri="{9D8B030D-6E8A-4147-A177-3AD203B41FA5}">
+                      <a16:colId xmlns:a16="http://schemas.microsoft.com/office/drawing/2014/main" val="3617156863"/>
+                    </a:ext>
+                  </a:extLst>
+                </a:gridCol>
+                <a:gridCol w="1022638">
+                  <a:extLst>
+                    <a:ext uri="{9D8B030D-6E8A-4147-A177-3AD203B41FA5}">
+                      <a16:colId xmlns:a16="http://schemas.microsoft.com/office/drawing/2014/main" val="1566354829"/>
+                    </a:ext>
+                  </a:extLst>
+                </a:gridCol>
+                <a:gridCol w="1022638">
+                  <a:extLst>
+                    <a:ext uri="{9D8B030D-6E8A-4147-A177-3AD203B41FA5}">
+                      <a16:colId xmlns:a16="http://schemas.microsoft.com/office/drawing/2014/main" val="3447932480"/>
+                    </a:ext>
+                  </a:extLst>
+                </a:gridCol>
+                <a:gridCol w="1022638">
+                  <a:extLst>
+                    <a:ext uri="{9D8B030D-6E8A-4147-A177-3AD203B41FA5}">
+                      <a16:colId xmlns:a16="http://schemas.microsoft.com/office/drawing/2014/main" val="1259241208"/>
+                    </a:ext>
+                  </a:extLst>
+                </a:gridCol>
+                <a:gridCol w="1022638">
+                  <a:extLst>
+                    <a:ext uri="{9D8B030D-6E8A-4147-A177-3AD203B41FA5}">
+                      <a16:colId xmlns:a16="http://schemas.microsoft.com/office/drawing/2014/main" val="58573078"/>
+                    </a:ext>
+                  </a:extLst>
+                </a:gridCol>
+                <a:gridCol w="1022638">
+                  <a:extLst>
+                    <a:ext uri="{9D8B030D-6E8A-4147-A177-3AD203B41FA5}">
+                      <a16:colId xmlns:a16="http://schemas.microsoft.com/office/drawing/2014/main" val="1814585855"/>
+                    </a:ext>
+                  </a:extLst>
+                </a:gridCol>
+              </a:tblGrid>
+              <a:tr h="960816">
+                <a:tc>
+                  <a:txBody>
+                    <a:bodyPr/>
+                    <a:lstStyle/>
+                    <a:p>
+                      <a:pPr algn="ctr" latinLnBrk="1"/>
+                      <a:r>
+                        <a:rPr lang="en-US" altLang="ko-KR" sz="4000" dirty="0"/>
+                        <a:t>0</a:t>
+                      </a:r>
+                      <a:endParaRPr lang="ko-KR" altLang="en-US" sz="4000" dirty="0"/>
+                    </a:p>
+                  </a:txBody>
+                  <a:tcPr marL="124764" marR="124764" marT="62381" marB="62381" anchor="ctr"/>
+                </a:tc>
+                <a:tc>
+                  <a:txBody>
+                    <a:bodyPr/>
+                    <a:lstStyle/>
+                    <a:p>
+                      <a:pPr algn="ctr" latinLnBrk="1"/>
+                      <a:r>
+                        <a:rPr lang="en-US" altLang="ko-KR" sz="4000" dirty="0"/>
+                        <a:t>0</a:t>
+                      </a:r>
+                      <a:endParaRPr lang="ko-KR" altLang="en-US" sz="4000" dirty="0"/>
+                    </a:p>
+                  </a:txBody>
+                  <a:tcPr marL="124764" marR="124764" marT="62381" marB="62381" anchor="ctr"/>
+                </a:tc>
+                <a:tc>
+                  <a:txBody>
+                    <a:bodyPr/>
+                    <a:lstStyle/>
+                    <a:p>
+                      <a:pPr algn="ctr" latinLnBrk="1"/>
+                      <a:r>
+                        <a:rPr lang="en-US" altLang="ko-KR" sz="4000" dirty="0"/>
+                        <a:t>0</a:t>
+                      </a:r>
+                      <a:endParaRPr lang="ko-KR" altLang="en-US" sz="4000" dirty="0"/>
+                    </a:p>
+                  </a:txBody>
+                  <a:tcPr marL="124764" marR="124764" marT="62381" marB="62381" anchor="ctr"/>
+                </a:tc>
+                <a:tc>
+                  <a:txBody>
+                    <a:bodyPr/>
+                    <a:lstStyle/>
+                    <a:p>
+                      <a:pPr algn="ctr" latinLnBrk="1"/>
+                      <a:r>
+                        <a:rPr lang="en-US" altLang="ko-KR" sz="4000" dirty="0"/>
+                        <a:t>0</a:t>
+                      </a:r>
+                      <a:endParaRPr lang="ko-KR" altLang="en-US" sz="4000" dirty="0"/>
+                    </a:p>
+                  </a:txBody>
+                  <a:tcPr marL="124764" marR="124764" marT="62381" marB="62381" anchor="ctr"/>
+                </a:tc>
+                <a:tc>
+                  <a:txBody>
+                    <a:bodyPr/>
+                    <a:lstStyle/>
+                    <a:p>
+                      <a:pPr algn="ctr" latinLnBrk="1"/>
+                      <a:r>
+                        <a:rPr lang="en-US" altLang="ko-KR" sz="4000" dirty="0"/>
+                        <a:t>1</a:t>
+                      </a:r>
+                      <a:endParaRPr lang="ko-KR" altLang="en-US" sz="4000" dirty="0"/>
+                    </a:p>
+                  </a:txBody>
+                  <a:tcPr marL="124764" marR="124764" marT="62381" marB="62381" anchor="ctr"/>
+                </a:tc>
+                <a:tc>
+                  <a:txBody>
+                    <a:bodyPr/>
+                    <a:lstStyle/>
+                    <a:p>
+                      <a:pPr algn="ctr" latinLnBrk="1"/>
+                      <a:r>
+                        <a:rPr lang="en-US" altLang="ko-KR" sz="4000" dirty="0"/>
+                        <a:t>1</a:t>
+                      </a:r>
+                      <a:endParaRPr lang="ko-KR" altLang="en-US" sz="4000" dirty="0"/>
+                    </a:p>
+                  </a:txBody>
+                  <a:tcPr marL="124764" marR="124764" marT="62381" marB="62381" anchor="ctr"/>
+                </a:tc>
+                <a:tc>
+                  <a:txBody>
+                    <a:bodyPr/>
+                    <a:lstStyle/>
+                    <a:p>
+                      <a:pPr algn="ctr" latinLnBrk="1"/>
+                      <a:r>
+                        <a:rPr lang="en-US" altLang="ko-KR" sz="4000" dirty="0"/>
+                        <a:t>1</a:t>
+                      </a:r>
+                      <a:endParaRPr lang="ko-KR" altLang="en-US" sz="4000" dirty="0"/>
+                    </a:p>
+                  </a:txBody>
+                  <a:tcPr marL="124764" marR="124764" marT="62381" marB="62381" anchor="ctr"/>
+                </a:tc>
+                <a:tc>
+                  <a:txBody>
+                    <a:bodyPr/>
+                    <a:lstStyle/>
+                    <a:p>
+                      <a:pPr algn="ctr" latinLnBrk="1"/>
+                      <a:r>
+                        <a:rPr lang="en-US" altLang="ko-KR" sz="4000" dirty="0"/>
+                        <a:t>1</a:t>
+                      </a:r>
+                      <a:endParaRPr lang="ko-KR" altLang="en-US" sz="4000" dirty="0"/>
+                    </a:p>
+                  </a:txBody>
+                  <a:tcPr marL="124764" marR="124764" marT="62381" marB="62381" anchor="ctr"/>
+                </a:tc>
+                <a:extLst>
+                  <a:ext uri="{0D108BD9-81ED-4DB2-BD59-A6C34878D82A}">
+                    <a16:rowId xmlns:a16="http://schemas.microsoft.com/office/drawing/2014/main" val="914075533"/>
+                  </a:ext>
+                </a:extLst>
+              </a:tr>
+            </a:tbl>
+          </a:graphicData>
+        </a:graphic>
+      </p:graphicFrame>
+      <p:sp>
+        <p:nvSpPr>
+          <p:cNvPr id="4" name="TextBox 3">
+            <a:extLst>
+              <a:ext uri="{FF2B5EF4-FFF2-40B4-BE49-F238E27FC236}">
+                <a16:creationId xmlns:a16="http://schemas.microsoft.com/office/drawing/2014/main" id="{9C5E559C-F8A6-CEA8-F312-CCF070B3E705}"/>
+              </a:ext>
+            </a:extLst>
+          </p:cNvPr>
+          <p:cNvSpPr txBox="1"/>
+          <p:nvPr/>
+        </p:nvSpPr>
+        <p:spPr>
+          <a:xfrm>
+            <a:off x="680046" y="1342720"/>
+            <a:ext cx="519694" cy="830997"/>
+          </a:xfrm>
+          <a:prstGeom prst="rect">
+            <a:avLst/>
+          </a:prstGeom>
+          <a:noFill/>
+        </p:spPr>
+        <p:txBody>
+          <a:bodyPr wrap="none" rtlCol="0">
+            <a:spAutoFit/>
+          </a:bodyPr>
+          <a:lstStyle/>
+          <a:p>
+            <a:pPr algn="ctr"/>
+            <a:r>
+              <a:rPr lang="en-US" altLang="ko-KR" sz="4800" b="1" dirty="0"/>
+              <a:t>a</a:t>
+            </a:r>
+            <a:endParaRPr lang="ko-KR" altLang="en-US" sz="4800" b="1" dirty="0"/>
+          </a:p>
+        </p:txBody>
+      </p:sp>
+      <p:sp>
+        <p:nvSpPr>
+          <p:cNvPr id="5" name="TextBox 4">
+            <a:extLst>
+              <a:ext uri="{FF2B5EF4-FFF2-40B4-BE49-F238E27FC236}">
+                <a16:creationId xmlns:a16="http://schemas.microsoft.com/office/drawing/2014/main" id="{C88E7670-BA7B-90B7-4927-8A73D4977E26}"/>
+              </a:ext>
+            </a:extLst>
+          </p:cNvPr>
+          <p:cNvSpPr txBox="1"/>
+          <p:nvPr/>
+        </p:nvSpPr>
+        <p:spPr>
+          <a:xfrm>
+            <a:off x="1083389" y="2110821"/>
+            <a:ext cx="375423" cy="830997"/>
+          </a:xfrm>
+          <a:prstGeom prst="rect">
+            <a:avLst/>
+          </a:prstGeom>
+          <a:noFill/>
+        </p:spPr>
+        <p:txBody>
+          <a:bodyPr wrap="none" rtlCol="0">
+            <a:spAutoFit/>
+          </a:bodyPr>
+          <a:lstStyle/>
+          <a:p>
+            <a:pPr algn="ctr"/>
+            <a:r>
+              <a:rPr lang="en-US" altLang="ko-KR" sz="4800" b="1" dirty="0"/>
+              <a:t>|</a:t>
+            </a:r>
+            <a:endParaRPr lang="ko-KR" altLang="en-US" sz="4800" b="1" dirty="0"/>
+          </a:p>
+        </p:txBody>
+      </p:sp>
+      <p:sp>
+        <p:nvSpPr>
+          <p:cNvPr id="6" name="TextBox 5">
+            <a:extLst>
+              <a:ext uri="{FF2B5EF4-FFF2-40B4-BE49-F238E27FC236}">
+                <a16:creationId xmlns:a16="http://schemas.microsoft.com/office/drawing/2014/main" id="{4136638C-E85B-D444-686E-6958379D7A32}"/>
+              </a:ext>
+            </a:extLst>
+          </p:cNvPr>
+          <p:cNvSpPr txBox="1"/>
+          <p:nvPr/>
+        </p:nvSpPr>
+        <p:spPr>
+          <a:xfrm>
+            <a:off x="9962842" y="1515248"/>
+            <a:ext cx="1412567" cy="584775"/>
+          </a:xfrm>
+          <a:prstGeom prst="rect">
+            <a:avLst/>
+          </a:prstGeom>
+          <a:noFill/>
+        </p:spPr>
+        <p:txBody>
+          <a:bodyPr wrap="none" rtlCol="0">
+            <a:spAutoFit/>
+          </a:bodyPr>
+          <a:lstStyle/>
+          <a:p>
+            <a:pPr algn="ctr"/>
+            <a:r>
+              <a:rPr lang="en-US" altLang="ko-KR" sz="3200" b="1" dirty="0"/>
+              <a:t>=0x59</a:t>
+            </a:r>
+            <a:endParaRPr lang="ko-KR" altLang="en-US" sz="3200" b="1" dirty="0"/>
+          </a:p>
+        </p:txBody>
+      </p:sp>
+      <p:sp>
+        <p:nvSpPr>
+          <p:cNvPr id="7" name="TextBox 6">
+            <a:extLst>
+              <a:ext uri="{FF2B5EF4-FFF2-40B4-BE49-F238E27FC236}">
+                <a16:creationId xmlns:a16="http://schemas.microsoft.com/office/drawing/2014/main" id="{AD68238C-0C4A-4141-19BC-3A81BF71FDE7}"/>
+              </a:ext>
+            </a:extLst>
+          </p:cNvPr>
+          <p:cNvSpPr txBox="1"/>
+          <p:nvPr/>
+        </p:nvSpPr>
+        <p:spPr>
+          <a:xfrm>
+            <a:off x="10005322" y="2941818"/>
+            <a:ext cx="1327608" cy="584775"/>
+          </a:xfrm>
+          <a:prstGeom prst="rect">
+            <a:avLst/>
+          </a:prstGeom>
+          <a:noFill/>
+        </p:spPr>
+        <p:txBody>
+          <a:bodyPr wrap="none" rtlCol="0">
+            <a:spAutoFit/>
+          </a:bodyPr>
+          <a:lstStyle/>
+          <a:p>
+            <a:pPr algn="ctr"/>
+            <a:r>
+              <a:rPr lang="en-US" altLang="ko-KR" sz="3200" b="1" dirty="0"/>
+              <a:t>=0x0f</a:t>
+            </a:r>
+            <a:endParaRPr lang="ko-KR" altLang="en-US" sz="3200" b="1" dirty="0"/>
+          </a:p>
+        </p:txBody>
+      </p:sp>
+      <p:sp>
+        <p:nvSpPr>
+          <p:cNvPr id="8" name="TextBox 7">
+            <a:extLst>
+              <a:ext uri="{FF2B5EF4-FFF2-40B4-BE49-F238E27FC236}">
+                <a16:creationId xmlns:a16="http://schemas.microsoft.com/office/drawing/2014/main" id="{BA1D26EB-BC8D-8F0C-13BC-A49D88576A12}"/>
+              </a:ext>
+            </a:extLst>
+          </p:cNvPr>
+          <p:cNvSpPr txBox="1"/>
+          <p:nvPr/>
+        </p:nvSpPr>
+        <p:spPr>
+          <a:xfrm>
+            <a:off x="626346" y="4546121"/>
+            <a:ext cx="627095" cy="830997"/>
+          </a:xfrm>
+          <a:prstGeom prst="rect">
+            <a:avLst/>
+          </a:prstGeom>
+          <a:noFill/>
+        </p:spPr>
+        <p:txBody>
+          <a:bodyPr wrap="none" rtlCol="0">
+            <a:spAutoFit/>
+          </a:bodyPr>
+          <a:lstStyle/>
+          <a:p>
+            <a:pPr algn="ctr"/>
+            <a:r>
+              <a:rPr lang="en-US" altLang="ko-KR" sz="4800" b="1" dirty="0"/>
+              <a:t>=</a:t>
+            </a:r>
+            <a:endParaRPr lang="ko-KR" altLang="en-US" sz="4800" b="1" dirty="0"/>
+          </a:p>
+        </p:txBody>
+      </p:sp>
+      <p:graphicFrame>
+        <p:nvGraphicFramePr>
+          <p:cNvPr id="9" name="표 8">
+            <a:extLst>
+              <a:ext uri="{FF2B5EF4-FFF2-40B4-BE49-F238E27FC236}">
+                <a16:creationId xmlns:a16="http://schemas.microsoft.com/office/drawing/2014/main" id="{54379406-B0DF-0518-BBEB-82F261A12896}"/>
+              </a:ext>
+            </a:extLst>
+          </p:cNvPr>
+          <p:cNvGraphicFramePr>
+            <a:graphicFrameLocks noGrp="1"/>
+          </p:cNvGraphicFramePr>
+          <p:nvPr>
+            <p:extLst>
+              <p:ext uri="{D42A27DB-BD31-4B8C-83A1-F6EECF244321}">
+                <p14:modId xmlns:p14="http://schemas.microsoft.com/office/powerpoint/2010/main" val="1476736817"/>
+              </p:ext>
+            </p:extLst>
+          </p:nvPr>
+        </p:nvGraphicFramePr>
+        <p:xfrm>
+          <a:off x="1639017" y="4543496"/>
+          <a:ext cx="8181104" cy="960816"/>
+        </p:xfrm>
+        <a:graphic>
+          <a:graphicData uri="http://schemas.openxmlformats.org/drawingml/2006/table">
+            <a:tbl>
+              <a:tblPr firstRow="1" bandRow="1">
+                <a:tableStyleId>{5C22544A-7EE6-4342-B048-85BDC9FD1C3A}</a:tableStyleId>
+              </a:tblPr>
+              <a:tblGrid>
+                <a:gridCol w="1022638">
+                  <a:extLst>
+                    <a:ext uri="{9D8B030D-6E8A-4147-A177-3AD203B41FA5}">
+                      <a16:colId xmlns:a16="http://schemas.microsoft.com/office/drawing/2014/main" val="1131516617"/>
+                    </a:ext>
+                  </a:extLst>
+                </a:gridCol>
+                <a:gridCol w="1022638">
+                  <a:extLst>
+                    <a:ext uri="{9D8B030D-6E8A-4147-A177-3AD203B41FA5}">
+                      <a16:colId xmlns:a16="http://schemas.microsoft.com/office/drawing/2014/main" val="3506922680"/>
+                    </a:ext>
+                  </a:extLst>
+                </a:gridCol>
+                <a:gridCol w="1022638">
+                  <a:extLst>
+                    <a:ext uri="{9D8B030D-6E8A-4147-A177-3AD203B41FA5}">
+                      <a16:colId xmlns:a16="http://schemas.microsoft.com/office/drawing/2014/main" val="3617156863"/>
+                    </a:ext>
+                  </a:extLst>
+                </a:gridCol>
+                <a:gridCol w="1022638">
+                  <a:extLst>
+                    <a:ext uri="{9D8B030D-6E8A-4147-A177-3AD203B41FA5}">
+                      <a16:colId xmlns:a16="http://schemas.microsoft.com/office/drawing/2014/main" val="1566354829"/>
+                    </a:ext>
+                  </a:extLst>
+                </a:gridCol>
+                <a:gridCol w="1022638">
+                  <a:extLst>
+                    <a:ext uri="{9D8B030D-6E8A-4147-A177-3AD203B41FA5}">
+                      <a16:colId xmlns:a16="http://schemas.microsoft.com/office/drawing/2014/main" val="3447932480"/>
+                    </a:ext>
+                  </a:extLst>
+                </a:gridCol>
+                <a:gridCol w="1022638">
+                  <a:extLst>
+                    <a:ext uri="{9D8B030D-6E8A-4147-A177-3AD203B41FA5}">
+                      <a16:colId xmlns:a16="http://schemas.microsoft.com/office/drawing/2014/main" val="1259241208"/>
+                    </a:ext>
+                  </a:extLst>
+                </a:gridCol>
+                <a:gridCol w="1022638">
+                  <a:extLst>
+                    <a:ext uri="{9D8B030D-6E8A-4147-A177-3AD203B41FA5}">
+                      <a16:colId xmlns:a16="http://schemas.microsoft.com/office/drawing/2014/main" val="58573078"/>
+                    </a:ext>
+                  </a:extLst>
+                </a:gridCol>
+                <a:gridCol w="1022638">
+                  <a:extLst>
+                    <a:ext uri="{9D8B030D-6E8A-4147-A177-3AD203B41FA5}">
+                      <a16:colId xmlns:a16="http://schemas.microsoft.com/office/drawing/2014/main" val="1814585855"/>
+                    </a:ext>
+                  </a:extLst>
+                </a:gridCol>
+              </a:tblGrid>
+              <a:tr h="960816">
+                <a:tc>
+                  <a:txBody>
+                    <a:bodyPr/>
+                    <a:lstStyle/>
+                    <a:p>
+                      <a:pPr algn="ctr" latinLnBrk="1"/>
+                      <a:r>
+                        <a:rPr lang="en-US" altLang="ko-KR" sz="4000" dirty="0"/>
+                        <a:t>0</a:t>
+                      </a:r>
+                      <a:endParaRPr lang="ko-KR" altLang="en-US" sz="4000" dirty="0"/>
+                    </a:p>
+                  </a:txBody>
+                  <a:tcPr marL="124764" marR="124764" marT="62381" marB="62381" anchor="ctr"/>
+                </a:tc>
+                <a:tc>
+                  <a:txBody>
+                    <a:bodyPr/>
+                    <a:lstStyle/>
+                    <a:p>
+                      <a:pPr algn="ctr" latinLnBrk="1"/>
+                      <a:r>
+                        <a:rPr lang="en-US" altLang="ko-KR" sz="4000" dirty="0"/>
+                        <a:t>1</a:t>
+                      </a:r>
+                      <a:endParaRPr lang="ko-KR" altLang="en-US" sz="4000" dirty="0"/>
+                    </a:p>
+                  </a:txBody>
+                  <a:tcPr marL="124764" marR="124764" marT="62381" marB="62381" anchor="ctr"/>
+                </a:tc>
+                <a:tc>
+                  <a:txBody>
+                    <a:bodyPr/>
+                    <a:lstStyle/>
+                    <a:p>
+                      <a:pPr algn="ctr" latinLnBrk="1"/>
+                      <a:r>
+                        <a:rPr lang="en-US" altLang="ko-KR" sz="4000" dirty="0"/>
+                        <a:t>0</a:t>
+                      </a:r>
+                      <a:endParaRPr lang="ko-KR" altLang="en-US" sz="4000" dirty="0"/>
+                    </a:p>
+                  </a:txBody>
+                  <a:tcPr marL="124764" marR="124764" marT="62381" marB="62381" anchor="ctr"/>
+                </a:tc>
+                <a:tc>
+                  <a:txBody>
+                    <a:bodyPr/>
+                    <a:lstStyle/>
+                    <a:p>
+                      <a:pPr algn="ctr" latinLnBrk="1"/>
+                      <a:r>
+                        <a:rPr lang="en-US" altLang="ko-KR" sz="4000" dirty="0"/>
+                        <a:t>1</a:t>
+                      </a:r>
+                      <a:endParaRPr lang="ko-KR" altLang="en-US" sz="4000" dirty="0"/>
+                    </a:p>
+                  </a:txBody>
+                  <a:tcPr marL="124764" marR="124764" marT="62381" marB="62381" anchor="ctr"/>
+                </a:tc>
+                <a:tc>
+                  <a:txBody>
+                    <a:bodyPr/>
+                    <a:lstStyle/>
+                    <a:p>
+                      <a:pPr algn="ctr" latinLnBrk="1"/>
+                      <a:r>
+                        <a:rPr lang="en-US" altLang="ko-KR" sz="4000" dirty="0"/>
+                        <a:t>1</a:t>
+                      </a:r>
+                      <a:endParaRPr lang="ko-KR" altLang="en-US" sz="4000" dirty="0"/>
+                    </a:p>
+                  </a:txBody>
+                  <a:tcPr marL="124764" marR="124764" marT="62381" marB="62381" anchor="ctr"/>
+                </a:tc>
+                <a:tc>
+                  <a:txBody>
+                    <a:bodyPr/>
+                    <a:lstStyle/>
+                    <a:p>
+                      <a:pPr algn="ctr" latinLnBrk="1"/>
+                      <a:r>
+                        <a:rPr lang="en-US" altLang="ko-KR" sz="4000" dirty="0"/>
+                        <a:t>1</a:t>
+                      </a:r>
+                      <a:endParaRPr lang="ko-KR" altLang="en-US" sz="4000" dirty="0"/>
+                    </a:p>
+                  </a:txBody>
+                  <a:tcPr marL="124764" marR="124764" marT="62381" marB="62381" anchor="ctr"/>
+                </a:tc>
+                <a:tc>
+                  <a:txBody>
+                    <a:bodyPr/>
+                    <a:lstStyle/>
+                    <a:p>
+                      <a:pPr algn="ctr" latinLnBrk="1"/>
+                      <a:r>
+                        <a:rPr lang="en-US" altLang="ko-KR" sz="4000" dirty="0"/>
+                        <a:t>1</a:t>
+                      </a:r>
+                      <a:endParaRPr lang="ko-KR" altLang="en-US" sz="4000" dirty="0"/>
+                    </a:p>
+                  </a:txBody>
+                  <a:tcPr marL="124764" marR="124764" marT="62381" marB="62381" anchor="ctr"/>
+                </a:tc>
+                <a:tc>
+                  <a:txBody>
+                    <a:bodyPr/>
+                    <a:lstStyle/>
+                    <a:p>
+                      <a:pPr algn="ctr" latinLnBrk="1"/>
+                      <a:r>
+                        <a:rPr lang="en-US" altLang="ko-KR" sz="4000" dirty="0"/>
+                        <a:t>1</a:t>
+                      </a:r>
+                      <a:endParaRPr lang="ko-KR" altLang="en-US" sz="4000" dirty="0"/>
+                    </a:p>
+                  </a:txBody>
+                  <a:tcPr marL="124764" marR="124764" marT="62381" marB="62381" anchor="ctr"/>
+                </a:tc>
+                <a:extLst>
+                  <a:ext uri="{0D108BD9-81ED-4DB2-BD59-A6C34878D82A}">
+                    <a16:rowId xmlns:a16="http://schemas.microsoft.com/office/drawing/2014/main" val="914075533"/>
+                  </a:ext>
+                </a:extLst>
+              </a:tr>
+            </a:tbl>
+          </a:graphicData>
+        </a:graphic>
+      </p:graphicFrame>
+      <p:sp>
+        <p:nvSpPr>
+          <p:cNvPr id="10" name="TextBox 9">
+            <a:extLst>
+              <a:ext uri="{FF2B5EF4-FFF2-40B4-BE49-F238E27FC236}">
+                <a16:creationId xmlns:a16="http://schemas.microsoft.com/office/drawing/2014/main" id="{7C95A396-D00E-8262-7C35-0086FDBB6CDC}"/>
+              </a:ext>
+            </a:extLst>
+          </p:cNvPr>
+          <p:cNvSpPr txBox="1"/>
+          <p:nvPr/>
+        </p:nvSpPr>
+        <p:spPr>
+          <a:xfrm>
+            <a:off x="10005322" y="4731516"/>
+            <a:ext cx="1327608" cy="584775"/>
+          </a:xfrm>
+          <a:prstGeom prst="rect">
+            <a:avLst/>
+          </a:prstGeom>
+          <a:noFill/>
+        </p:spPr>
+        <p:txBody>
+          <a:bodyPr wrap="none" rtlCol="0">
+            <a:spAutoFit/>
+          </a:bodyPr>
+          <a:lstStyle/>
+          <a:p>
+            <a:pPr algn="ctr"/>
+            <a:r>
+              <a:rPr lang="en-US" altLang="ko-KR" sz="3200" b="1" dirty="0"/>
+              <a:t>=0x5f</a:t>
+            </a:r>
+            <a:endParaRPr lang="ko-KR" altLang="en-US" sz="3200" b="1" dirty="0"/>
+          </a:p>
+        </p:txBody>
+      </p:sp>
+      <p:cxnSp>
+        <p:nvCxnSpPr>
+          <p:cNvPr id="11" name="직선 연결선 10">
+            <a:extLst>
+              <a:ext uri="{FF2B5EF4-FFF2-40B4-BE49-F238E27FC236}">
+                <a16:creationId xmlns:a16="http://schemas.microsoft.com/office/drawing/2014/main" id="{8466EBF9-D4D7-34FF-F671-014FC2EA9DC9}"/>
+              </a:ext>
+            </a:extLst>
+          </p:cNvPr>
+          <p:cNvCxnSpPr/>
+          <p:nvPr/>
+        </p:nvCxnSpPr>
+        <p:spPr>
+          <a:xfrm>
+            <a:off x="465826" y="4088921"/>
+            <a:ext cx="11024559" cy="0"/>
+          </a:xfrm>
+          <a:prstGeom prst="line">
+            <a:avLst/>
+          </a:prstGeom>
+          <a:ln w="38100">
+            <a:solidFill>
+              <a:schemeClr val="tx1"/>
+            </a:solidFill>
+          </a:ln>
+        </p:spPr>
+        <p:style>
+          <a:lnRef idx="1">
+            <a:schemeClr val="accent1"/>
+          </a:lnRef>
+          <a:fillRef idx="0">
+            <a:schemeClr val="accent1"/>
+          </a:fillRef>
+          <a:effectRef idx="0">
+            <a:schemeClr val="accent1"/>
+          </a:effectRef>
+          <a:fontRef idx="minor">
+            <a:schemeClr val="tx1"/>
+          </a:fontRef>
+        </p:style>
+      </p:cxnSp>
+    </p:spTree>
+    <p:extLst>
+      <p:ext uri="{BB962C8B-B14F-4D97-AF65-F5344CB8AC3E}">
+        <p14:creationId xmlns:p14="http://schemas.microsoft.com/office/powerpoint/2010/main" val="2382137248"/>
+      </p:ext>
+    </p:extLst>
+  </p:cSld>
+  <p:clrMapOvr>
+    <a:masterClrMapping/>
+  </p:clrMapOvr>
+</p:sld>
+</file>
+
+<file path=ppt/slides/slide5.xml><?xml version="1.0" encoding="utf-8"?>
+<p:sld xmlns:a="http://schemas.openxmlformats.org/drawingml/2006/main" xmlns:r="http://schemas.openxmlformats.org/officeDocument/2006/relationships" xmlns:p="http://schemas.openxmlformats.org/presentationml/2006/main">
+  <p:cSld>
+    <p:spTree>
+      <p:nvGrpSpPr>
+        <p:cNvPr id="1" name=""/>
+        <p:cNvGrpSpPr/>
+        <p:nvPr/>
+      </p:nvGrpSpPr>
+      <p:grpSpPr>
+        <a:xfrm>
+          <a:off x="0" y="0"/>
+          <a:ext cx="0" cy="0"/>
+          <a:chOff x="0" y="0"/>
+          <a:chExt cx="0" cy="0"/>
+        </a:xfrm>
+      </p:grpSpPr>
+      <p:graphicFrame>
+        <p:nvGraphicFramePr>
+          <p:cNvPr id="2" name="표 2">
+            <a:extLst>
+              <a:ext uri="{FF2B5EF4-FFF2-40B4-BE49-F238E27FC236}">
+                <a16:creationId xmlns:a16="http://schemas.microsoft.com/office/drawing/2014/main" id="{AEEB9452-F069-56C6-4EB7-94C5BF0415E3}"/>
+              </a:ext>
+            </a:extLst>
+          </p:cNvPr>
+          <p:cNvGraphicFramePr>
+            <a:graphicFrameLocks noGrp="1"/>
+          </p:cNvGraphicFramePr>
+          <p:nvPr>
+            <p:extLst>
+              <p:ext uri="{D42A27DB-BD31-4B8C-83A1-F6EECF244321}">
+                <p14:modId xmlns:p14="http://schemas.microsoft.com/office/powerpoint/2010/main" val="1975191307"/>
+              </p:ext>
+            </p:extLst>
+          </p:nvPr>
+        </p:nvGraphicFramePr>
+        <p:xfrm>
+          <a:off x="1639017" y="1342720"/>
+          <a:ext cx="8181104" cy="960816"/>
+        </p:xfrm>
+        <a:graphic>
+          <a:graphicData uri="http://schemas.openxmlformats.org/drawingml/2006/table">
+            <a:tbl>
+              <a:tblPr firstRow="1" bandRow="1">
+                <a:tableStyleId>{5C22544A-7EE6-4342-B048-85BDC9FD1C3A}</a:tableStyleId>
+              </a:tblPr>
+              <a:tblGrid>
+                <a:gridCol w="1022638">
+                  <a:extLst>
+                    <a:ext uri="{9D8B030D-6E8A-4147-A177-3AD203B41FA5}">
+                      <a16:colId xmlns:a16="http://schemas.microsoft.com/office/drawing/2014/main" val="1131516617"/>
+                    </a:ext>
+                  </a:extLst>
+                </a:gridCol>
+                <a:gridCol w="1022638">
+                  <a:extLst>
+                    <a:ext uri="{9D8B030D-6E8A-4147-A177-3AD203B41FA5}">
+                      <a16:colId xmlns:a16="http://schemas.microsoft.com/office/drawing/2014/main" val="3506922680"/>
+                    </a:ext>
+                  </a:extLst>
+                </a:gridCol>
+                <a:gridCol w="1022638">
+                  <a:extLst>
+                    <a:ext uri="{9D8B030D-6E8A-4147-A177-3AD203B41FA5}">
+                      <a16:colId xmlns:a16="http://schemas.microsoft.com/office/drawing/2014/main" val="3617156863"/>
+                    </a:ext>
+                  </a:extLst>
+                </a:gridCol>
+                <a:gridCol w="1022638">
+                  <a:extLst>
+                    <a:ext uri="{9D8B030D-6E8A-4147-A177-3AD203B41FA5}">
+                      <a16:colId xmlns:a16="http://schemas.microsoft.com/office/drawing/2014/main" val="1566354829"/>
+                    </a:ext>
+                  </a:extLst>
+                </a:gridCol>
+                <a:gridCol w="1022638">
+                  <a:extLst>
+                    <a:ext uri="{9D8B030D-6E8A-4147-A177-3AD203B41FA5}">
+                      <a16:colId xmlns:a16="http://schemas.microsoft.com/office/drawing/2014/main" val="3447932480"/>
+                    </a:ext>
+                  </a:extLst>
+                </a:gridCol>
+                <a:gridCol w="1022638">
+                  <a:extLst>
+                    <a:ext uri="{9D8B030D-6E8A-4147-A177-3AD203B41FA5}">
+                      <a16:colId xmlns:a16="http://schemas.microsoft.com/office/drawing/2014/main" val="1259241208"/>
+                    </a:ext>
+                  </a:extLst>
+                </a:gridCol>
+                <a:gridCol w="1022638">
+                  <a:extLst>
+                    <a:ext uri="{9D8B030D-6E8A-4147-A177-3AD203B41FA5}">
+                      <a16:colId xmlns:a16="http://schemas.microsoft.com/office/drawing/2014/main" val="58573078"/>
+                    </a:ext>
+                  </a:extLst>
+                </a:gridCol>
+                <a:gridCol w="1022638">
+                  <a:extLst>
+                    <a:ext uri="{9D8B030D-6E8A-4147-A177-3AD203B41FA5}">
+                      <a16:colId xmlns:a16="http://schemas.microsoft.com/office/drawing/2014/main" val="1814585855"/>
+                    </a:ext>
+                  </a:extLst>
+                </a:gridCol>
+              </a:tblGrid>
+              <a:tr h="960816">
+                <a:tc>
+                  <a:txBody>
+                    <a:bodyPr/>
+                    <a:lstStyle/>
+                    <a:p>
+                      <a:pPr algn="ctr" latinLnBrk="1"/>
+                      <a:r>
+                        <a:rPr lang="en-US" altLang="ko-KR" sz="4000" dirty="0"/>
+                        <a:t>0</a:t>
+                      </a:r>
+                      <a:endParaRPr lang="ko-KR" altLang="en-US" sz="4000" dirty="0"/>
+                    </a:p>
+                  </a:txBody>
+                  <a:tcPr marL="124764" marR="124764" marT="62381" marB="62381" anchor="ctr"/>
+                </a:tc>
+                <a:tc>
+                  <a:txBody>
+                    <a:bodyPr/>
+                    <a:lstStyle/>
+                    <a:p>
+                      <a:pPr algn="ctr" latinLnBrk="1"/>
+                      <a:r>
+                        <a:rPr lang="en-US" altLang="ko-KR" sz="4000" dirty="0"/>
+                        <a:t>1</a:t>
+                      </a:r>
+                      <a:endParaRPr lang="ko-KR" altLang="en-US" sz="4000" dirty="0"/>
+                    </a:p>
+                  </a:txBody>
+                  <a:tcPr marL="124764" marR="124764" marT="62381" marB="62381" anchor="ctr"/>
+                </a:tc>
+                <a:tc>
+                  <a:txBody>
+                    <a:bodyPr/>
+                    <a:lstStyle/>
+                    <a:p>
+                      <a:pPr algn="ctr" latinLnBrk="1"/>
+                      <a:r>
+                        <a:rPr lang="en-US" altLang="ko-KR" sz="4000" dirty="0"/>
+                        <a:t>0</a:t>
+                      </a:r>
+                      <a:endParaRPr lang="ko-KR" altLang="en-US" sz="4000" dirty="0"/>
+                    </a:p>
+                  </a:txBody>
+                  <a:tcPr marL="124764" marR="124764" marT="62381" marB="62381" anchor="ctr"/>
+                </a:tc>
+                <a:tc>
+                  <a:txBody>
+                    <a:bodyPr/>
+                    <a:lstStyle/>
+                    <a:p>
+                      <a:pPr algn="ctr" latinLnBrk="1"/>
+                      <a:r>
+                        <a:rPr lang="en-US" altLang="ko-KR" sz="4000" dirty="0"/>
+                        <a:t>1</a:t>
+                      </a:r>
+                      <a:endParaRPr lang="ko-KR" altLang="en-US" sz="4000" dirty="0"/>
+                    </a:p>
+                  </a:txBody>
+                  <a:tcPr marL="124764" marR="124764" marT="62381" marB="62381" anchor="ctr"/>
+                </a:tc>
+                <a:tc>
+                  <a:txBody>
+                    <a:bodyPr/>
+                    <a:lstStyle/>
+                    <a:p>
+                      <a:pPr algn="ctr" latinLnBrk="1"/>
+                      <a:r>
+                        <a:rPr lang="en-US" altLang="ko-KR" sz="4000" dirty="0"/>
+                        <a:t>1</a:t>
+                      </a:r>
+                      <a:endParaRPr lang="ko-KR" altLang="en-US" sz="4000" dirty="0"/>
+                    </a:p>
+                  </a:txBody>
+                  <a:tcPr marL="124764" marR="124764" marT="62381" marB="62381" anchor="ctr"/>
+                </a:tc>
+                <a:tc>
+                  <a:txBody>
+                    <a:bodyPr/>
+                    <a:lstStyle/>
+                    <a:p>
+                      <a:pPr algn="ctr" latinLnBrk="1"/>
+                      <a:r>
+                        <a:rPr lang="en-US" altLang="ko-KR" sz="4000" dirty="0"/>
+                        <a:t>0</a:t>
+                      </a:r>
+                      <a:endParaRPr lang="ko-KR" altLang="en-US" sz="4000" dirty="0"/>
+                    </a:p>
+                  </a:txBody>
+                  <a:tcPr marL="124764" marR="124764" marT="62381" marB="62381" anchor="ctr"/>
+                </a:tc>
+                <a:tc>
+                  <a:txBody>
+                    <a:bodyPr/>
+                    <a:lstStyle/>
+                    <a:p>
+                      <a:pPr algn="ctr" latinLnBrk="1"/>
+                      <a:r>
+                        <a:rPr lang="en-US" altLang="ko-KR" sz="4000" dirty="0"/>
+                        <a:t>0</a:t>
+                      </a:r>
+                      <a:endParaRPr lang="ko-KR" altLang="en-US" sz="4000" dirty="0"/>
+                    </a:p>
+                  </a:txBody>
+                  <a:tcPr marL="124764" marR="124764" marT="62381" marB="62381" anchor="ctr"/>
+                </a:tc>
+                <a:tc>
+                  <a:txBody>
+                    <a:bodyPr/>
+                    <a:lstStyle/>
+                    <a:p>
+                      <a:pPr algn="ctr" latinLnBrk="1"/>
+                      <a:r>
+                        <a:rPr lang="en-US" altLang="ko-KR" sz="4000" dirty="0"/>
+                        <a:t>1</a:t>
+                      </a:r>
+                      <a:endParaRPr lang="ko-KR" altLang="en-US" sz="4000" dirty="0"/>
+                    </a:p>
+                  </a:txBody>
+                  <a:tcPr marL="124764" marR="124764" marT="62381" marB="62381" anchor="ctr"/>
+                </a:tc>
+                <a:extLst>
+                  <a:ext uri="{0D108BD9-81ED-4DB2-BD59-A6C34878D82A}">
+                    <a16:rowId xmlns:a16="http://schemas.microsoft.com/office/drawing/2014/main" val="914075533"/>
+                  </a:ext>
+                </a:extLst>
+              </a:tr>
+            </a:tbl>
+          </a:graphicData>
+        </a:graphic>
+      </p:graphicFrame>
+      <p:graphicFrame>
+        <p:nvGraphicFramePr>
+          <p:cNvPr id="3" name="표 2">
+            <a:extLst>
+              <a:ext uri="{FF2B5EF4-FFF2-40B4-BE49-F238E27FC236}">
+                <a16:creationId xmlns:a16="http://schemas.microsoft.com/office/drawing/2014/main" id="{0816819F-FD41-D5B2-DEFC-9F802F0A7BC4}"/>
+              </a:ext>
+            </a:extLst>
+          </p:cNvPr>
+          <p:cNvGraphicFramePr>
+            <a:graphicFrameLocks noGrp="1"/>
+          </p:cNvGraphicFramePr>
+          <p:nvPr>
+            <p:extLst>
+              <p:ext uri="{D42A27DB-BD31-4B8C-83A1-F6EECF244321}">
+                <p14:modId xmlns:p14="http://schemas.microsoft.com/office/powerpoint/2010/main" val="3894767976"/>
+              </p:ext>
+            </p:extLst>
+          </p:nvPr>
+        </p:nvGraphicFramePr>
+        <p:xfrm>
+          <a:off x="1639017" y="2764766"/>
+          <a:ext cx="8181104" cy="960816"/>
+        </p:xfrm>
+        <a:graphic>
+          <a:graphicData uri="http://schemas.openxmlformats.org/drawingml/2006/table">
+            <a:tbl>
+              <a:tblPr firstRow="1" bandRow="1">
+                <a:tableStyleId>{5C22544A-7EE6-4342-B048-85BDC9FD1C3A}</a:tableStyleId>
+              </a:tblPr>
+              <a:tblGrid>
+                <a:gridCol w="1022638">
+                  <a:extLst>
+                    <a:ext uri="{9D8B030D-6E8A-4147-A177-3AD203B41FA5}">
+                      <a16:colId xmlns:a16="http://schemas.microsoft.com/office/drawing/2014/main" val="1131516617"/>
+                    </a:ext>
+                  </a:extLst>
+                </a:gridCol>
+                <a:gridCol w="1022638">
+                  <a:extLst>
+                    <a:ext uri="{9D8B030D-6E8A-4147-A177-3AD203B41FA5}">
+                      <a16:colId xmlns:a16="http://schemas.microsoft.com/office/drawing/2014/main" val="3506922680"/>
+                    </a:ext>
+                  </a:extLst>
+                </a:gridCol>
+                <a:gridCol w="1022638">
+                  <a:extLst>
+                    <a:ext uri="{9D8B030D-6E8A-4147-A177-3AD203B41FA5}">
+                      <a16:colId xmlns:a16="http://schemas.microsoft.com/office/drawing/2014/main" val="3617156863"/>
+                    </a:ext>
+                  </a:extLst>
+                </a:gridCol>
+                <a:gridCol w="1022638">
+                  <a:extLst>
+                    <a:ext uri="{9D8B030D-6E8A-4147-A177-3AD203B41FA5}">
+                      <a16:colId xmlns:a16="http://schemas.microsoft.com/office/drawing/2014/main" val="1566354829"/>
+                    </a:ext>
+                  </a:extLst>
+                </a:gridCol>
+                <a:gridCol w="1022638">
+                  <a:extLst>
+                    <a:ext uri="{9D8B030D-6E8A-4147-A177-3AD203B41FA5}">
+                      <a16:colId xmlns:a16="http://schemas.microsoft.com/office/drawing/2014/main" val="3447932480"/>
+                    </a:ext>
+                  </a:extLst>
+                </a:gridCol>
+                <a:gridCol w="1022638">
+                  <a:extLst>
+                    <a:ext uri="{9D8B030D-6E8A-4147-A177-3AD203B41FA5}">
+                      <a16:colId xmlns:a16="http://schemas.microsoft.com/office/drawing/2014/main" val="1259241208"/>
+                    </a:ext>
+                  </a:extLst>
+                </a:gridCol>
+                <a:gridCol w="1022638">
+                  <a:extLst>
+                    <a:ext uri="{9D8B030D-6E8A-4147-A177-3AD203B41FA5}">
+                      <a16:colId xmlns:a16="http://schemas.microsoft.com/office/drawing/2014/main" val="58573078"/>
+                    </a:ext>
+                  </a:extLst>
+                </a:gridCol>
+                <a:gridCol w="1022638">
+                  <a:extLst>
+                    <a:ext uri="{9D8B030D-6E8A-4147-A177-3AD203B41FA5}">
+                      <a16:colId xmlns:a16="http://schemas.microsoft.com/office/drawing/2014/main" val="1814585855"/>
+                    </a:ext>
+                  </a:extLst>
+                </a:gridCol>
+              </a:tblGrid>
+              <a:tr h="960816">
+                <a:tc>
+                  <a:txBody>
+                    <a:bodyPr/>
+                    <a:lstStyle/>
+                    <a:p>
+                      <a:pPr algn="ctr" latinLnBrk="1"/>
+                      <a:r>
+                        <a:rPr lang="en-US" altLang="ko-KR" sz="4000" dirty="0"/>
+                        <a:t>0</a:t>
+                      </a:r>
+                      <a:endParaRPr lang="ko-KR" altLang="en-US" sz="4000" dirty="0"/>
+                    </a:p>
+                  </a:txBody>
+                  <a:tcPr marL="124764" marR="124764" marT="62381" marB="62381" anchor="ctr"/>
+                </a:tc>
+                <a:tc>
+                  <a:txBody>
+                    <a:bodyPr/>
+                    <a:lstStyle/>
+                    <a:p>
+                      <a:pPr algn="ctr" latinLnBrk="1"/>
+                      <a:r>
+                        <a:rPr lang="en-US" altLang="ko-KR" sz="4000" dirty="0"/>
+                        <a:t>0</a:t>
+                      </a:r>
+                      <a:endParaRPr lang="ko-KR" altLang="en-US" sz="4000" dirty="0"/>
+                    </a:p>
+                  </a:txBody>
+                  <a:tcPr marL="124764" marR="124764" marT="62381" marB="62381" anchor="ctr"/>
+                </a:tc>
+                <a:tc>
+                  <a:txBody>
+                    <a:bodyPr/>
+                    <a:lstStyle/>
+                    <a:p>
+                      <a:pPr algn="ctr" latinLnBrk="1"/>
+                      <a:r>
+                        <a:rPr lang="en-US" altLang="ko-KR" sz="4000" dirty="0"/>
+                        <a:t>0</a:t>
+                      </a:r>
+                      <a:endParaRPr lang="ko-KR" altLang="en-US" sz="4000" dirty="0"/>
+                    </a:p>
+                  </a:txBody>
+                  <a:tcPr marL="124764" marR="124764" marT="62381" marB="62381" anchor="ctr"/>
+                </a:tc>
+                <a:tc>
+                  <a:txBody>
+                    <a:bodyPr/>
+                    <a:lstStyle/>
+                    <a:p>
+                      <a:pPr algn="ctr" latinLnBrk="1"/>
+                      <a:r>
+                        <a:rPr lang="en-US" altLang="ko-KR" sz="4000" dirty="0"/>
+                        <a:t>0</a:t>
+                      </a:r>
+                      <a:endParaRPr lang="ko-KR" altLang="en-US" sz="4000" dirty="0"/>
+                    </a:p>
+                  </a:txBody>
+                  <a:tcPr marL="124764" marR="124764" marT="62381" marB="62381" anchor="ctr"/>
+                </a:tc>
+                <a:tc>
+                  <a:txBody>
+                    <a:bodyPr/>
+                    <a:lstStyle/>
+                    <a:p>
+                      <a:pPr algn="ctr" latinLnBrk="1"/>
+                      <a:r>
+                        <a:rPr lang="en-US" altLang="ko-KR" sz="4000" dirty="0"/>
+                        <a:t>1</a:t>
+                      </a:r>
+                      <a:endParaRPr lang="ko-KR" altLang="en-US" sz="4000" dirty="0"/>
+                    </a:p>
+                  </a:txBody>
+                  <a:tcPr marL="124764" marR="124764" marT="62381" marB="62381" anchor="ctr"/>
+                </a:tc>
+                <a:tc>
+                  <a:txBody>
+                    <a:bodyPr/>
+                    <a:lstStyle/>
+                    <a:p>
+                      <a:pPr algn="ctr" latinLnBrk="1"/>
+                      <a:r>
+                        <a:rPr lang="en-US" altLang="ko-KR" sz="4000" dirty="0"/>
+                        <a:t>1</a:t>
+                      </a:r>
+                      <a:endParaRPr lang="ko-KR" altLang="en-US" sz="4000" dirty="0"/>
+                    </a:p>
+                  </a:txBody>
+                  <a:tcPr marL="124764" marR="124764" marT="62381" marB="62381" anchor="ctr"/>
+                </a:tc>
+                <a:tc>
+                  <a:txBody>
+                    <a:bodyPr/>
+                    <a:lstStyle/>
+                    <a:p>
+                      <a:pPr algn="ctr" latinLnBrk="1"/>
+                      <a:r>
+                        <a:rPr lang="en-US" altLang="ko-KR" sz="4000" dirty="0"/>
+                        <a:t>1</a:t>
+                      </a:r>
+                      <a:endParaRPr lang="ko-KR" altLang="en-US" sz="4000" dirty="0"/>
+                    </a:p>
+                  </a:txBody>
+                  <a:tcPr marL="124764" marR="124764" marT="62381" marB="62381" anchor="ctr"/>
+                </a:tc>
+                <a:tc>
+                  <a:txBody>
+                    <a:bodyPr/>
+                    <a:lstStyle/>
+                    <a:p>
+                      <a:pPr algn="ctr" latinLnBrk="1"/>
+                      <a:r>
+                        <a:rPr lang="en-US" altLang="ko-KR" sz="4000" dirty="0"/>
+                        <a:t>1</a:t>
+                      </a:r>
+                      <a:endParaRPr lang="ko-KR" altLang="en-US" sz="4000" dirty="0"/>
+                    </a:p>
+                  </a:txBody>
+                  <a:tcPr marL="124764" marR="124764" marT="62381" marB="62381" anchor="ctr"/>
+                </a:tc>
+                <a:extLst>
+                  <a:ext uri="{0D108BD9-81ED-4DB2-BD59-A6C34878D82A}">
+                    <a16:rowId xmlns:a16="http://schemas.microsoft.com/office/drawing/2014/main" val="914075533"/>
+                  </a:ext>
+                </a:extLst>
+              </a:tr>
+            </a:tbl>
+          </a:graphicData>
+        </a:graphic>
+      </p:graphicFrame>
+      <p:sp>
+        <p:nvSpPr>
+          <p:cNvPr id="4" name="TextBox 3">
+            <a:extLst>
+              <a:ext uri="{FF2B5EF4-FFF2-40B4-BE49-F238E27FC236}">
+                <a16:creationId xmlns:a16="http://schemas.microsoft.com/office/drawing/2014/main" id="{B343BAE6-9EF7-0DF9-29C2-996ACA61B256}"/>
+              </a:ext>
+            </a:extLst>
+          </p:cNvPr>
+          <p:cNvSpPr txBox="1"/>
+          <p:nvPr/>
+        </p:nvSpPr>
+        <p:spPr>
+          <a:xfrm>
+            <a:off x="680046" y="1342720"/>
+            <a:ext cx="519694" cy="830997"/>
+          </a:xfrm>
+          <a:prstGeom prst="rect">
+            <a:avLst/>
+          </a:prstGeom>
+          <a:noFill/>
+        </p:spPr>
+        <p:txBody>
+          <a:bodyPr wrap="none" rtlCol="0">
+            <a:spAutoFit/>
+          </a:bodyPr>
+          <a:lstStyle/>
+          <a:p>
+            <a:pPr algn="ctr"/>
+            <a:r>
+              <a:rPr lang="en-US" altLang="ko-KR" sz="4800" b="1" dirty="0"/>
+              <a:t>a</a:t>
+            </a:r>
+            <a:endParaRPr lang="ko-KR" altLang="en-US" sz="4800" b="1" dirty="0"/>
+          </a:p>
+        </p:txBody>
+      </p:sp>
+      <p:sp>
+        <p:nvSpPr>
+          <p:cNvPr id="5" name="TextBox 4">
+            <a:extLst>
+              <a:ext uri="{FF2B5EF4-FFF2-40B4-BE49-F238E27FC236}">
+                <a16:creationId xmlns:a16="http://schemas.microsoft.com/office/drawing/2014/main" id="{1867615D-7DD8-718A-3E36-E017AD46F29F}"/>
+              </a:ext>
+            </a:extLst>
+          </p:cNvPr>
+          <p:cNvSpPr txBox="1"/>
+          <p:nvPr/>
+        </p:nvSpPr>
+        <p:spPr>
+          <a:xfrm>
+            <a:off x="957553" y="2110821"/>
+            <a:ext cx="627096" cy="830997"/>
+          </a:xfrm>
+          <a:prstGeom prst="rect">
+            <a:avLst/>
+          </a:prstGeom>
+          <a:noFill/>
+        </p:spPr>
+        <p:txBody>
+          <a:bodyPr wrap="none" rtlCol="0">
+            <a:spAutoFit/>
+          </a:bodyPr>
+          <a:lstStyle/>
+          <a:p>
+            <a:pPr algn="ctr"/>
+            <a:r>
+              <a:rPr lang="en-US" altLang="ko-KR" sz="4800" b="1" dirty="0"/>
+              <a:t>^</a:t>
+            </a:r>
+            <a:endParaRPr lang="ko-KR" altLang="en-US" sz="4800" b="1" dirty="0"/>
+          </a:p>
+        </p:txBody>
+      </p:sp>
+      <p:sp>
+        <p:nvSpPr>
+          <p:cNvPr id="6" name="TextBox 5">
+            <a:extLst>
+              <a:ext uri="{FF2B5EF4-FFF2-40B4-BE49-F238E27FC236}">
+                <a16:creationId xmlns:a16="http://schemas.microsoft.com/office/drawing/2014/main" id="{58D49905-6255-C869-4507-27FA936DF00D}"/>
+              </a:ext>
+            </a:extLst>
+          </p:cNvPr>
+          <p:cNvSpPr txBox="1"/>
+          <p:nvPr/>
+        </p:nvSpPr>
+        <p:spPr>
+          <a:xfrm>
+            <a:off x="9962842" y="1515248"/>
+            <a:ext cx="1412567" cy="584775"/>
+          </a:xfrm>
+          <a:prstGeom prst="rect">
+            <a:avLst/>
+          </a:prstGeom>
+          <a:noFill/>
+        </p:spPr>
+        <p:txBody>
+          <a:bodyPr wrap="none" rtlCol="0">
+            <a:spAutoFit/>
+          </a:bodyPr>
+          <a:lstStyle/>
+          <a:p>
+            <a:pPr algn="ctr"/>
+            <a:r>
+              <a:rPr lang="en-US" altLang="ko-KR" sz="3200" b="1" dirty="0"/>
+              <a:t>=0x59</a:t>
+            </a:r>
+            <a:endParaRPr lang="ko-KR" altLang="en-US" sz="3200" b="1" dirty="0"/>
+          </a:p>
+        </p:txBody>
+      </p:sp>
+      <p:sp>
+        <p:nvSpPr>
+          <p:cNvPr id="7" name="TextBox 6">
+            <a:extLst>
+              <a:ext uri="{FF2B5EF4-FFF2-40B4-BE49-F238E27FC236}">
+                <a16:creationId xmlns:a16="http://schemas.microsoft.com/office/drawing/2014/main" id="{0D623785-B6C4-096B-CB7D-8FBA666D9CB5}"/>
+              </a:ext>
+            </a:extLst>
+          </p:cNvPr>
+          <p:cNvSpPr txBox="1"/>
+          <p:nvPr/>
+        </p:nvSpPr>
+        <p:spPr>
+          <a:xfrm>
+            <a:off x="10005322" y="2941818"/>
+            <a:ext cx="1327608" cy="584775"/>
+          </a:xfrm>
+          <a:prstGeom prst="rect">
+            <a:avLst/>
+          </a:prstGeom>
+          <a:noFill/>
+        </p:spPr>
+        <p:txBody>
+          <a:bodyPr wrap="none" rtlCol="0">
+            <a:spAutoFit/>
+          </a:bodyPr>
+          <a:lstStyle/>
+          <a:p>
+            <a:pPr algn="ctr"/>
+            <a:r>
+              <a:rPr lang="en-US" altLang="ko-KR" sz="3200" b="1" dirty="0"/>
+              <a:t>=0x0f</a:t>
+            </a:r>
+            <a:endParaRPr lang="ko-KR" altLang="en-US" sz="3200" b="1" dirty="0"/>
+          </a:p>
+        </p:txBody>
+      </p:sp>
+      <p:sp>
+        <p:nvSpPr>
+          <p:cNvPr id="8" name="TextBox 7">
+            <a:extLst>
+              <a:ext uri="{FF2B5EF4-FFF2-40B4-BE49-F238E27FC236}">
+                <a16:creationId xmlns:a16="http://schemas.microsoft.com/office/drawing/2014/main" id="{59E0A06F-8301-FA23-CC88-45554CD2A615}"/>
+              </a:ext>
+            </a:extLst>
+          </p:cNvPr>
+          <p:cNvSpPr txBox="1"/>
+          <p:nvPr/>
+        </p:nvSpPr>
+        <p:spPr>
+          <a:xfrm>
+            <a:off x="626346" y="4546121"/>
+            <a:ext cx="627095" cy="830997"/>
+          </a:xfrm>
+          <a:prstGeom prst="rect">
+            <a:avLst/>
+          </a:prstGeom>
+          <a:noFill/>
+        </p:spPr>
+        <p:txBody>
+          <a:bodyPr wrap="none" rtlCol="0">
+            <a:spAutoFit/>
+          </a:bodyPr>
+          <a:lstStyle/>
+          <a:p>
+            <a:pPr algn="ctr"/>
+            <a:r>
+              <a:rPr lang="en-US" altLang="ko-KR" sz="4800" b="1" dirty="0"/>
+              <a:t>=</a:t>
+            </a:r>
+            <a:endParaRPr lang="ko-KR" altLang="en-US" sz="4800" b="1" dirty="0"/>
+          </a:p>
+        </p:txBody>
+      </p:sp>
+      <p:graphicFrame>
+        <p:nvGraphicFramePr>
+          <p:cNvPr id="9" name="표 8">
+            <a:extLst>
+              <a:ext uri="{FF2B5EF4-FFF2-40B4-BE49-F238E27FC236}">
+                <a16:creationId xmlns:a16="http://schemas.microsoft.com/office/drawing/2014/main" id="{5997B07C-9A16-32AF-3954-B02ED139A0D1}"/>
+              </a:ext>
+            </a:extLst>
+          </p:cNvPr>
+          <p:cNvGraphicFramePr>
+            <a:graphicFrameLocks noGrp="1"/>
+          </p:cNvGraphicFramePr>
+          <p:nvPr>
+            <p:extLst>
+              <p:ext uri="{D42A27DB-BD31-4B8C-83A1-F6EECF244321}">
+                <p14:modId xmlns:p14="http://schemas.microsoft.com/office/powerpoint/2010/main" val="2281719283"/>
+              </p:ext>
+            </p:extLst>
+          </p:nvPr>
+        </p:nvGraphicFramePr>
+        <p:xfrm>
+          <a:off x="1639017" y="4543496"/>
+          <a:ext cx="8181104" cy="960816"/>
+        </p:xfrm>
+        <a:graphic>
+          <a:graphicData uri="http://schemas.openxmlformats.org/drawingml/2006/table">
+            <a:tbl>
+              <a:tblPr firstRow="1" bandRow="1">
+                <a:tableStyleId>{5C22544A-7EE6-4342-B048-85BDC9FD1C3A}</a:tableStyleId>
+              </a:tblPr>
+              <a:tblGrid>
+                <a:gridCol w="1022638">
+                  <a:extLst>
+                    <a:ext uri="{9D8B030D-6E8A-4147-A177-3AD203B41FA5}">
+                      <a16:colId xmlns:a16="http://schemas.microsoft.com/office/drawing/2014/main" val="1131516617"/>
+                    </a:ext>
+                  </a:extLst>
+                </a:gridCol>
+                <a:gridCol w="1022638">
+                  <a:extLst>
+                    <a:ext uri="{9D8B030D-6E8A-4147-A177-3AD203B41FA5}">
+                      <a16:colId xmlns:a16="http://schemas.microsoft.com/office/drawing/2014/main" val="3506922680"/>
+                    </a:ext>
+                  </a:extLst>
+                </a:gridCol>
+                <a:gridCol w="1022638">
+                  <a:extLst>
+                    <a:ext uri="{9D8B030D-6E8A-4147-A177-3AD203B41FA5}">
+                      <a16:colId xmlns:a16="http://schemas.microsoft.com/office/drawing/2014/main" val="3617156863"/>
+                    </a:ext>
+                  </a:extLst>
+                </a:gridCol>
+                <a:gridCol w="1022638">
+                  <a:extLst>
+                    <a:ext uri="{9D8B030D-6E8A-4147-A177-3AD203B41FA5}">
+                      <a16:colId xmlns:a16="http://schemas.microsoft.com/office/drawing/2014/main" val="1566354829"/>
+                    </a:ext>
+                  </a:extLst>
+                </a:gridCol>
+                <a:gridCol w="1022638">
+                  <a:extLst>
+                    <a:ext uri="{9D8B030D-6E8A-4147-A177-3AD203B41FA5}">
+                      <a16:colId xmlns:a16="http://schemas.microsoft.com/office/drawing/2014/main" val="3447932480"/>
+                    </a:ext>
+                  </a:extLst>
+                </a:gridCol>
+                <a:gridCol w="1022638">
+                  <a:extLst>
+                    <a:ext uri="{9D8B030D-6E8A-4147-A177-3AD203B41FA5}">
+                      <a16:colId xmlns:a16="http://schemas.microsoft.com/office/drawing/2014/main" val="1259241208"/>
+                    </a:ext>
+                  </a:extLst>
+                </a:gridCol>
+                <a:gridCol w="1022638">
+                  <a:extLst>
+                    <a:ext uri="{9D8B030D-6E8A-4147-A177-3AD203B41FA5}">
+                      <a16:colId xmlns:a16="http://schemas.microsoft.com/office/drawing/2014/main" val="58573078"/>
+                    </a:ext>
+                  </a:extLst>
+                </a:gridCol>
+                <a:gridCol w="1022638">
+                  <a:extLst>
+                    <a:ext uri="{9D8B030D-6E8A-4147-A177-3AD203B41FA5}">
+                      <a16:colId xmlns:a16="http://schemas.microsoft.com/office/drawing/2014/main" val="1814585855"/>
+                    </a:ext>
+                  </a:extLst>
+                </a:gridCol>
+              </a:tblGrid>
+              <a:tr h="960816">
+                <a:tc>
+                  <a:txBody>
+                    <a:bodyPr/>
+                    <a:lstStyle/>
+                    <a:p>
+                      <a:pPr algn="ctr" latinLnBrk="1"/>
+                      <a:r>
+                        <a:rPr lang="en-US" altLang="ko-KR" sz="4000" dirty="0"/>
+                        <a:t>0</a:t>
+                      </a:r>
+                      <a:endParaRPr lang="ko-KR" altLang="en-US" sz="4000" dirty="0"/>
+                    </a:p>
+                  </a:txBody>
+                  <a:tcPr marL="124764" marR="124764" marT="62381" marB="62381" anchor="ctr"/>
+                </a:tc>
+                <a:tc>
+                  <a:txBody>
+                    <a:bodyPr/>
+                    <a:lstStyle/>
+                    <a:p>
+                      <a:pPr algn="ctr" latinLnBrk="1"/>
+                      <a:r>
+                        <a:rPr lang="en-US" altLang="ko-KR" sz="4000" dirty="0"/>
+                        <a:t>1</a:t>
+                      </a:r>
+                      <a:endParaRPr lang="ko-KR" altLang="en-US" sz="4000" dirty="0"/>
+                    </a:p>
+                  </a:txBody>
+                  <a:tcPr marL="124764" marR="124764" marT="62381" marB="62381" anchor="ctr"/>
+                </a:tc>
+                <a:tc>
+                  <a:txBody>
+                    <a:bodyPr/>
+                    <a:lstStyle/>
+                    <a:p>
+                      <a:pPr algn="ctr" latinLnBrk="1"/>
+                      <a:r>
+                        <a:rPr lang="en-US" altLang="ko-KR" sz="4000" dirty="0"/>
+                        <a:t>0</a:t>
+                      </a:r>
+                      <a:endParaRPr lang="ko-KR" altLang="en-US" sz="4000" dirty="0"/>
+                    </a:p>
+                  </a:txBody>
+                  <a:tcPr marL="124764" marR="124764" marT="62381" marB="62381" anchor="ctr"/>
+                </a:tc>
+                <a:tc>
+                  <a:txBody>
+                    <a:bodyPr/>
+                    <a:lstStyle/>
+                    <a:p>
+                      <a:pPr algn="ctr" latinLnBrk="1"/>
+                      <a:r>
+                        <a:rPr lang="en-US" altLang="ko-KR" sz="4000" dirty="0"/>
+                        <a:t>1</a:t>
+                      </a:r>
+                      <a:endParaRPr lang="ko-KR" altLang="en-US" sz="4000" dirty="0"/>
+                    </a:p>
+                  </a:txBody>
+                  <a:tcPr marL="124764" marR="124764" marT="62381" marB="62381" anchor="ctr"/>
+                </a:tc>
+                <a:tc>
+                  <a:txBody>
+                    <a:bodyPr/>
+                    <a:lstStyle/>
+                    <a:p>
+                      <a:pPr algn="ctr" latinLnBrk="1"/>
+                      <a:r>
+                        <a:rPr lang="en-US" altLang="ko-KR" sz="4000" dirty="0"/>
+                        <a:t>0</a:t>
+                      </a:r>
+                      <a:endParaRPr lang="ko-KR" altLang="en-US" sz="4000" dirty="0"/>
+                    </a:p>
+                  </a:txBody>
+                  <a:tcPr marL="124764" marR="124764" marT="62381" marB="62381" anchor="ctr"/>
+                </a:tc>
+                <a:tc>
+                  <a:txBody>
+                    <a:bodyPr/>
+                    <a:lstStyle/>
+                    <a:p>
+                      <a:pPr algn="ctr" latinLnBrk="1"/>
+                      <a:r>
+                        <a:rPr lang="en-US" altLang="ko-KR" sz="4000" dirty="0"/>
+                        <a:t>1</a:t>
+                      </a:r>
+                      <a:endParaRPr lang="ko-KR" altLang="en-US" sz="4000" dirty="0"/>
+                    </a:p>
+                  </a:txBody>
+                  <a:tcPr marL="124764" marR="124764" marT="62381" marB="62381" anchor="ctr"/>
+                </a:tc>
+                <a:tc>
+                  <a:txBody>
+                    <a:bodyPr/>
+                    <a:lstStyle/>
+                    <a:p>
+                      <a:pPr algn="ctr" latinLnBrk="1"/>
+                      <a:r>
+                        <a:rPr lang="en-US" altLang="ko-KR" sz="4000" dirty="0"/>
+                        <a:t>1</a:t>
+                      </a:r>
+                      <a:endParaRPr lang="ko-KR" altLang="en-US" sz="4000" dirty="0"/>
+                    </a:p>
+                  </a:txBody>
+                  <a:tcPr marL="124764" marR="124764" marT="62381" marB="62381" anchor="ctr"/>
+                </a:tc>
+                <a:tc>
+                  <a:txBody>
+                    <a:bodyPr/>
+                    <a:lstStyle/>
+                    <a:p>
+                      <a:pPr algn="ctr" latinLnBrk="1"/>
+                      <a:r>
+                        <a:rPr lang="en-US" altLang="ko-KR" sz="4000" dirty="0"/>
+                        <a:t>0</a:t>
+                      </a:r>
+                      <a:endParaRPr lang="ko-KR" altLang="en-US" sz="4000" dirty="0"/>
+                    </a:p>
+                  </a:txBody>
+                  <a:tcPr marL="124764" marR="124764" marT="62381" marB="62381" anchor="ctr"/>
+                </a:tc>
+                <a:extLst>
+                  <a:ext uri="{0D108BD9-81ED-4DB2-BD59-A6C34878D82A}">
+                    <a16:rowId xmlns:a16="http://schemas.microsoft.com/office/drawing/2014/main" val="914075533"/>
+                  </a:ext>
+                </a:extLst>
+              </a:tr>
+            </a:tbl>
+          </a:graphicData>
+        </a:graphic>
+      </p:graphicFrame>
+      <p:sp>
+        <p:nvSpPr>
+          <p:cNvPr id="10" name="TextBox 9">
+            <a:extLst>
+              <a:ext uri="{FF2B5EF4-FFF2-40B4-BE49-F238E27FC236}">
+                <a16:creationId xmlns:a16="http://schemas.microsoft.com/office/drawing/2014/main" id="{66B8EB72-F060-EAA7-F106-CA144293D514}"/>
+              </a:ext>
+            </a:extLst>
+          </p:cNvPr>
+          <p:cNvSpPr txBox="1"/>
+          <p:nvPr/>
+        </p:nvSpPr>
+        <p:spPr>
+          <a:xfrm>
+            <a:off x="9962843" y="4731516"/>
+            <a:ext cx="1412566" cy="584775"/>
+          </a:xfrm>
+          <a:prstGeom prst="rect">
+            <a:avLst/>
+          </a:prstGeom>
+          <a:noFill/>
+        </p:spPr>
+        <p:txBody>
+          <a:bodyPr wrap="none" rtlCol="0">
+            <a:spAutoFit/>
+          </a:bodyPr>
+          <a:lstStyle/>
+          <a:p>
+            <a:pPr algn="ctr"/>
+            <a:r>
+              <a:rPr lang="en-US" altLang="ko-KR" sz="3200" b="1" dirty="0"/>
+              <a:t>=0x56</a:t>
+            </a:r>
+            <a:endParaRPr lang="ko-KR" altLang="en-US" sz="3200" b="1" dirty="0"/>
+          </a:p>
+        </p:txBody>
+      </p:sp>
+      <p:cxnSp>
+        <p:nvCxnSpPr>
+          <p:cNvPr id="11" name="직선 연결선 10">
+            <a:extLst>
+              <a:ext uri="{FF2B5EF4-FFF2-40B4-BE49-F238E27FC236}">
+                <a16:creationId xmlns:a16="http://schemas.microsoft.com/office/drawing/2014/main" id="{A3F20186-AFE1-A00D-91D1-ACF8CDBFB17D}"/>
+              </a:ext>
+            </a:extLst>
+          </p:cNvPr>
+          <p:cNvCxnSpPr/>
+          <p:nvPr/>
+        </p:nvCxnSpPr>
+        <p:spPr>
+          <a:xfrm>
+            <a:off x="465826" y="4088921"/>
+            <a:ext cx="11024559" cy="0"/>
+          </a:xfrm>
+          <a:prstGeom prst="line">
+            <a:avLst/>
+          </a:prstGeom>
+          <a:ln w="38100">
+            <a:solidFill>
+              <a:schemeClr val="tx1"/>
+            </a:solidFill>
+          </a:ln>
+        </p:spPr>
+        <p:style>
+          <a:lnRef idx="1">
+            <a:schemeClr val="accent1"/>
+          </a:lnRef>
+          <a:fillRef idx="0">
+            <a:schemeClr val="accent1"/>
+          </a:fillRef>
+          <a:effectRef idx="0">
+            <a:schemeClr val="accent1"/>
+          </a:effectRef>
+          <a:fontRef idx="minor">
+            <a:schemeClr val="tx1"/>
+          </a:fontRef>
+        </p:style>
+      </p:cxnSp>
+    </p:spTree>
+    <p:extLst>
+      <p:ext uri="{BB962C8B-B14F-4D97-AF65-F5344CB8AC3E}">
+        <p14:creationId xmlns:p14="http://schemas.microsoft.com/office/powerpoint/2010/main" val="135454225"/>
+      </p:ext>
+    </p:extLst>
+  </p:cSld>
+  <p:clrMapOvr>
+    <a:masterClrMapping/>
+  </p:clrMapOvr>
+</p:sld>
+</file>
+
+<file path=ppt/slides/slide6.xml><?xml version="1.0" encoding="utf-8"?>
+<p:sld xmlns:a="http://schemas.openxmlformats.org/drawingml/2006/main" xmlns:r="http://schemas.openxmlformats.org/officeDocument/2006/relationships" xmlns:p="http://schemas.openxmlformats.org/presentationml/2006/main">
+  <p:cSld>
+    <p:spTree>
+      <p:nvGrpSpPr>
+        <p:cNvPr id="1" name=""/>
+        <p:cNvGrpSpPr/>
+        <p:nvPr/>
+      </p:nvGrpSpPr>
+      <p:grpSpPr>
+        <a:xfrm>
+          <a:off x="0" y="0"/>
+          <a:ext cx="0" cy="0"/>
+          <a:chOff x="0" y="0"/>
+          <a:chExt cx="0" cy="0"/>
+        </a:xfrm>
+      </p:grpSpPr>
+      <p:graphicFrame>
+        <p:nvGraphicFramePr>
+          <p:cNvPr id="2" name="표 2">
+            <a:extLst>
+              <a:ext uri="{FF2B5EF4-FFF2-40B4-BE49-F238E27FC236}">
+                <a16:creationId xmlns:a16="http://schemas.microsoft.com/office/drawing/2014/main" id="{3CFB55E7-8FC1-3861-D621-BF8A09F3A267}"/>
+              </a:ext>
+            </a:extLst>
+          </p:cNvPr>
+          <p:cNvGraphicFramePr>
+            <a:graphicFrameLocks noGrp="1"/>
+          </p:cNvGraphicFramePr>
+          <p:nvPr>
+            <p:extLst>
+              <p:ext uri="{D42A27DB-BD31-4B8C-83A1-F6EECF244321}">
+                <p14:modId xmlns:p14="http://schemas.microsoft.com/office/powerpoint/2010/main" val="2158659743"/>
+              </p:ext>
+            </p:extLst>
+          </p:nvPr>
+        </p:nvGraphicFramePr>
+        <p:xfrm>
+          <a:off x="1639017" y="1342720"/>
+          <a:ext cx="8181104" cy="960816"/>
+        </p:xfrm>
+        <a:graphic>
+          <a:graphicData uri="http://schemas.openxmlformats.org/drawingml/2006/table">
+            <a:tbl>
+              <a:tblPr firstRow="1" bandRow="1">
+                <a:tableStyleId>{5C22544A-7EE6-4342-B048-85BDC9FD1C3A}</a:tableStyleId>
+              </a:tblPr>
+              <a:tblGrid>
+                <a:gridCol w="1022638">
+                  <a:extLst>
+                    <a:ext uri="{9D8B030D-6E8A-4147-A177-3AD203B41FA5}">
+                      <a16:colId xmlns:a16="http://schemas.microsoft.com/office/drawing/2014/main" val="1131516617"/>
+                    </a:ext>
+                  </a:extLst>
+                </a:gridCol>
+                <a:gridCol w="1022638">
+                  <a:extLst>
+                    <a:ext uri="{9D8B030D-6E8A-4147-A177-3AD203B41FA5}">
+                      <a16:colId xmlns:a16="http://schemas.microsoft.com/office/drawing/2014/main" val="3506922680"/>
+                    </a:ext>
+                  </a:extLst>
+                </a:gridCol>
+                <a:gridCol w="1022638">
+                  <a:extLst>
+                    <a:ext uri="{9D8B030D-6E8A-4147-A177-3AD203B41FA5}">
+                      <a16:colId xmlns:a16="http://schemas.microsoft.com/office/drawing/2014/main" val="3617156863"/>
+                    </a:ext>
+                  </a:extLst>
+                </a:gridCol>
+                <a:gridCol w="1022638">
+                  <a:extLst>
+                    <a:ext uri="{9D8B030D-6E8A-4147-A177-3AD203B41FA5}">
+                      <a16:colId xmlns:a16="http://schemas.microsoft.com/office/drawing/2014/main" val="1566354829"/>
+                    </a:ext>
+                  </a:extLst>
+                </a:gridCol>
+                <a:gridCol w="1022638">
+                  <a:extLst>
+                    <a:ext uri="{9D8B030D-6E8A-4147-A177-3AD203B41FA5}">
+                      <a16:colId xmlns:a16="http://schemas.microsoft.com/office/drawing/2014/main" val="3447932480"/>
+                    </a:ext>
+                  </a:extLst>
+                </a:gridCol>
+                <a:gridCol w="1022638">
+                  <a:extLst>
+                    <a:ext uri="{9D8B030D-6E8A-4147-A177-3AD203B41FA5}">
+                      <a16:colId xmlns:a16="http://schemas.microsoft.com/office/drawing/2014/main" val="1259241208"/>
+                    </a:ext>
+                  </a:extLst>
+                </a:gridCol>
+                <a:gridCol w="1022638">
+                  <a:extLst>
+                    <a:ext uri="{9D8B030D-6E8A-4147-A177-3AD203B41FA5}">
+                      <a16:colId xmlns:a16="http://schemas.microsoft.com/office/drawing/2014/main" val="58573078"/>
+                    </a:ext>
+                  </a:extLst>
+                </a:gridCol>
+                <a:gridCol w="1022638">
+                  <a:extLst>
+                    <a:ext uri="{9D8B030D-6E8A-4147-A177-3AD203B41FA5}">
+                      <a16:colId xmlns:a16="http://schemas.microsoft.com/office/drawing/2014/main" val="1814585855"/>
+                    </a:ext>
+                  </a:extLst>
+                </a:gridCol>
+              </a:tblGrid>
+              <a:tr h="960816">
+                <a:tc>
+                  <a:txBody>
+                    <a:bodyPr/>
+                    <a:lstStyle/>
+                    <a:p>
+                      <a:pPr algn="ctr" latinLnBrk="1"/>
+                      <a:r>
+                        <a:rPr lang="en-US" altLang="ko-KR" sz="4000" dirty="0"/>
+                        <a:t>0</a:t>
+                      </a:r>
+                      <a:endParaRPr lang="ko-KR" altLang="en-US" sz="4000" dirty="0"/>
+                    </a:p>
+                  </a:txBody>
+                  <a:tcPr marL="124764" marR="124764" marT="62381" marB="62381" anchor="ctr"/>
+                </a:tc>
+                <a:tc>
+                  <a:txBody>
+                    <a:bodyPr/>
+                    <a:lstStyle/>
+                    <a:p>
+                      <a:pPr algn="ctr" latinLnBrk="1"/>
+                      <a:r>
+                        <a:rPr lang="en-US" altLang="ko-KR" sz="4000" dirty="0"/>
+                        <a:t>1</a:t>
+                      </a:r>
+                      <a:endParaRPr lang="ko-KR" altLang="en-US" sz="4000" dirty="0"/>
+                    </a:p>
+                  </a:txBody>
+                  <a:tcPr marL="124764" marR="124764" marT="62381" marB="62381" anchor="ctr"/>
+                </a:tc>
+                <a:tc>
+                  <a:txBody>
+                    <a:bodyPr/>
+                    <a:lstStyle/>
+                    <a:p>
+                      <a:pPr algn="ctr" latinLnBrk="1"/>
+                      <a:r>
+                        <a:rPr lang="en-US" altLang="ko-KR" sz="4000" dirty="0"/>
+                        <a:t>0</a:t>
+                      </a:r>
+                      <a:endParaRPr lang="ko-KR" altLang="en-US" sz="4000" dirty="0"/>
+                    </a:p>
+                  </a:txBody>
+                  <a:tcPr marL="124764" marR="124764" marT="62381" marB="62381" anchor="ctr"/>
+                </a:tc>
+                <a:tc>
+                  <a:txBody>
+                    <a:bodyPr/>
+                    <a:lstStyle/>
+                    <a:p>
+                      <a:pPr algn="ctr" latinLnBrk="1"/>
+                      <a:r>
+                        <a:rPr lang="en-US" altLang="ko-KR" sz="4000" dirty="0"/>
+                        <a:t>1</a:t>
+                      </a:r>
+                      <a:endParaRPr lang="ko-KR" altLang="en-US" sz="4000" dirty="0"/>
+                    </a:p>
+                  </a:txBody>
+                  <a:tcPr marL="124764" marR="124764" marT="62381" marB="62381" anchor="ctr"/>
+                </a:tc>
+                <a:tc>
+                  <a:txBody>
+                    <a:bodyPr/>
+                    <a:lstStyle/>
+                    <a:p>
+                      <a:pPr algn="ctr" latinLnBrk="1"/>
+                      <a:r>
+                        <a:rPr lang="en-US" altLang="ko-KR" sz="4000" dirty="0"/>
+                        <a:t>1</a:t>
+                      </a:r>
+                      <a:endParaRPr lang="ko-KR" altLang="en-US" sz="4000" dirty="0"/>
+                    </a:p>
+                  </a:txBody>
+                  <a:tcPr marL="124764" marR="124764" marT="62381" marB="62381" anchor="ctr"/>
+                </a:tc>
+                <a:tc>
+                  <a:txBody>
+                    <a:bodyPr/>
+                    <a:lstStyle/>
+                    <a:p>
+                      <a:pPr algn="ctr" latinLnBrk="1"/>
+                      <a:r>
+                        <a:rPr lang="en-US" altLang="ko-KR" sz="4000" dirty="0"/>
+                        <a:t>0</a:t>
+                      </a:r>
+                      <a:endParaRPr lang="ko-KR" altLang="en-US" sz="4000" dirty="0"/>
+                    </a:p>
+                  </a:txBody>
+                  <a:tcPr marL="124764" marR="124764" marT="62381" marB="62381" anchor="ctr"/>
+                </a:tc>
+                <a:tc>
+                  <a:txBody>
+                    <a:bodyPr/>
+                    <a:lstStyle/>
+                    <a:p>
+                      <a:pPr algn="ctr" latinLnBrk="1"/>
+                      <a:r>
+                        <a:rPr lang="en-US" altLang="ko-KR" sz="4000" dirty="0"/>
+                        <a:t>0</a:t>
+                      </a:r>
+                      <a:endParaRPr lang="ko-KR" altLang="en-US" sz="4000" dirty="0"/>
+                    </a:p>
+                  </a:txBody>
+                  <a:tcPr marL="124764" marR="124764" marT="62381" marB="62381" anchor="ctr"/>
+                </a:tc>
+                <a:tc>
+                  <a:txBody>
+                    <a:bodyPr/>
+                    <a:lstStyle/>
+                    <a:p>
+                      <a:pPr algn="ctr" latinLnBrk="1"/>
+                      <a:r>
+                        <a:rPr lang="en-US" altLang="ko-KR" sz="4000" dirty="0"/>
+                        <a:t>1</a:t>
+                      </a:r>
+                      <a:endParaRPr lang="ko-KR" altLang="en-US" sz="4000" dirty="0"/>
+                    </a:p>
+                  </a:txBody>
+                  <a:tcPr marL="124764" marR="124764" marT="62381" marB="62381" anchor="ctr"/>
+                </a:tc>
+                <a:extLst>
+                  <a:ext uri="{0D108BD9-81ED-4DB2-BD59-A6C34878D82A}">
+                    <a16:rowId xmlns:a16="http://schemas.microsoft.com/office/drawing/2014/main" val="914075533"/>
+                  </a:ext>
+                </a:extLst>
+              </a:tr>
+            </a:tbl>
+          </a:graphicData>
+        </a:graphic>
+      </p:graphicFrame>
+      <p:graphicFrame>
+        <p:nvGraphicFramePr>
+          <p:cNvPr id="3" name="표 2">
+            <a:extLst>
+              <a:ext uri="{FF2B5EF4-FFF2-40B4-BE49-F238E27FC236}">
+                <a16:creationId xmlns:a16="http://schemas.microsoft.com/office/drawing/2014/main" id="{B274A3C5-6664-A6E5-1EC1-EDA8F8381701}"/>
+              </a:ext>
+            </a:extLst>
+          </p:cNvPr>
+          <p:cNvGraphicFramePr>
+            <a:graphicFrameLocks noGrp="1"/>
+          </p:cNvGraphicFramePr>
+          <p:nvPr>
+            <p:extLst>
+              <p:ext uri="{D42A27DB-BD31-4B8C-83A1-F6EECF244321}">
+                <p14:modId xmlns:p14="http://schemas.microsoft.com/office/powerpoint/2010/main" val="3639810622"/>
+              </p:ext>
+            </p:extLst>
+          </p:nvPr>
+        </p:nvGraphicFramePr>
+        <p:xfrm>
+          <a:off x="1639017" y="4085025"/>
+          <a:ext cx="8181104" cy="960816"/>
+        </p:xfrm>
+        <a:graphic>
+          <a:graphicData uri="http://schemas.openxmlformats.org/drawingml/2006/table">
+            <a:tbl>
+              <a:tblPr firstRow="1" bandRow="1">
+                <a:tableStyleId>{5C22544A-7EE6-4342-B048-85BDC9FD1C3A}</a:tableStyleId>
+              </a:tblPr>
+              <a:tblGrid>
+                <a:gridCol w="1022638">
+                  <a:extLst>
+                    <a:ext uri="{9D8B030D-6E8A-4147-A177-3AD203B41FA5}">
+                      <a16:colId xmlns:a16="http://schemas.microsoft.com/office/drawing/2014/main" val="1131516617"/>
+                    </a:ext>
+                  </a:extLst>
+                </a:gridCol>
+                <a:gridCol w="1022638">
+                  <a:extLst>
+                    <a:ext uri="{9D8B030D-6E8A-4147-A177-3AD203B41FA5}">
+                      <a16:colId xmlns:a16="http://schemas.microsoft.com/office/drawing/2014/main" val="3506922680"/>
+                    </a:ext>
+                  </a:extLst>
+                </a:gridCol>
+                <a:gridCol w="1022638">
+                  <a:extLst>
+                    <a:ext uri="{9D8B030D-6E8A-4147-A177-3AD203B41FA5}">
+                      <a16:colId xmlns:a16="http://schemas.microsoft.com/office/drawing/2014/main" val="3617156863"/>
+                    </a:ext>
+                  </a:extLst>
+                </a:gridCol>
+                <a:gridCol w="1022638">
+                  <a:extLst>
+                    <a:ext uri="{9D8B030D-6E8A-4147-A177-3AD203B41FA5}">
+                      <a16:colId xmlns:a16="http://schemas.microsoft.com/office/drawing/2014/main" val="1566354829"/>
+                    </a:ext>
+                  </a:extLst>
+                </a:gridCol>
+                <a:gridCol w="1022638">
+                  <a:extLst>
+                    <a:ext uri="{9D8B030D-6E8A-4147-A177-3AD203B41FA5}">
+                      <a16:colId xmlns:a16="http://schemas.microsoft.com/office/drawing/2014/main" val="3447932480"/>
+                    </a:ext>
+                  </a:extLst>
+                </a:gridCol>
+                <a:gridCol w="1022638">
+                  <a:extLst>
+                    <a:ext uri="{9D8B030D-6E8A-4147-A177-3AD203B41FA5}">
+                      <a16:colId xmlns:a16="http://schemas.microsoft.com/office/drawing/2014/main" val="1259241208"/>
+                    </a:ext>
+                  </a:extLst>
+                </a:gridCol>
+                <a:gridCol w="1022638">
+                  <a:extLst>
+                    <a:ext uri="{9D8B030D-6E8A-4147-A177-3AD203B41FA5}">
+                      <a16:colId xmlns:a16="http://schemas.microsoft.com/office/drawing/2014/main" val="58573078"/>
+                    </a:ext>
+                  </a:extLst>
+                </a:gridCol>
+                <a:gridCol w="1022638">
+                  <a:extLst>
+                    <a:ext uri="{9D8B030D-6E8A-4147-A177-3AD203B41FA5}">
+                      <a16:colId xmlns:a16="http://schemas.microsoft.com/office/drawing/2014/main" val="1814585855"/>
+                    </a:ext>
+                  </a:extLst>
+                </a:gridCol>
+              </a:tblGrid>
+              <a:tr h="960816">
+                <a:tc>
+                  <a:txBody>
+                    <a:bodyPr/>
+                    <a:lstStyle/>
+                    <a:p>
+                      <a:pPr algn="ctr" latinLnBrk="1"/>
+                      <a:r>
+                        <a:rPr lang="en-US" altLang="ko-KR" sz="4000" dirty="0"/>
+                        <a:t>0</a:t>
+                      </a:r>
+                      <a:endParaRPr lang="ko-KR" altLang="en-US" sz="4000" dirty="0"/>
+                    </a:p>
+                  </a:txBody>
+                  <a:tcPr marL="124764" marR="124764" marT="62381" marB="62381" anchor="ctr"/>
+                </a:tc>
+                <a:tc>
+                  <a:txBody>
+                    <a:bodyPr/>
+                    <a:lstStyle/>
+                    <a:p>
+                      <a:pPr algn="ctr" latinLnBrk="1"/>
+                      <a:r>
+                        <a:rPr lang="en-US" altLang="ko-KR" sz="4000" dirty="0"/>
+                        <a:t>0</a:t>
+                      </a:r>
+                      <a:endParaRPr lang="ko-KR" altLang="en-US" sz="4000" dirty="0"/>
+                    </a:p>
+                  </a:txBody>
+                  <a:tcPr marL="124764" marR="124764" marT="62381" marB="62381" anchor="ctr"/>
+                </a:tc>
+                <a:tc>
+                  <a:txBody>
+                    <a:bodyPr/>
+                    <a:lstStyle/>
+                    <a:p>
+                      <a:pPr algn="ctr" latinLnBrk="1"/>
+                      <a:r>
+                        <a:rPr lang="en-US" altLang="ko-KR" sz="4000" dirty="0"/>
+                        <a:t>1</a:t>
+                      </a:r>
+                      <a:endParaRPr lang="ko-KR" altLang="en-US" sz="4000" dirty="0"/>
+                    </a:p>
+                  </a:txBody>
+                  <a:tcPr marL="124764" marR="124764" marT="62381" marB="62381" anchor="ctr"/>
+                </a:tc>
+                <a:tc>
+                  <a:txBody>
+                    <a:bodyPr/>
+                    <a:lstStyle/>
+                    <a:p>
+                      <a:pPr algn="ctr" latinLnBrk="1"/>
+                      <a:r>
+                        <a:rPr lang="en-US" altLang="ko-KR" sz="4000" dirty="0"/>
+                        <a:t>0</a:t>
+                      </a:r>
+                      <a:endParaRPr lang="ko-KR" altLang="en-US" sz="4000" dirty="0"/>
+                    </a:p>
+                  </a:txBody>
+                  <a:tcPr marL="124764" marR="124764" marT="62381" marB="62381" anchor="ctr"/>
+                </a:tc>
+                <a:tc>
+                  <a:txBody>
+                    <a:bodyPr/>
+                    <a:lstStyle/>
+                    <a:p>
+                      <a:pPr algn="ctr" latinLnBrk="1"/>
+                      <a:r>
+                        <a:rPr lang="en-US" altLang="ko-KR" sz="4000" dirty="0"/>
+                        <a:t>1</a:t>
+                      </a:r>
+                      <a:endParaRPr lang="ko-KR" altLang="en-US" sz="4000" dirty="0"/>
+                    </a:p>
+                  </a:txBody>
+                  <a:tcPr marL="124764" marR="124764" marT="62381" marB="62381" anchor="ctr"/>
+                </a:tc>
+                <a:tc>
+                  <a:txBody>
+                    <a:bodyPr/>
+                    <a:lstStyle/>
+                    <a:p>
+                      <a:pPr algn="ctr" latinLnBrk="1"/>
+                      <a:r>
+                        <a:rPr lang="en-US" altLang="ko-KR" sz="4000" dirty="0"/>
+                        <a:t>1</a:t>
+                      </a:r>
+                      <a:endParaRPr lang="ko-KR" altLang="en-US" sz="4000" dirty="0"/>
+                    </a:p>
+                  </a:txBody>
+                  <a:tcPr marL="124764" marR="124764" marT="62381" marB="62381" anchor="ctr"/>
+                </a:tc>
+                <a:tc>
+                  <a:txBody>
+                    <a:bodyPr/>
+                    <a:lstStyle/>
+                    <a:p>
+                      <a:pPr algn="ctr" latinLnBrk="1"/>
+                      <a:r>
+                        <a:rPr lang="en-US" altLang="ko-KR" sz="4000" dirty="0"/>
+                        <a:t>0</a:t>
+                      </a:r>
+                      <a:endParaRPr lang="ko-KR" altLang="en-US" sz="4000" dirty="0"/>
+                    </a:p>
+                  </a:txBody>
+                  <a:tcPr marL="124764" marR="124764" marT="62381" marB="62381" anchor="ctr"/>
+                </a:tc>
+                <a:tc>
+                  <a:txBody>
+                    <a:bodyPr/>
+                    <a:lstStyle/>
+                    <a:p>
+                      <a:pPr algn="ctr" latinLnBrk="1"/>
+                      <a:r>
+                        <a:rPr lang="en-US" altLang="ko-KR" sz="4000" dirty="0"/>
+                        <a:t>0</a:t>
+                      </a:r>
+                      <a:endParaRPr lang="ko-KR" altLang="en-US" sz="4000" dirty="0"/>
+                    </a:p>
+                  </a:txBody>
+                  <a:tcPr marL="124764" marR="124764" marT="62381" marB="62381" anchor="ctr"/>
+                </a:tc>
+                <a:extLst>
+                  <a:ext uri="{0D108BD9-81ED-4DB2-BD59-A6C34878D82A}">
+                    <a16:rowId xmlns:a16="http://schemas.microsoft.com/office/drawing/2014/main" val="914075533"/>
+                  </a:ext>
+                </a:extLst>
+              </a:tr>
+            </a:tbl>
+          </a:graphicData>
+        </a:graphic>
+      </p:graphicFrame>
+      <p:sp>
+        <p:nvSpPr>
+          <p:cNvPr id="4" name="TextBox 3">
+            <a:extLst>
+              <a:ext uri="{FF2B5EF4-FFF2-40B4-BE49-F238E27FC236}">
+                <a16:creationId xmlns:a16="http://schemas.microsoft.com/office/drawing/2014/main" id="{C029FC63-E711-DD81-9539-3560F4EA39B0}"/>
+              </a:ext>
+            </a:extLst>
+          </p:cNvPr>
+          <p:cNvSpPr txBox="1"/>
+          <p:nvPr/>
+        </p:nvSpPr>
+        <p:spPr>
+          <a:xfrm>
+            <a:off x="680046" y="1342720"/>
+            <a:ext cx="519694" cy="830997"/>
+          </a:xfrm>
+          <a:prstGeom prst="rect">
+            <a:avLst/>
+          </a:prstGeom>
+          <a:noFill/>
+        </p:spPr>
+        <p:txBody>
+          <a:bodyPr wrap="none" rtlCol="0">
+            <a:spAutoFit/>
+          </a:bodyPr>
+          <a:lstStyle/>
+          <a:p>
+            <a:pPr algn="ctr"/>
+            <a:r>
+              <a:rPr lang="en-US" altLang="ko-KR" sz="4800" b="1" dirty="0"/>
+              <a:t>a</a:t>
+            </a:r>
+            <a:endParaRPr lang="ko-KR" altLang="en-US" sz="4800" b="1" dirty="0"/>
+          </a:p>
+        </p:txBody>
+      </p:sp>
+      <p:sp>
+        <p:nvSpPr>
+          <p:cNvPr id="5" name="TextBox 4">
+            <a:extLst>
+              <a:ext uri="{FF2B5EF4-FFF2-40B4-BE49-F238E27FC236}">
+                <a16:creationId xmlns:a16="http://schemas.microsoft.com/office/drawing/2014/main" id="{BB430946-2A6C-D623-94CA-7EE2872600B2}"/>
+              </a:ext>
+            </a:extLst>
+          </p:cNvPr>
+          <p:cNvSpPr txBox="1"/>
+          <p:nvPr/>
+        </p:nvSpPr>
+        <p:spPr>
+          <a:xfrm>
+            <a:off x="10073382" y="2888662"/>
+            <a:ext cx="1415772" cy="584775"/>
+          </a:xfrm>
+          <a:prstGeom prst="rect">
+            <a:avLst/>
+          </a:prstGeom>
+          <a:noFill/>
+        </p:spPr>
+        <p:txBody>
+          <a:bodyPr wrap="none" rtlCol="0">
+            <a:spAutoFit/>
+          </a:bodyPr>
+          <a:lstStyle/>
+          <a:p>
+            <a:pPr algn="ctr"/>
+            <a:r>
+              <a:rPr lang="ko-KR" altLang="en-US" sz="3200" b="1"/>
+              <a:t>밀려남</a:t>
+            </a:r>
+            <a:endParaRPr lang="ko-KR" altLang="en-US" sz="3200" b="1" dirty="0"/>
+          </a:p>
+        </p:txBody>
+      </p:sp>
+      <p:sp>
+        <p:nvSpPr>
+          <p:cNvPr id="6" name="TextBox 5">
+            <a:extLst>
+              <a:ext uri="{FF2B5EF4-FFF2-40B4-BE49-F238E27FC236}">
+                <a16:creationId xmlns:a16="http://schemas.microsoft.com/office/drawing/2014/main" id="{788BE231-C4E3-F778-1607-83053DA56AB1}"/>
+              </a:ext>
+            </a:extLst>
+          </p:cNvPr>
+          <p:cNvSpPr txBox="1"/>
+          <p:nvPr/>
+        </p:nvSpPr>
+        <p:spPr>
+          <a:xfrm>
+            <a:off x="9962842" y="1515248"/>
+            <a:ext cx="1412567" cy="584775"/>
+          </a:xfrm>
+          <a:prstGeom prst="rect">
+            <a:avLst/>
+          </a:prstGeom>
+          <a:noFill/>
+        </p:spPr>
+        <p:txBody>
+          <a:bodyPr wrap="none" rtlCol="0">
+            <a:spAutoFit/>
+          </a:bodyPr>
+          <a:lstStyle/>
+          <a:p>
+            <a:pPr algn="ctr"/>
+            <a:r>
+              <a:rPr lang="en-US" altLang="ko-KR" sz="3200" b="1" dirty="0"/>
+              <a:t>=0x59</a:t>
+            </a:r>
+            <a:endParaRPr lang="ko-KR" altLang="en-US" sz="3200" b="1" dirty="0"/>
+          </a:p>
+        </p:txBody>
+      </p:sp>
+      <p:sp>
+        <p:nvSpPr>
+          <p:cNvPr id="7" name="TextBox 6">
+            <a:extLst>
+              <a:ext uri="{FF2B5EF4-FFF2-40B4-BE49-F238E27FC236}">
+                <a16:creationId xmlns:a16="http://schemas.microsoft.com/office/drawing/2014/main" id="{B5A7FC62-D822-13F6-A0CC-599E71411005}"/>
+              </a:ext>
+            </a:extLst>
+          </p:cNvPr>
+          <p:cNvSpPr txBox="1"/>
+          <p:nvPr/>
+        </p:nvSpPr>
+        <p:spPr>
+          <a:xfrm>
+            <a:off x="9981276" y="4262077"/>
+            <a:ext cx="1375698" cy="584775"/>
+          </a:xfrm>
+          <a:prstGeom prst="rect">
+            <a:avLst/>
+          </a:prstGeom>
+          <a:noFill/>
+        </p:spPr>
+        <p:txBody>
+          <a:bodyPr wrap="none" rtlCol="0">
+            <a:spAutoFit/>
+          </a:bodyPr>
+          <a:lstStyle/>
+          <a:p>
+            <a:pPr algn="ctr"/>
+            <a:r>
+              <a:rPr lang="en-US" altLang="ko-KR" sz="3200" b="1" dirty="0"/>
+              <a:t>=0x2c</a:t>
+            </a:r>
+            <a:endParaRPr lang="ko-KR" altLang="en-US" sz="3200" b="1" dirty="0"/>
+          </a:p>
+        </p:txBody>
+      </p:sp>
+      <p:cxnSp>
+        <p:nvCxnSpPr>
+          <p:cNvPr id="9" name="연결선: 꺾임 8">
+            <a:extLst>
+              <a:ext uri="{FF2B5EF4-FFF2-40B4-BE49-F238E27FC236}">
+                <a16:creationId xmlns:a16="http://schemas.microsoft.com/office/drawing/2014/main" id="{673DBF87-3686-1155-1369-A06A0FDD40D5}"/>
+              </a:ext>
+            </a:extLst>
+          </p:cNvPr>
+          <p:cNvCxnSpPr>
+            <a:endCxn id="5" idx="1"/>
+          </p:cNvCxnSpPr>
+          <p:nvPr/>
+        </p:nvCxnSpPr>
+        <p:spPr>
+          <a:xfrm rot="16200000" flipH="1">
+            <a:off x="9256198" y="2363866"/>
+            <a:ext cx="877514" cy="756854"/>
+          </a:xfrm>
+          <a:prstGeom prst="bentConnector2">
+            <a:avLst/>
+          </a:prstGeom>
+          <a:ln w="38100">
+            <a:solidFill>
+              <a:schemeClr val="tx1"/>
+            </a:solidFill>
+            <a:tailEnd type="triangle" w="lg" len="lg"/>
+          </a:ln>
+        </p:spPr>
+        <p:style>
+          <a:lnRef idx="1">
+            <a:schemeClr val="accent1"/>
+          </a:lnRef>
+          <a:fillRef idx="0">
+            <a:schemeClr val="accent1"/>
+          </a:fillRef>
+          <a:effectRef idx="0">
+            <a:schemeClr val="accent1"/>
+          </a:effectRef>
+          <a:fontRef idx="minor">
+            <a:schemeClr val="tx1"/>
+          </a:fontRef>
+        </p:style>
+      </p:cxnSp>
+      <p:cxnSp>
+        <p:nvCxnSpPr>
+          <p:cNvPr id="11" name="직선 화살표 연결선 10">
+            <a:extLst>
+              <a:ext uri="{FF2B5EF4-FFF2-40B4-BE49-F238E27FC236}">
+                <a16:creationId xmlns:a16="http://schemas.microsoft.com/office/drawing/2014/main" id="{FEA2D0AF-22D4-ED55-E6EC-4D087CD74865}"/>
+              </a:ext>
+            </a:extLst>
+          </p:cNvPr>
+          <p:cNvCxnSpPr>
+            <a:cxnSpLocks/>
+          </p:cNvCxnSpPr>
+          <p:nvPr/>
+        </p:nvCxnSpPr>
+        <p:spPr>
+          <a:xfrm>
+            <a:off x="2118618" y="2441275"/>
+            <a:ext cx="1081782" cy="1500997"/>
+          </a:xfrm>
+          <a:prstGeom prst="straightConnector1">
+            <a:avLst/>
+          </a:prstGeom>
+          <a:ln w="38100">
+            <a:solidFill>
+              <a:schemeClr val="tx1"/>
+            </a:solidFill>
+            <a:tailEnd type="triangle" w="lg" len="lg"/>
+          </a:ln>
+        </p:spPr>
+        <p:style>
+          <a:lnRef idx="1">
+            <a:schemeClr val="accent1"/>
+          </a:lnRef>
+          <a:fillRef idx="0">
+            <a:schemeClr val="accent1"/>
+          </a:fillRef>
+          <a:effectRef idx="0">
+            <a:schemeClr val="accent1"/>
+          </a:effectRef>
+          <a:fontRef idx="minor">
+            <a:schemeClr val="tx1"/>
+          </a:fontRef>
+        </p:style>
+      </p:cxnSp>
+      <p:cxnSp>
+        <p:nvCxnSpPr>
+          <p:cNvPr id="15" name="직선 화살표 연결선 14">
+            <a:extLst>
+              <a:ext uri="{FF2B5EF4-FFF2-40B4-BE49-F238E27FC236}">
+                <a16:creationId xmlns:a16="http://schemas.microsoft.com/office/drawing/2014/main" id="{B89C3204-9E1B-AE31-4603-6239B55DB3C3}"/>
+              </a:ext>
+            </a:extLst>
+          </p:cNvPr>
+          <p:cNvCxnSpPr>
+            <a:cxnSpLocks/>
+          </p:cNvCxnSpPr>
+          <p:nvPr/>
+        </p:nvCxnSpPr>
+        <p:spPr>
+          <a:xfrm>
+            <a:off x="3200400" y="2441275"/>
+            <a:ext cx="1081782" cy="1500997"/>
+          </a:xfrm>
+          <a:prstGeom prst="straightConnector1">
+            <a:avLst/>
+          </a:prstGeom>
+          <a:ln w="38100">
+            <a:solidFill>
+              <a:schemeClr val="tx1"/>
+            </a:solidFill>
+            <a:tailEnd type="triangle" w="lg" len="lg"/>
+          </a:ln>
+        </p:spPr>
+        <p:style>
+          <a:lnRef idx="1">
+            <a:schemeClr val="accent1"/>
+          </a:lnRef>
+          <a:fillRef idx="0">
+            <a:schemeClr val="accent1"/>
+          </a:fillRef>
+          <a:effectRef idx="0">
+            <a:schemeClr val="accent1"/>
+          </a:effectRef>
+          <a:fontRef idx="minor">
+            <a:schemeClr val="tx1"/>
+          </a:fontRef>
+        </p:style>
+      </p:cxnSp>
+      <p:cxnSp>
+        <p:nvCxnSpPr>
+          <p:cNvPr id="16" name="직선 화살표 연결선 15">
+            <a:extLst>
+              <a:ext uri="{FF2B5EF4-FFF2-40B4-BE49-F238E27FC236}">
+                <a16:creationId xmlns:a16="http://schemas.microsoft.com/office/drawing/2014/main" id="{B2C93F13-6198-C4B3-C729-900EB01A0EE1}"/>
+              </a:ext>
+            </a:extLst>
+          </p:cNvPr>
+          <p:cNvCxnSpPr>
+            <a:cxnSpLocks/>
+          </p:cNvCxnSpPr>
+          <p:nvPr/>
+        </p:nvCxnSpPr>
+        <p:spPr>
+          <a:xfrm>
+            <a:off x="4207080" y="2441275"/>
+            <a:ext cx="1081782" cy="1500997"/>
+          </a:xfrm>
+          <a:prstGeom prst="straightConnector1">
+            <a:avLst/>
+          </a:prstGeom>
+          <a:ln w="38100">
+            <a:solidFill>
+              <a:schemeClr val="tx1"/>
+            </a:solidFill>
+            <a:tailEnd type="triangle" w="lg" len="lg"/>
+          </a:ln>
+        </p:spPr>
+        <p:style>
+          <a:lnRef idx="1">
+            <a:schemeClr val="accent1"/>
+          </a:lnRef>
+          <a:fillRef idx="0">
+            <a:schemeClr val="accent1"/>
+          </a:fillRef>
+          <a:effectRef idx="0">
+            <a:schemeClr val="accent1"/>
+          </a:effectRef>
+          <a:fontRef idx="minor">
+            <a:schemeClr val="tx1"/>
+          </a:fontRef>
+        </p:style>
+      </p:cxnSp>
+      <p:cxnSp>
+        <p:nvCxnSpPr>
+          <p:cNvPr id="17" name="직선 화살표 연결선 16">
+            <a:extLst>
+              <a:ext uri="{FF2B5EF4-FFF2-40B4-BE49-F238E27FC236}">
+                <a16:creationId xmlns:a16="http://schemas.microsoft.com/office/drawing/2014/main" id="{02FC906F-9C58-B1CB-3E6E-39BE85E06CFD}"/>
+              </a:ext>
+            </a:extLst>
+          </p:cNvPr>
+          <p:cNvCxnSpPr>
+            <a:cxnSpLocks/>
+          </p:cNvCxnSpPr>
+          <p:nvPr/>
+        </p:nvCxnSpPr>
+        <p:spPr>
+          <a:xfrm>
+            <a:off x="5213760" y="2441275"/>
+            <a:ext cx="1081782" cy="1500997"/>
+          </a:xfrm>
+          <a:prstGeom prst="straightConnector1">
+            <a:avLst/>
+          </a:prstGeom>
+          <a:ln w="38100">
+            <a:solidFill>
+              <a:schemeClr val="tx1"/>
+            </a:solidFill>
+            <a:tailEnd type="triangle" w="lg" len="lg"/>
+          </a:ln>
+        </p:spPr>
+        <p:style>
+          <a:lnRef idx="1">
+            <a:schemeClr val="accent1"/>
+          </a:lnRef>
+          <a:fillRef idx="0">
+            <a:schemeClr val="accent1"/>
+          </a:fillRef>
+          <a:effectRef idx="0">
+            <a:schemeClr val="accent1"/>
+          </a:effectRef>
+          <a:fontRef idx="minor">
+            <a:schemeClr val="tx1"/>
+          </a:fontRef>
+        </p:style>
+      </p:cxnSp>
+      <p:cxnSp>
+        <p:nvCxnSpPr>
+          <p:cNvPr id="18" name="직선 화살표 연결선 17">
+            <a:extLst>
+              <a:ext uri="{FF2B5EF4-FFF2-40B4-BE49-F238E27FC236}">
+                <a16:creationId xmlns:a16="http://schemas.microsoft.com/office/drawing/2014/main" id="{8B6F4D0C-FD64-A81A-1D21-BD9D0D2B9258}"/>
+              </a:ext>
+            </a:extLst>
+          </p:cNvPr>
+          <p:cNvCxnSpPr>
+            <a:cxnSpLocks/>
+          </p:cNvCxnSpPr>
+          <p:nvPr/>
+        </p:nvCxnSpPr>
+        <p:spPr>
+          <a:xfrm>
+            <a:off x="6220440" y="2441275"/>
+            <a:ext cx="1081782" cy="1500997"/>
+          </a:xfrm>
+          <a:prstGeom prst="straightConnector1">
+            <a:avLst/>
+          </a:prstGeom>
+          <a:ln w="38100">
+            <a:solidFill>
+              <a:schemeClr val="tx1"/>
+            </a:solidFill>
+            <a:tailEnd type="triangle" w="lg" len="lg"/>
+          </a:ln>
+        </p:spPr>
+        <p:style>
+          <a:lnRef idx="1">
+            <a:schemeClr val="accent1"/>
+          </a:lnRef>
+          <a:fillRef idx="0">
+            <a:schemeClr val="accent1"/>
+          </a:fillRef>
+          <a:effectRef idx="0">
+            <a:schemeClr val="accent1"/>
+          </a:effectRef>
+          <a:fontRef idx="minor">
+            <a:schemeClr val="tx1"/>
+          </a:fontRef>
+        </p:style>
+      </p:cxnSp>
+      <p:cxnSp>
+        <p:nvCxnSpPr>
+          <p:cNvPr id="19" name="직선 화살표 연결선 18">
+            <a:extLst>
+              <a:ext uri="{FF2B5EF4-FFF2-40B4-BE49-F238E27FC236}">
+                <a16:creationId xmlns:a16="http://schemas.microsoft.com/office/drawing/2014/main" id="{1765A231-AAF8-0189-18B0-D0FF328C2C65}"/>
+              </a:ext>
+            </a:extLst>
+          </p:cNvPr>
+          <p:cNvCxnSpPr>
+            <a:cxnSpLocks/>
+          </p:cNvCxnSpPr>
+          <p:nvPr/>
+        </p:nvCxnSpPr>
+        <p:spPr>
+          <a:xfrm>
+            <a:off x="7302222" y="2441275"/>
+            <a:ext cx="1081782" cy="1500997"/>
+          </a:xfrm>
+          <a:prstGeom prst="straightConnector1">
+            <a:avLst/>
+          </a:prstGeom>
+          <a:ln w="38100">
+            <a:solidFill>
+              <a:schemeClr val="tx1"/>
+            </a:solidFill>
+            <a:tailEnd type="triangle" w="lg" len="lg"/>
+          </a:ln>
+        </p:spPr>
+        <p:style>
+          <a:lnRef idx="1">
+            <a:schemeClr val="accent1"/>
+          </a:lnRef>
+          <a:fillRef idx="0">
+            <a:schemeClr val="accent1"/>
+          </a:fillRef>
+          <a:effectRef idx="0">
+            <a:schemeClr val="accent1"/>
+          </a:effectRef>
+          <a:fontRef idx="minor">
+            <a:schemeClr val="tx1"/>
+          </a:fontRef>
+        </p:style>
+      </p:cxnSp>
+      <p:cxnSp>
+        <p:nvCxnSpPr>
+          <p:cNvPr id="20" name="직선 화살표 연결선 19">
+            <a:extLst>
+              <a:ext uri="{FF2B5EF4-FFF2-40B4-BE49-F238E27FC236}">
+                <a16:creationId xmlns:a16="http://schemas.microsoft.com/office/drawing/2014/main" id="{B837B016-F78B-4CB6-F5BA-A8C40D71A73A}"/>
+              </a:ext>
+            </a:extLst>
+          </p:cNvPr>
+          <p:cNvCxnSpPr>
+            <a:cxnSpLocks/>
+          </p:cNvCxnSpPr>
+          <p:nvPr/>
+        </p:nvCxnSpPr>
+        <p:spPr>
+          <a:xfrm>
+            <a:off x="8384004" y="2441275"/>
+            <a:ext cx="1081782" cy="1500997"/>
+          </a:xfrm>
+          <a:prstGeom prst="straightConnector1">
+            <a:avLst/>
+          </a:prstGeom>
+          <a:ln w="38100">
+            <a:solidFill>
+              <a:schemeClr val="tx1"/>
+            </a:solidFill>
+            <a:tailEnd type="triangle" w="lg" len="lg"/>
+          </a:ln>
+        </p:spPr>
+        <p:style>
+          <a:lnRef idx="1">
+            <a:schemeClr val="accent1"/>
+          </a:lnRef>
+          <a:fillRef idx="0">
+            <a:schemeClr val="accent1"/>
+          </a:fillRef>
+          <a:effectRef idx="0">
+            <a:schemeClr val="accent1"/>
+          </a:effectRef>
+          <a:fontRef idx="minor">
+            <a:schemeClr val="tx1"/>
+          </a:fontRef>
+        </p:style>
+      </p:cxnSp>
+      <p:sp>
+        <p:nvSpPr>
+          <p:cNvPr id="21" name="TextBox 20">
+            <a:extLst>
+              <a:ext uri="{FF2B5EF4-FFF2-40B4-BE49-F238E27FC236}">
+                <a16:creationId xmlns:a16="http://schemas.microsoft.com/office/drawing/2014/main" id="{00D697E0-EFD7-FEA1-BBA7-3DAC40043A6B}"/>
+              </a:ext>
+            </a:extLst>
+          </p:cNvPr>
+          <p:cNvSpPr txBox="1"/>
+          <p:nvPr/>
+        </p:nvSpPr>
+        <p:spPr>
+          <a:xfrm>
+            <a:off x="269771" y="2997860"/>
+            <a:ext cx="1415773" cy="584775"/>
+          </a:xfrm>
+          <a:prstGeom prst="rect">
+            <a:avLst/>
+          </a:prstGeom>
+          <a:noFill/>
+        </p:spPr>
+        <p:txBody>
+          <a:bodyPr wrap="none" rtlCol="0">
+            <a:spAutoFit/>
+          </a:bodyPr>
+          <a:lstStyle/>
+          <a:p>
+            <a:pPr algn="ctr"/>
+            <a:r>
+              <a:rPr lang="ko-KR" altLang="en-US" sz="3200" b="1" dirty="0" err="1"/>
+              <a:t>채워짐</a:t>
+            </a:r>
+            <a:endParaRPr lang="ko-KR" altLang="en-US" sz="3200" b="1" dirty="0"/>
+          </a:p>
+        </p:txBody>
+      </p:sp>
+      <p:cxnSp>
+        <p:nvCxnSpPr>
+          <p:cNvPr id="22" name="연결선: 꺾임 21">
+            <a:extLst>
+              <a:ext uri="{FF2B5EF4-FFF2-40B4-BE49-F238E27FC236}">
+                <a16:creationId xmlns:a16="http://schemas.microsoft.com/office/drawing/2014/main" id="{FBF77A11-E618-61F3-A3FB-DB9E91398829}"/>
+              </a:ext>
+            </a:extLst>
+          </p:cNvPr>
+          <p:cNvCxnSpPr>
+            <a:cxnSpLocks/>
+            <a:stCxn id="21" idx="3"/>
+          </p:cNvCxnSpPr>
+          <p:nvPr/>
+        </p:nvCxnSpPr>
+        <p:spPr>
+          <a:xfrm>
+            <a:off x="1685544" y="3290248"/>
+            <a:ext cx="508176" cy="789763"/>
+          </a:xfrm>
+          <a:prstGeom prst="bentConnector2">
+            <a:avLst/>
+          </a:prstGeom>
+          <a:ln w="38100">
+            <a:solidFill>
+              <a:schemeClr val="tx1"/>
+            </a:solidFill>
+            <a:tailEnd type="triangle" w="lg" len="lg"/>
+          </a:ln>
+        </p:spPr>
+        <p:style>
+          <a:lnRef idx="1">
+            <a:schemeClr val="accent1"/>
+          </a:lnRef>
+          <a:fillRef idx="0">
+            <a:schemeClr val="accent1"/>
+          </a:fillRef>
+          <a:effectRef idx="0">
+            <a:schemeClr val="accent1"/>
+          </a:effectRef>
+          <a:fontRef idx="minor">
+            <a:schemeClr val="tx1"/>
+          </a:fontRef>
+        </p:style>
+      </p:cxnSp>
+      <p:sp>
+        <p:nvSpPr>
+          <p:cNvPr id="33" name="TextBox 32">
+            <a:extLst>
+              <a:ext uri="{FF2B5EF4-FFF2-40B4-BE49-F238E27FC236}">
+                <a16:creationId xmlns:a16="http://schemas.microsoft.com/office/drawing/2014/main" id="{8E1C27CE-BE61-16E2-3E52-D5D8EA13606D}"/>
+              </a:ext>
+            </a:extLst>
+          </p:cNvPr>
+          <p:cNvSpPr txBox="1"/>
+          <p:nvPr/>
+        </p:nvSpPr>
+        <p:spPr>
+          <a:xfrm>
+            <a:off x="361850" y="2212117"/>
+            <a:ext cx="1156086" cy="584775"/>
+          </a:xfrm>
+          <a:prstGeom prst="rect">
+            <a:avLst/>
+          </a:prstGeom>
+          <a:noFill/>
+        </p:spPr>
+        <p:txBody>
+          <a:bodyPr wrap="none" rtlCol="0">
+            <a:spAutoFit/>
+          </a:bodyPr>
+          <a:lstStyle/>
+          <a:p>
+            <a:pPr algn="ctr"/>
+            <a:r>
+              <a:rPr lang="en-US" altLang="ko-KR" sz="3200" b="1" dirty="0"/>
+              <a:t>&gt;&gt; 1</a:t>
+            </a:r>
+            <a:endParaRPr lang="ko-KR" altLang="en-US" sz="3200" b="1" dirty="0"/>
+          </a:p>
+        </p:txBody>
+      </p:sp>
+    </p:spTree>
+    <p:extLst>
+      <p:ext uri="{BB962C8B-B14F-4D97-AF65-F5344CB8AC3E}">
+        <p14:creationId xmlns:p14="http://schemas.microsoft.com/office/powerpoint/2010/main" val="3498310551"/>
+      </p:ext>
+    </p:extLst>
+  </p:cSld>
+  <p:clrMapOvr>
+    <a:masterClrMapping/>
+  </p:clrMapOvr>
+</p:sld>
+</file>
+
+<file path=ppt/slides/slide7.xml><?xml version="1.0" encoding="utf-8"?>
+<p:sld xmlns:a="http://schemas.openxmlformats.org/drawingml/2006/main" xmlns:r="http://schemas.openxmlformats.org/officeDocument/2006/relationships" xmlns:p="http://schemas.openxmlformats.org/presentationml/2006/main">
+  <p:cSld>
+    <p:spTree>
+      <p:nvGrpSpPr>
+        <p:cNvPr id="1" name=""/>
+        <p:cNvGrpSpPr/>
+        <p:nvPr/>
+      </p:nvGrpSpPr>
+      <p:grpSpPr>
+        <a:xfrm>
+          <a:off x="0" y="0"/>
+          <a:ext cx="0" cy="0"/>
+          <a:chOff x="0" y="0"/>
+          <a:chExt cx="0" cy="0"/>
+        </a:xfrm>
+      </p:grpSpPr>
+      <p:graphicFrame>
+        <p:nvGraphicFramePr>
+          <p:cNvPr id="18" name="표 2">
+            <a:extLst>
+              <a:ext uri="{FF2B5EF4-FFF2-40B4-BE49-F238E27FC236}">
+                <a16:creationId xmlns:a16="http://schemas.microsoft.com/office/drawing/2014/main" id="{1BD341D1-17D4-FE35-4362-5FE9B8C40614}"/>
+              </a:ext>
+            </a:extLst>
+          </p:cNvPr>
+          <p:cNvGraphicFramePr>
+            <a:graphicFrameLocks noGrp="1"/>
+          </p:cNvGraphicFramePr>
+          <p:nvPr>
+            <p:extLst>
+              <p:ext uri="{D42A27DB-BD31-4B8C-83A1-F6EECF244321}">
+                <p14:modId xmlns:p14="http://schemas.microsoft.com/office/powerpoint/2010/main" val="1936313358"/>
+              </p:ext>
+            </p:extLst>
+          </p:nvPr>
+        </p:nvGraphicFramePr>
+        <p:xfrm>
+          <a:off x="1639017" y="1342720"/>
+          <a:ext cx="8181104" cy="960816"/>
+        </p:xfrm>
+        <a:graphic>
+          <a:graphicData uri="http://schemas.openxmlformats.org/drawingml/2006/table">
+            <a:tbl>
+              <a:tblPr firstRow="1" bandRow="1">
+                <a:tableStyleId>{5C22544A-7EE6-4342-B048-85BDC9FD1C3A}</a:tableStyleId>
+              </a:tblPr>
+              <a:tblGrid>
+                <a:gridCol w="1022638">
+                  <a:extLst>
+                    <a:ext uri="{9D8B030D-6E8A-4147-A177-3AD203B41FA5}">
+                      <a16:colId xmlns:a16="http://schemas.microsoft.com/office/drawing/2014/main" val="1131516617"/>
+                    </a:ext>
+                  </a:extLst>
+                </a:gridCol>
+                <a:gridCol w="1022638">
+                  <a:extLst>
+                    <a:ext uri="{9D8B030D-6E8A-4147-A177-3AD203B41FA5}">
+                      <a16:colId xmlns:a16="http://schemas.microsoft.com/office/drawing/2014/main" val="3506922680"/>
+                    </a:ext>
+                  </a:extLst>
+                </a:gridCol>
+                <a:gridCol w="1022638">
+                  <a:extLst>
+                    <a:ext uri="{9D8B030D-6E8A-4147-A177-3AD203B41FA5}">
+                      <a16:colId xmlns:a16="http://schemas.microsoft.com/office/drawing/2014/main" val="3617156863"/>
+                    </a:ext>
+                  </a:extLst>
+                </a:gridCol>
+                <a:gridCol w="1022638">
+                  <a:extLst>
+                    <a:ext uri="{9D8B030D-6E8A-4147-A177-3AD203B41FA5}">
+                      <a16:colId xmlns:a16="http://schemas.microsoft.com/office/drawing/2014/main" val="1566354829"/>
+                    </a:ext>
+                  </a:extLst>
+                </a:gridCol>
+                <a:gridCol w="1022638">
+                  <a:extLst>
+                    <a:ext uri="{9D8B030D-6E8A-4147-A177-3AD203B41FA5}">
+                      <a16:colId xmlns:a16="http://schemas.microsoft.com/office/drawing/2014/main" val="3447932480"/>
+                    </a:ext>
+                  </a:extLst>
+                </a:gridCol>
+                <a:gridCol w="1022638">
+                  <a:extLst>
+                    <a:ext uri="{9D8B030D-6E8A-4147-A177-3AD203B41FA5}">
+                      <a16:colId xmlns:a16="http://schemas.microsoft.com/office/drawing/2014/main" val="1259241208"/>
+                    </a:ext>
+                  </a:extLst>
+                </a:gridCol>
+                <a:gridCol w="1022638">
+                  <a:extLst>
+                    <a:ext uri="{9D8B030D-6E8A-4147-A177-3AD203B41FA5}">
+                      <a16:colId xmlns:a16="http://schemas.microsoft.com/office/drawing/2014/main" val="58573078"/>
+                    </a:ext>
+                  </a:extLst>
+                </a:gridCol>
+                <a:gridCol w="1022638">
+                  <a:extLst>
+                    <a:ext uri="{9D8B030D-6E8A-4147-A177-3AD203B41FA5}">
+                      <a16:colId xmlns:a16="http://schemas.microsoft.com/office/drawing/2014/main" val="1814585855"/>
+                    </a:ext>
+                  </a:extLst>
+                </a:gridCol>
+              </a:tblGrid>
+              <a:tr h="960816">
+                <a:tc>
+                  <a:txBody>
+                    <a:bodyPr/>
+                    <a:lstStyle/>
+                    <a:p>
+                      <a:pPr algn="ctr" latinLnBrk="1"/>
+                      <a:r>
+                        <a:rPr lang="en-US" altLang="ko-KR" sz="4000" dirty="0"/>
+                        <a:t>0</a:t>
+                      </a:r>
+                      <a:endParaRPr lang="ko-KR" altLang="en-US" sz="4000" dirty="0"/>
+                    </a:p>
+                  </a:txBody>
+                  <a:tcPr marL="124764" marR="124764" marT="62381" marB="62381" anchor="ctr"/>
+                </a:tc>
+                <a:tc>
+                  <a:txBody>
+                    <a:bodyPr/>
+                    <a:lstStyle/>
+                    <a:p>
+                      <a:pPr algn="ctr" latinLnBrk="1"/>
+                      <a:r>
+                        <a:rPr lang="en-US" altLang="ko-KR" sz="4000" dirty="0"/>
+                        <a:t>1</a:t>
+                      </a:r>
+                      <a:endParaRPr lang="ko-KR" altLang="en-US" sz="4000" dirty="0"/>
+                    </a:p>
+                  </a:txBody>
+                  <a:tcPr marL="124764" marR="124764" marT="62381" marB="62381" anchor="ctr"/>
+                </a:tc>
+                <a:tc>
+                  <a:txBody>
+                    <a:bodyPr/>
+                    <a:lstStyle/>
+                    <a:p>
+                      <a:pPr algn="ctr" latinLnBrk="1"/>
+                      <a:r>
+                        <a:rPr lang="en-US" altLang="ko-KR" sz="4000" dirty="0"/>
+                        <a:t>0</a:t>
+                      </a:r>
+                      <a:endParaRPr lang="ko-KR" altLang="en-US" sz="4000" dirty="0"/>
+                    </a:p>
+                  </a:txBody>
+                  <a:tcPr marL="124764" marR="124764" marT="62381" marB="62381" anchor="ctr"/>
+                </a:tc>
+                <a:tc>
+                  <a:txBody>
+                    <a:bodyPr/>
+                    <a:lstStyle/>
+                    <a:p>
+                      <a:pPr algn="ctr" latinLnBrk="1"/>
+                      <a:r>
+                        <a:rPr lang="en-US" altLang="ko-KR" sz="4000" dirty="0"/>
+                        <a:t>1</a:t>
+                      </a:r>
+                      <a:endParaRPr lang="ko-KR" altLang="en-US" sz="4000" dirty="0"/>
+                    </a:p>
+                  </a:txBody>
+                  <a:tcPr marL="124764" marR="124764" marT="62381" marB="62381" anchor="ctr"/>
+                </a:tc>
+                <a:tc>
+                  <a:txBody>
+                    <a:bodyPr/>
+                    <a:lstStyle/>
+                    <a:p>
+                      <a:pPr algn="ctr" latinLnBrk="1"/>
+                      <a:r>
+                        <a:rPr lang="en-US" altLang="ko-KR" sz="4000" dirty="0"/>
+                        <a:t>1</a:t>
+                      </a:r>
+                      <a:endParaRPr lang="ko-KR" altLang="en-US" sz="4000" dirty="0"/>
+                    </a:p>
+                  </a:txBody>
+                  <a:tcPr marL="124764" marR="124764" marT="62381" marB="62381" anchor="ctr"/>
+                </a:tc>
+                <a:tc>
+                  <a:txBody>
+                    <a:bodyPr/>
+                    <a:lstStyle/>
+                    <a:p>
+                      <a:pPr algn="ctr" latinLnBrk="1"/>
+                      <a:r>
+                        <a:rPr lang="en-US" altLang="ko-KR" sz="4000" dirty="0"/>
+                        <a:t>0</a:t>
+                      </a:r>
+                      <a:endParaRPr lang="ko-KR" altLang="en-US" sz="4000" dirty="0"/>
+                    </a:p>
+                  </a:txBody>
+                  <a:tcPr marL="124764" marR="124764" marT="62381" marB="62381" anchor="ctr"/>
+                </a:tc>
+                <a:tc>
+                  <a:txBody>
+                    <a:bodyPr/>
+                    <a:lstStyle/>
+                    <a:p>
+                      <a:pPr algn="ctr" latinLnBrk="1"/>
+                      <a:r>
+                        <a:rPr lang="en-US" altLang="ko-KR" sz="4000" dirty="0"/>
+                        <a:t>0</a:t>
+                      </a:r>
+                      <a:endParaRPr lang="ko-KR" altLang="en-US" sz="4000" dirty="0"/>
+                    </a:p>
+                  </a:txBody>
+                  <a:tcPr marL="124764" marR="124764" marT="62381" marB="62381" anchor="ctr"/>
+                </a:tc>
+                <a:tc>
+                  <a:txBody>
+                    <a:bodyPr/>
+                    <a:lstStyle/>
+                    <a:p>
+                      <a:pPr algn="ctr" latinLnBrk="1"/>
+                      <a:r>
+                        <a:rPr lang="en-US" altLang="ko-KR" sz="4000" dirty="0"/>
+                        <a:t>1</a:t>
+                      </a:r>
+                      <a:endParaRPr lang="ko-KR" altLang="en-US" sz="4000" dirty="0"/>
+                    </a:p>
+                  </a:txBody>
+                  <a:tcPr marL="124764" marR="124764" marT="62381" marB="62381" anchor="ctr"/>
+                </a:tc>
+                <a:extLst>
+                  <a:ext uri="{0D108BD9-81ED-4DB2-BD59-A6C34878D82A}">
+                    <a16:rowId xmlns:a16="http://schemas.microsoft.com/office/drawing/2014/main" val="914075533"/>
+                  </a:ext>
+                </a:extLst>
+              </a:tr>
+            </a:tbl>
+          </a:graphicData>
+        </a:graphic>
+      </p:graphicFrame>
+      <p:graphicFrame>
+        <p:nvGraphicFramePr>
+          <p:cNvPr id="19" name="표 18">
+            <a:extLst>
+              <a:ext uri="{FF2B5EF4-FFF2-40B4-BE49-F238E27FC236}">
+                <a16:creationId xmlns:a16="http://schemas.microsoft.com/office/drawing/2014/main" id="{03437C80-A563-2843-D2D0-5BF10DB70C75}"/>
+              </a:ext>
+            </a:extLst>
+          </p:cNvPr>
+          <p:cNvGraphicFramePr>
+            <a:graphicFrameLocks noGrp="1"/>
+          </p:cNvGraphicFramePr>
+          <p:nvPr>
+            <p:extLst>
+              <p:ext uri="{D42A27DB-BD31-4B8C-83A1-F6EECF244321}">
+                <p14:modId xmlns:p14="http://schemas.microsoft.com/office/powerpoint/2010/main" val="2605410701"/>
+              </p:ext>
+            </p:extLst>
+          </p:nvPr>
+        </p:nvGraphicFramePr>
+        <p:xfrm>
+          <a:off x="1639017" y="4085025"/>
+          <a:ext cx="8181104" cy="960816"/>
+        </p:xfrm>
+        <a:graphic>
+          <a:graphicData uri="http://schemas.openxmlformats.org/drawingml/2006/table">
+            <a:tbl>
+              <a:tblPr firstRow="1" bandRow="1">
+                <a:tableStyleId>{5C22544A-7EE6-4342-B048-85BDC9FD1C3A}</a:tableStyleId>
+              </a:tblPr>
+              <a:tblGrid>
+                <a:gridCol w="1022638">
+                  <a:extLst>
+                    <a:ext uri="{9D8B030D-6E8A-4147-A177-3AD203B41FA5}">
+                      <a16:colId xmlns:a16="http://schemas.microsoft.com/office/drawing/2014/main" val="1131516617"/>
+                    </a:ext>
+                  </a:extLst>
+                </a:gridCol>
+                <a:gridCol w="1022638">
+                  <a:extLst>
+                    <a:ext uri="{9D8B030D-6E8A-4147-A177-3AD203B41FA5}">
+                      <a16:colId xmlns:a16="http://schemas.microsoft.com/office/drawing/2014/main" val="3506922680"/>
+                    </a:ext>
+                  </a:extLst>
+                </a:gridCol>
+                <a:gridCol w="1022638">
+                  <a:extLst>
+                    <a:ext uri="{9D8B030D-6E8A-4147-A177-3AD203B41FA5}">
+                      <a16:colId xmlns:a16="http://schemas.microsoft.com/office/drawing/2014/main" val="3617156863"/>
+                    </a:ext>
+                  </a:extLst>
+                </a:gridCol>
+                <a:gridCol w="1022638">
+                  <a:extLst>
+                    <a:ext uri="{9D8B030D-6E8A-4147-A177-3AD203B41FA5}">
+                      <a16:colId xmlns:a16="http://schemas.microsoft.com/office/drawing/2014/main" val="1566354829"/>
+                    </a:ext>
+                  </a:extLst>
+                </a:gridCol>
+                <a:gridCol w="1022638">
+                  <a:extLst>
+                    <a:ext uri="{9D8B030D-6E8A-4147-A177-3AD203B41FA5}">
+                      <a16:colId xmlns:a16="http://schemas.microsoft.com/office/drawing/2014/main" val="3447932480"/>
+                    </a:ext>
+                  </a:extLst>
+                </a:gridCol>
+                <a:gridCol w="1022638">
+                  <a:extLst>
+                    <a:ext uri="{9D8B030D-6E8A-4147-A177-3AD203B41FA5}">
+                      <a16:colId xmlns:a16="http://schemas.microsoft.com/office/drawing/2014/main" val="1259241208"/>
+                    </a:ext>
+                  </a:extLst>
+                </a:gridCol>
+                <a:gridCol w="1022638">
+                  <a:extLst>
+                    <a:ext uri="{9D8B030D-6E8A-4147-A177-3AD203B41FA5}">
+                      <a16:colId xmlns:a16="http://schemas.microsoft.com/office/drawing/2014/main" val="58573078"/>
+                    </a:ext>
+                  </a:extLst>
+                </a:gridCol>
+                <a:gridCol w="1022638">
+                  <a:extLst>
+                    <a:ext uri="{9D8B030D-6E8A-4147-A177-3AD203B41FA5}">
+                      <a16:colId xmlns:a16="http://schemas.microsoft.com/office/drawing/2014/main" val="1814585855"/>
+                    </a:ext>
+                  </a:extLst>
+                </a:gridCol>
+              </a:tblGrid>
+              <a:tr h="960816">
+                <a:tc>
+                  <a:txBody>
+                    <a:bodyPr/>
+                    <a:lstStyle/>
+                    <a:p>
+                      <a:pPr algn="ctr" latinLnBrk="1"/>
+                      <a:r>
+                        <a:rPr lang="en-US" altLang="ko-KR" sz="4000" dirty="0"/>
+                        <a:t>1</a:t>
+                      </a:r>
+                      <a:endParaRPr lang="ko-KR" altLang="en-US" sz="4000" dirty="0"/>
+                    </a:p>
+                  </a:txBody>
+                  <a:tcPr marL="124764" marR="124764" marT="62381" marB="62381" anchor="ctr"/>
+                </a:tc>
+                <a:tc>
+                  <a:txBody>
+                    <a:bodyPr/>
+                    <a:lstStyle/>
+                    <a:p>
+                      <a:pPr algn="ctr" latinLnBrk="1"/>
+                      <a:r>
+                        <a:rPr lang="en-US" altLang="ko-KR" sz="4000" dirty="0"/>
+                        <a:t>0</a:t>
+                      </a:r>
+                      <a:endParaRPr lang="ko-KR" altLang="en-US" sz="4000" dirty="0"/>
+                    </a:p>
+                  </a:txBody>
+                  <a:tcPr marL="124764" marR="124764" marT="62381" marB="62381" anchor="ctr"/>
+                </a:tc>
+                <a:tc>
+                  <a:txBody>
+                    <a:bodyPr/>
+                    <a:lstStyle/>
+                    <a:p>
+                      <a:pPr algn="ctr" latinLnBrk="1"/>
+                      <a:r>
+                        <a:rPr lang="en-US" altLang="ko-KR" sz="4000" dirty="0"/>
+                        <a:t>1</a:t>
+                      </a:r>
+                      <a:endParaRPr lang="ko-KR" altLang="en-US" sz="4000" dirty="0"/>
+                    </a:p>
+                  </a:txBody>
+                  <a:tcPr marL="124764" marR="124764" marT="62381" marB="62381" anchor="ctr"/>
+                </a:tc>
+                <a:tc>
+                  <a:txBody>
+                    <a:bodyPr/>
+                    <a:lstStyle/>
+                    <a:p>
+                      <a:pPr algn="ctr" latinLnBrk="1"/>
+                      <a:r>
+                        <a:rPr lang="en-US" altLang="ko-KR" sz="4000" dirty="0"/>
+                        <a:t>1</a:t>
+                      </a:r>
+                      <a:endParaRPr lang="ko-KR" altLang="en-US" sz="4000" dirty="0"/>
+                    </a:p>
+                  </a:txBody>
+                  <a:tcPr marL="124764" marR="124764" marT="62381" marB="62381" anchor="ctr"/>
+                </a:tc>
+                <a:tc>
+                  <a:txBody>
+                    <a:bodyPr/>
+                    <a:lstStyle/>
+                    <a:p>
+                      <a:pPr algn="ctr" latinLnBrk="1"/>
+                      <a:r>
+                        <a:rPr lang="en-US" altLang="ko-KR" sz="4000" dirty="0"/>
+                        <a:t>0</a:t>
+                      </a:r>
+                      <a:endParaRPr lang="ko-KR" altLang="en-US" sz="4000" dirty="0"/>
+                    </a:p>
+                  </a:txBody>
+                  <a:tcPr marL="124764" marR="124764" marT="62381" marB="62381" anchor="ctr"/>
+                </a:tc>
+                <a:tc>
+                  <a:txBody>
+                    <a:bodyPr/>
+                    <a:lstStyle/>
+                    <a:p>
+                      <a:pPr algn="ctr" latinLnBrk="1"/>
+                      <a:r>
+                        <a:rPr lang="en-US" altLang="ko-KR" sz="4000" dirty="0"/>
+                        <a:t>0</a:t>
+                      </a:r>
+                      <a:endParaRPr lang="ko-KR" altLang="en-US" sz="4000" dirty="0"/>
+                    </a:p>
+                  </a:txBody>
+                  <a:tcPr marL="124764" marR="124764" marT="62381" marB="62381" anchor="ctr"/>
+                </a:tc>
+                <a:tc>
+                  <a:txBody>
+                    <a:bodyPr/>
+                    <a:lstStyle/>
+                    <a:p>
+                      <a:pPr algn="ctr" latinLnBrk="1"/>
+                      <a:r>
+                        <a:rPr lang="en-US" altLang="ko-KR" sz="4000" dirty="0"/>
+                        <a:t>1</a:t>
+                      </a:r>
+                      <a:endParaRPr lang="ko-KR" altLang="en-US" sz="4000" dirty="0"/>
+                    </a:p>
+                  </a:txBody>
+                  <a:tcPr marL="124764" marR="124764" marT="62381" marB="62381" anchor="ctr"/>
+                </a:tc>
+                <a:tc>
+                  <a:txBody>
+                    <a:bodyPr/>
+                    <a:lstStyle/>
+                    <a:p>
+                      <a:pPr algn="ctr" latinLnBrk="1"/>
+                      <a:r>
+                        <a:rPr lang="en-US" altLang="ko-KR" sz="4000" dirty="0"/>
+                        <a:t>0</a:t>
+                      </a:r>
+                      <a:endParaRPr lang="ko-KR" altLang="en-US" sz="4000" dirty="0"/>
+                    </a:p>
+                  </a:txBody>
+                  <a:tcPr marL="124764" marR="124764" marT="62381" marB="62381" anchor="ctr"/>
+                </a:tc>
+                <a:extLst>
+                  <a:ext uri="{0D108BD9-81ED-4DB2-BD59-A6C34878D82A}">
+                    <a16:rowId xmlns:a16="http://schemas.microsoft.com/office/drawing/2014/main" val="914075533"/>
+                  </a:ext>
+                </a:extLst>
+              </a:tr>
+            </a:tbl>
+          </a:graphicData>
+        </a:graphic>
+      </p:graphicFrame>
+      <p:sp>
+        <p:nvSpPr>
+          <p:cNvPr id="20" name="TextBox 19">
+            <a:extLst>
+              <a:ext uri="{FF2B5EF4-FFF2-40B4-BE49-F238E27FC236}">
+                <a16:creationId xmlns:a16="http://schemas.microsoft.com/office/drawing/2014/main" id="{80E9372E-EB93-90E9-FBFC-97E6AC6916FE}"/>
+              </a:ext>
+            </a:extLst>
+          </p:cNvPr>
+          <p:cNvSpPr txBox="1"/>
+          <p:nvPr/>
+        </p:nvSpPr>
+        <p:spPr>
+          <a:xfrm>
+            <a:off x="680046" y="1342720"/>
+            <a:ext cx="519694" cy="830997"/>
+          </a:xfrm>
+          <a:prstGeom prst="rect">
+            <a:avLst/>
+          </a:prstGeom>
+          <a:noFill/>
+        </p:spPr>
+        <p:txBody>
+          <a:bodyPr wrap="none" rtlCol="0">
+            <a:spAutoFit/>
+          </a:bodyPr>
+          <a:lstStyle/>
+          <a:p>
+            <a:pPr algn="ctr"/>
+            <a:r>
+              <a:rPr lang="en-US" altLang="ko-KR" sz="4800" b="1" dirty="0"/>
+              <a:t>a</a:t>
+            </a:r>
+            <a:endParaRPr lang="ko-KR" altLang="en-US" sz="4800" b="1" dirty="0"/>
+          </a:p>
+        </p:txBody>
+      </p:sp>
+      <p:sp>
+        <p:nvSpPr>
+          <p:cNvPr id="21" name="TextBox 20">
+            <a:extLst>
+              <a:ext uri="{FF2B5EF4-FFF2-40B4-BE49-F238E27FC236}">
+                <a16:creationId xmlns:a16="http://schemas.microsoft.com/office/drawing/2014/main" id="{7C66B09E-8DA9-8611-CB5C-FCC2E9C7DC59}"/>
+              </a:ext>
+            </a:extLst>
+          </p:cNvPr>
+          <p:cNvSpPr txBox="1"/>
+          <p:nvPr/>
+        </p:nvSpPr>
+        <p:spPr>
+          <a:xfrm>
+            <a:off x="10073381" y="2888662"/>
+            <a:ext cx="1415773" cy="584775"/>
+          </a:xfrm>
+          <a:prstGeom prst="rect">
+            <a:avLst/>
+          </a:prstGeom>
+          <a:noFill/>
+        </p:spPr>
+        <p:txBody>
+          <a:bodyPr wrap="none" rtlCol="0">
+            <a:spAutoFit/>
+          </a:bodyPr>
+          <a:lstStyle/>
+          <a:p>
+            <a:pPr algn="ctr"/>
+            <a:r>
+              <a:rPr lang="ko-KR" altLang="en-US" sz="3200" b="1" dirty="0" err="1"/>
+              <a:t>채워짐</a:t>
+            </a:r>
+            <a:endParaRPr lang="ko-KR" altLang="en-US" sz="3200" b="1" dirty="0"/>
+          </a:p>
+        </p:txBody>
+      </p:sp>
+      <p:sp>
+        <p:nvSpPr>
+          <p:cNvPr id="22" name="TextBox 21">
+            <a:extLst>
+              <a:ext uri="{FF2B5EF4-FFF2-40B4-BE49-F238E27FC236}">
+                <a16:creationId xmlns:a16="http://schemas.microsoft.com/office/drawing/2014/main" id="{699FF4B2-8F43-9359-CBEE-C20A6ED616BE}"/>
+              </a:ext>
+            </a:extLst>
+          </p:cNvPr>
+          <p:cNvSpPr txBox="1"/>
+          <p:nvPr/>
+        </p:nvSpPr>
+        <p:spPr>
+          <a:xfrm>
+            <a:off x="9962842" y="1515248"/>
+            <a:ext cx="1412567" cy="584775"/>
+          </a:xfrm>
+          <a:prstGeom prst="rect">
+            <a:avLst/>
+          </a:prstGeom>
+          <a:noFill/>
+        </p:spPr>
+        <p:txBody>
+          <a:bodyPr wrap="none" rtlCol="0">
+            <a:spAutoFit/>
+          </a:bodyPr>
+          <a:lstStyle/>
+          <a:p>
+            <a:pPr algn="ctr"/>
+            <a:r>
+              <a:rPr lang="en-US" altLang="ko-KR" sz="3200" b="1" dirty="0"/>
+              <a:t>=0x59</a:t>
+            </a:r>
+            <a:endParaRPr lang="ko-KR" altLang="en-US" sz="3200" b="1" dirty="0"/>
+          </a:p>
+        </p:txBody>
+      </p:sp>
+      <p:sp>
+        <p:nvSpPr>
+          <p:cNvPr id="23" name="TextBox 22">
+            <a:extLst>
+              <a:ext uri="{FF2B5EF4-FFF2-40B4-BE49-F238E27FC236}">
+                <a16:creationId xmlns:a16="http://schemas.microsoft.com/office/drawing/2014/main" id="{A26EE320-E4B3-BD5B-2121-6853E77BC25D}"/>
+              </a:ext>
+            </a:extLst>
+          </p:cNvPr>
+          <p:cNvSpPr txBox="1"/>
+          <p:nvPr/>
+        </p:nvSpPr>
+        <p:spPr>
+          <a:xfrm>
+            <a:off x="9953223" y="4262077"/>
+            <a:ext cx="1431802" cy="584775"/>
+          </a:xfrm>
+          <a:prstGeom prst="rect">
+            <a:avLst/>
+          </a:prstGeom>
+          <a:noFill/>
+        </p:spPr>
+        <p:txBody>
+          <a:bodyPr wrap="none" rtlCol="0">
+            <a:spAutoFit/>
+          </a:bodyPr>
+          <a:lstStyle/>
+          <a:p>
+            <a:pPr algn="ctr"/>
+            <a:r>
+              <a:rPr lang="en-US" altLang="ko-KR" sz="3200" b="1" dirty="0"/>
+              <a:t>=0xb2</a:t>
+            </a:r>
+            <a:endParaRPr lang="ko-KR" altLang="en-US" sz="3200" b="1" dirty="0"/>
+          </a:p>
+        </p:txBody>
+      </p:sp>
+      <p:cxnSp>
+        <p:nvCxnSpPr>
+          <p:cNvPr id="24" name="연결선: 꺾임 23">
+            <a:extLst>
+              <a:ext uri="{FF2B5EF4-FFF2-40B4-BE49-F238E27FC236}">
+                <a16:creationId xmlns:a16="http://schemas.microsoft.com/office/drawing/2014/main" id="{D9C92438-62D0-6154-59C6-D6DE70348A31}"/>
+              </a:ext>
+            </a:extLst>
+          </p:cNvPr>
+          <p:cNvCxnSpPr>
+            <a:cxnSpLocks/>
+            <a:stCxn id="21" idx="1"/>
+          </p:cNvCxnSpPr>
+          <p:nvPr/>
+        </p:nvCxnSpPr>
+        <p:spPr>
+          <a:xfrm rot="10800000" flipV="1">
+            <a:off x="9292933" y="3181050"/>
+            <a:ext cx="780449" cy="910324"/>
+          </a:xfrm>
+          <a:prstGeom prst="bentConnector2">
+            <a:avLst/>
+          </a:prstGeom>
+          <a:ln w="38100">
+            <a:solidFill>
+              <a:schemeClr val="tx1"/>
+            </a:solidFill>
+            <a:tailEnd type="triangle" w="lg" len="lg"/>
+          </a:ln>
+        </p:spPr>
+        <p:style>
+          <a:lnRef idx="1">
+            <a:schemeClr val="accent1"/>
+          </a:lnRef>
+          <a:fillRef idx="0">
+            <a:schemeClr val="accent1"/>
+          </a:fillRef>
+          <a:effectRef idx="0">
+            <a:schemeClr val="accent1"/>
+          </a:effectRef>
+          <a:fontRef idx="minor">
+            <a:schemeClr val="tx1"/>
+          </a:fontRef>
+        </p:style>
+      </p:cxnSp>
+      <p:cxnSp>
+        <p:nvCxnSpPr>
+          <p:cNvPr id="25" name="직선 화살표 연결선 24">
+            <a:extLst>
+              <a:ext uri="{FF2B5EF4-FFF2-40B4-BE49-F238E27FC236}">
+                <a16:creationId xmlns:a16="http://schemas.microsoft.com/office/drawing/2014/main" id="{BE9B811A-47F0-1C45-006E-C14A8F6F253C}"/>
+              </a:ext>
+            </a:extLst>
+          </p:cNvPr>
+          <p:cNvCxnSpPr>
+            <a:cxnSpLocks/>
+          </p:cNvCxnSpPr>
+          <p:nvPr/>
+        </p:nvCxnSpPr>
+        <p:spPr>
+          <a:xfrm flipH="1">
+            <a:off x="2118618" y="2441275"/>
+            <a:ext cx="1081782" cy="1500997"/>
+          </a:xfrm>
+          <a:prstGeom prst="straightConnector1">
+            <a:avLst/>
+          </a:prstGeom>
+          <a:ln w="38100">
+            <a:solidFill>
+              <a:schemeClr val="tx1"/>
+            </a:solidFill>
+            <a:tailEnd type="triangle" w="lg" len="lg"/>
+          </a:ln>
+        </p:spPr>
+        <p:style>
+          <a:lnRef idx="1">
+            <a:schemeClr val="accent1"/>
+          </a:lnRef>
+          <a:fillRef idx="0">
+            <a:schemeClr val="accent1"/>
+          </a:fillRef>
+          <a:effectRef idx="0">
+            <a:schemeClr val="accent1"/>
+          </a:effectRef>
+          <a:fontRef idx="minor">
+            <a:schemeClr val="tx1"/>
+          </a:fontRef>
+        </p:style>
+      </p:cxnSp>
+      <p:cxnSp>
+        <p:nvCxnSpPr>
+          <p:cNvPr id="26" name="직선 화살표 연결선 25">
+            <a:extLst>
+              <a:ext uri="{FF2B5EF4-FFF2-40B4-BE49-F238E27FC236}">
+                <a16:creationId xmlns:a16="http://schemas.microsoft.com/office/drawing/2014/main" id="{ED747570-1059-7D0B-4895-B002BA47F729}"/>
+              </a:ext>
+            </a:extLst>
+          </p:cNvPr>
+          <p:cNvCxnSpPr>
+            <a:cxnSpLocks/>
+          </p:cNvCxnSpPr>
+          <p:nvPr/>
+        </p:nvCxnSpPr>
+        <p:spPr>
+          <a:xfrm flipH="1">
+            <a:off x="3200400" y="2441275"/>
+            <a:ext cx="1081782" cy="1500997"/>
+          </a:xfrm>
+          <a:prstGeom prst="straightConnector1">
+            <a:avLst/>
+          </a:prstGeom>
+          <a:ln w="38100">
+            <a:solidFill>
+              <a:schemeClr val="tx1"/>
+            </a:solidFill>
+            <a:tailEnd type="triangle" w="lg" len="lg"/>
+          </a:ln>
+        </p:spPr>
+        <p:style>
+          <a:lnRef idx="1">
+            <a:schemeClr val="accent1"/>
+          </a:lnRef>
+          <a:fillRef idx="0">
+            <a:schemeClr val="accent1"/>
+          </a:fillRef>
+          <a:effectRef idx="0">
+            <a:schemeClr val="accent1"/>
+          </a:effectRef>
+          <a:fontRef idx="minor">
+            <a:schemeClr val="tx1"/>
+          </a:fontRef>
+        </p:style>
+      </p:cxnSp>
+      <p:cxnSp>
+        <p:nvCxnSpPr>
+          <p:cNvPr id="27" name="직선 화살표 연결선 26">
+            <a:extLst>
+              <a:ext uri="{FF2B5EF4-FFF2-40B4-BE49-F238E27FC236}">
+                <a16:creationId xmlns:a16="http://schemas.microsoft.com/office/drawing/2014/main" id="{76937541-FA7F-04C7-EDC0-1FFD29412273}"/>
+              </a:ext>
+            </a:extLst>
+          </p:cNvPr>
+          <p:cNvCxnSpPr>
+            <a:cxnSpLocks/>
+          </p:cNvCxnSpPr>
+          <p:nvPr/>
+        </p:nvCxnSpPr>
+        <p:spPr>
+          <a:xfrm flipH="1">
+            <a:off x="4207080" y="2441275"/>
+            <a:ext cx="1081782" cy="1500997"/>
+          </a:xfrm>
+          <a:prstGeom prst="straightConnector1">
+            <a:avLst/>
+          </a:prstGeom>
+          <a:ln w="38100">
+            <a:solidFill>
+              <a:schemeClr val="tx1"/>
+            </a:solidFill>
+            <a:tailEnd type="triangle" w="lg" len="lg"/>
+          </a:ln>
+        </p:spPr>
+        <p:style>
+          <a:lnRef idx="1">
+            <a:schemeClr val="accent1"/>
+          </a:lnRef>
+          <a:fillRef idx="0">
+            <a:schemeClr val="accent1"/>
+          </a:fillRef>
+          <a:effectRef idx="0">
+            <a:schemeClr val="accent1"/>
+          </a:effectRef>
+          <a:fontRef idx="minor">
+            <a:schemeClr val="tx1"/>
+          </a:fontRef>
+        </p:style>
+      </p:cxnSp>
+      <p:cxnSp>
+        <p:nvCxnSpPr>
+          <p:cNvPr id="28" name="직선 화살표 연결선 27">
+            <a:extLst>
+              <a:ext uri="{FF2B5EF4-FFF2-40B4-BE49-F238E27FC236}">
+                <a16:creationId xmlns:a16="http://schemas.microsoft.com/office/drawing/2014/main" id="{0E667080-753F-2DD8-BB61-DA4A10E8AC75}"/>
+              </a:ext>
+            </a:extLst>
+          </p:cNvPr>
+          <p:cNvCxnSpPr>
+            <a:cxnSpLocks/>
+          </p:cNvCxnSpPr>
+          <p:nvPr/>
+        </p:nvCxnSpPr>
+        <p:spPr>
+          <a:xfrm flipH="1">
+            <a:off x="5213760" y="2441275"/>
+            <a:ext cx="1081782" cy="1500997"/>
+          </a:xfrm>
+          <a:prstGeom prst="straightConnector1">
+            <a:avLst/>
+          </a:prstGeom>
+          <a:ln w="38100">
+            <a:solidFill>
+              <a:schemeClr val="tx1"/>
+            </a:solidFill>
+            <a:tailEnd type="triangle" w="lg" len="lg"/>
+          </a:ln>
+        </p:spPr>
+        <p:style>
+          <a:lnRef idx="1">
+            <a:schemeClr val="accent1"/>
+          </a:lnRef>
+          <a:fillRef idx="0">
+            <a:schemeClr val="accent1"/>
+          </a:fillRef>
+          <a:effectRef idx="0">
+            <a:schemeClr val="accent1"/>
+          </a:effectRef>
+          <a:fontRef idx="minor">
+            <a:schemeClr val="tx1"/>
+          </a:fontRef>
+        </p:style>
+      </p:cxnSp>
+      <p:cxnSp>
+        <p:nvCxnSpPr>
+          <p:cNvPr id="29" name="직선 화살표 연결선 28">
+            <a:extLst>
+              <a:ext uri="{FF2B5EF4-FFF2-40B4-BE49-F238E27FC236}">
+                <a16:creationId xmlns:a16="http://schemas.microsoft.com/office/drawing/2014/main" id="{E8441A67-B0EB-99F6-D7F7-912F5F860B76}"/>
+              </a:ext>
+            </a:extLst>
+          </p:cNvPr>
+          <p:cNvCxnSpPr>
+            <a:cxnSpLocks/>
+          </p:cNvCxnSpPr>
+          <p:nvPr/>
+        </p:nvCxnSpPr>
+        <p:spPr>
+          <a:xfrm flipH="1">
+            <a:off x="6220440" y="2441275"/>
+            <a:ext cx="1081782" cy="1500997"/>
+          </a:xfrm>
+          <a:prstGeom prst="straightConnector1">
+            <a:avLst/>
+          </a:prstGeom>
+          <a:ln w="38100">
+            <a:solidFill>
+              <a:schemeClr val="tx1"/>
+            </a:solidFill>
+            <a:tailEnd type="triangle" w="lg" len="lg"/>
+          </a:ln>
+        </p:spPr>
+        <p:style>
+          <a:lnRef idx="1">
+            <a:schemeClr val="accent1"/>
+          </a:lnRef>
+          <a:fillRef idx="0">
+            <a:schemeClr val="accent1"/>
+          </a:fillRef>
+          <a:effectRef idx="0">
+            <a:schemeClr val="accent1"/>
+          </a:effectRef>
+          <a:fontRef idx="minor">
+            <a:schemeClr val="tx1"/>
+          </a:fontRef>
+        </p:style>
+      </p:cxnSp>
+      <p:cxnSp>
+        <p:nvCxnSpPr>
+          <p:cNvPr id="30" name="직선 화살표 연결선 29">
+            <a:extLst>
+              <a:ext uri="{FF2B5EF4-FFF2-40B4-BE49-F238E27FC236}">
+                <a16:creationId xmlns:a16="http://schemas.microsoft.com/office/drawing/2014/main" id="{A0AC39FA-715F-CA2B-8F02-DC43CBBF6BCB}"/>
+              </a:ext>
+            </a:extLst>
+          </p:cNvPr>
+          <p:cNvCxnSpPr>
+            <a:cxnSpLocks/>
+          </p:cNvCxnSpPr>
+          <p:nvPr/>
+        </p:nvCxnSpPr>
+        <p:spPr>
+          <a:xfrm flipH="1">
+            <a:off x="7302222" y="2441275"/>
+            <a:ext cx="1081782" cy="1500997"/>
+          </a:xfrm>
+          <a:prstGeom prst="straightConnector1">
+            <a:avLst/>
+          </a:prstGeom>
+          <a:ln w="38100">
+            <a:solidFill>
+              <a:schemeClr val="tx1"/>
+            </a:solidFill>
+            <a:tailEnd type="triangle" w="lg" len="lg"/>
+          </a:ln>
+        </p:spPr>
+        <p:style>
+          <a:lnRef idx="1">
+            <a:schemeClr val="accent1"/>
+          </a:lnRef>
+          <a:fillRef idx="0">
+            <a:schemeClr val="accent1"/>
+          </a:fillRef>
+          <a:effectRef idx="0">
+            <a:schemeClr val="accent1"/>
+          </a:effectRef>
+          <a:fontRef idx="minor">
+            <a:schemeClr val="tx1"/>
+          </a:fontRef>
+        </p:style>
+      </p:cxnSp>
+      <p:cxnSp>
+        <p:nvCxnSpPr>
+          <p:cNvPr id="31" name="직선 화살표 연결선 30">
+            <a:extLst>
+              <a:ext uri="{FF2B5EF4-FFF2-40B4-BE49-F238E27FC236}">
+                <a16:creationId xmlns:a16="http://schemas.microsoft.com/office/drawing/2014/main" id="{1FA1BD99-080F-815B-BD4B-B7DDB5281BA9}"/>
+              </a:ext>
+            </a:extLst>
+          </p:cNvPr>
+          <p:cNvCxnSpPr>
+            <a:cxnSpLocks/>
+          </p:cNvCxnSpPr>
+          <p:nvPr/>
+        </p:nvCxnSpPr>
+        <p:spPr>
+          <a:xfrm flipH="1">
+            <a:off x="8384004" y="2441275"/>
+            <a:ext cx="1081782" cy="1500997"/>
+          </a:xfrm>
+          <a:prstGeom prst="straightConnector1">
+            <a:avLst/>
+          </a:prstGeom>
+          <a:ln w="38100">
+            <a:solidFill>
+              <a:schemeClr val="tx1"/>
+            </a:solidFill>
+            <a:tailEnd type="triangle" w="lg" len="lg"/>
+          </a:ln>
+        </p:spPr>
+        <p:style>
+          <a:lnRef idx="1">
+            <a:schemeClr val="accent1"/>
+          </a:lnRef>
+          <a:fillRef idx="0">
+            <a:schemeClr val="accent1"/>
+          </a:fillRef>
+          <a:effectRef idx="0">
+            <a:schemeClr val="accent1"/>
+          </a:effectRef>
+          <a:fontRef idx="minor">
+            <a:schemeClr val="tx1"/>
+          </a:fontRef>
+        </p:style>
+      </p:cxnSp>
+      <p:sp>
+        <p:nvSpPr>
+          <p:cNvPr id="32" name="TextBox 31">
+            <a:extLst>
+              <a:ext uri="{FF2B5EF4-FFF2-40B4-BE49-F238E27FC236}">
+                <a16:creationId xmlns:a16="http://schemas.microsoft.com/office/drawing/2014/main" id="{FA64C63B-2363-FECB-6810-7A164196C5EF}"/>
+              </a:ext>
+            </a:extLst>
+          </p:cNvPr>
+          <p:cNvSpPr txBox="1"/>
+          <p:nvPr/>
+        </p:nvSpPr>
+        <p:spPr>
+          <a:xfrm>
+            <a:off x="269771" y="2997860"/>
+            <a:ext cx="1415773" cy="584775"/>
+          </a:xfrm>
+          <a:prstGeom prst="rect">
+            <a:avLst/>
+          </a:prstGeom>
+          <a:noFill/>
+        </p:spPr>
+        <p:txBody>
+          <a:bodyPr wrap="none" rtlCol="0">
+            <a:spAutoFit/>
+          </a:bodyPr>
+          <a:lstStyle/>
+          <a:p>
+            <a:pPr algn="ctr"/>
+            <a:r>
+              <a:rPr lang="ko-KR" altLang="en-US" sz="3200" b="1" dirty="0"/>
+              <a:t>밀려남</a:t>
+            </a:r>
+          </a:p>
+        </p:txBody>
+      </p:sp>
+      <p:cxnSp>
+        <p:nvCxnSpPr>
+          <p:cNvPr id="33" name="연결선: 꺾임 32">
+            <a:extLst>
+              <a:ext uri="{FF2B5EF4-FFF2-40B4-BE49-F238E27FC236}">
+                <a16:creationId xmlns:a16="http://schemas.microsoft.com/office/drawing/2014/main" id="{212A4851-22DB-E52A-48E0-2A9D263AD869}"/>
+              </a:ext>
+            </a:extLst>
+          </p:cNvPr>
+          <p:cNvCxnSpPr>
+            <a:cxnSpLocks/>
+            <a:endCxn id="32" idx="3"/>
+          </p:cNvCxnSpPr>
+          <p:nvPr/>
+        </p:nvCxnSpPr>
+        <p:spPr>
+          <a:xfrm rot="5400000">
+            <a:off x="1444971" y="2544110"/>
+            <a:ext cx="986712" cy="505565"/>
+          </a:xfrm>
+          <a:prstGeom prst="bentConnector2">
+            <a:avLst/>
+          </a:prstGeom>
+          <a:ln w="38100">
+            <a:solidFill>
+              <a:schemeClr val="tx1"/>
+            </a:solidFill>
+            <a:tailEnd type="triangle" w="lg" len="lg"/>
+          </a:ln>
+        </p:spPr>
+        <p:style>
+          <a:lnRef idx="1">
+            <a:schemeClr val="accent1"/>
+          </a:lnRef>
+          <a:fillRef idx="0">
+            <a:schemeClr val="accent1"/>
+          </a:fillRef>
+          <a:effectRef idx="0">
+            <a:schemeClr val="accent1"/>
+          </a:effectRef>
+          <a:fontRef idx="minor">
+            <a:schemeClr val="tx1"/>
+          </a:fontRef>
+        </p:style>
+      </p:cxnSp>
+      <p:sp>
+        <p:nvSpPr>
+          <p:cNvPr id="41" name="TextBox 40">
+            <a:extLst>
+              <a:ext uri="{FF2B5EF4-FFF2-40B4-BE49-F238E27FC236}">
+                <a16:creationId xmlns:a16="http://schemas.microsoft.com/office/drawing/2014/main" id="{05EF067A-2B4A-060D-1E2F-A5052478C7C0}"/>
+              </a:ext>
+            </a:extLst>
+          </p:cNvPr>
+          <p:cNvSpPr txBox="1"/>
+          <p:nvPr/>
+        </p:nvSpPr>
+        <p:spPr>
+          <a:xfrm>
+            <a:off x="361850" y="2212117"/>
+            <a:ext cx="1156086" cy="584775"/>
+          </a:xfrm>
+          <a:prstGeom prst="rect">
+            <a:avLst/>
+          </a:prstGeom>
+          <a:noFill/>
+        </p:spPr>
+        <p:txBody>
+          <a:bodyPr wrap="none" rtlCol="0">
+            <a:spAutoFit/>
+          </a:bodyPr>
+          <a:lstStyle/>
+          <a:p>
+            <a:pPr algn="ctr"/>
+            <a:r>
+              <a:rPr lang="en-US" altLang="ko-KR" sz="3200" b="1" dirty="0"/>
+              <a:t>&lt;&lt; 1</a:t>
+            </a:r>
+            <a:endParaRPr lang="ko-KR" altLang="en-US" sz="3200" b="1" dirty="0"/>
+          </a:p>
+        </p:txBody>
+      </p:sp>
+    </p:spTree>
+    <p:extLst>
+      <p:ext uri="{BB962C8B-B14F-4D97-AF65-F5344CB8AC3E}">
+        <p14:creationId xmlns:p14="http://schemas.microsoft.com/office/powerpoint/2010/main" val="136972394"/>
+      </p:ext>
+    </p:extLst>
+  </p:cSld>
+  <p:clrMapOvr>
+    <a:masterClrMapping/>
+  </p:clrMapOvr>
+</p:sld>
+</file>
+
 <file path=ppt/theme/theme1.xml><?xml version="1.0" encoding="utf-8"?>
 <a:theme xmlns:a="http://schemas.openxmlformats.org/drawingml/2006/main" name="Office 테마">
   <a:themeElements>
